--- a/content/conceptual-models/static/conceptual model.pptx
+++ b/content/conceptual-models/static/conceptual model.pptx
@@ -276,7 +276,7 @@
           <a:p>
             <a:fld id="{528C2E3B-5E59-418D-8DF4-F1DFF0FDF350}" type="datetimeFigureOut">
               <a:rPr lang="en-US" smtClean="0"/>
-              <a:t>12/7/2020</a:t>
+              <a:t>12/8/2020</a:t>
             </a:fld>
             <a:endParaRPr lang="en-US"/>
           </a:p>
@@ -446,7 +446,7 @@
           <a:p>
             <a:fld id="{528C2E3B-5E59-418D-8DF4-F1DFF0FDF350}" type="datetimeFigureOut">
               <a:rPr lang="en-US" smtClean="0"/>
-              <a:t>12/7/2020</a:t>
+              <a:t>12/8/2020</a:t>
             </a:fld>
             <a:endParaRPr lang="en-US"/>
           </a:p>
@@ -626,7 +626,7 @@
           <a:p>
             <a:fld id="{528C2E3B-5E59-418D-8DF4-F1DFF0FDF350}" type="datetimeFigureOut">
               <a:rPr lang="en-US" smtClean="0"/>
-              <a:t>12/7/2020</a:t>
+              <a:t>12/8/2020</a:t>
             </a:fld>
             <a:endParaRPr lang="en-US"/>
           </a:p>
@@ -796,7 +796,7 @@
           <a:p>
             <a:fld id="{528C2E3B-5E59-418D-8DF4-F1DFF0FDF350}" type="datetimeFigureOut">
               <a:rPr lang="en-US" smtClean="0"/>
-              <a:t>12/7/2020</a:t>
+              <a:t>12/8/2020</a:t>
             </a:fld>
             <a:endParaRPr lang="en-US"/>
           </a:p>
@@ -1042,7 +1042,7 @@
           <a:p>
             <a:fld id="{528C2E3B-5E59-418D-8DF4-F1DFF0FDF350}" type="datetimeFigureOut">
               <a:rPr lang="en-US" smtClean="0"/>
-              <a:t>12/7/2020</a:t>
+              <a:t>12/8/2020</a:t>
             </a:fld>
             <a:endParaRPr lang="en-US"/>
           </a:p>
@@ -1274,7 +1274,7 @@
           <a:p>
             <a:fld id="{528C2E3B-5E59-418D-8DF4-F1DFF0FDF350}" type="datetimeFigureOut">
               <a:rPr lang="en-US" smtClean="0"/>
-              <a:t>12/7/2020</a:t>
+              <a:t>12/8/2020</a:t>
             </a:fld>
             <a:endParaRPr lang="en-US"/>
           </a:p>
@@ -1641,7 +1641,7 @@
           <a:p>
             <a:fld id="{528C2E3B-5E59-418D-8DF4-F1DFF0FDF350}" type="datetimeFigureOut">
               <a:rPr lang="en-US" smtClean="0"/>
-              <a:t>12/7/2020</a:t>
+              <a:t>12/8/2020</a:t>
             </a:fld>
             <a:endParaRPr lang="en-US"/>
           </a:p>
@@ -1759,7 +1759,7 @@
           <a:p>
             <a:fld id="{528C2E3B-5E59-418D-8DF4-F1DFF0FDF350}" type="datetimeFigureOut">
               <a:rPr lang="en-US" smtClean="0"/>
-              <a:t>12/7/2020</a:t>
+              <a:t>12/8/2020</a:t>
             </a:fld>
             <a:endParaRPr lang="en-US"/>
           </a:p>
@@ -1854,7 +1854,7 @@
           <a:p>
             <a:fld id="{528C2E3B-5E59-418D-8DF4-F1DFF0FDF350}" type="datetimeFigureOut">
               <a:rPr lang="en-US" smtClean="0"/>
-              <a:t>12/7/2020</a:t>
+              <a:t>12/8/2020</a:t>
             </a:fld>
             <a:endParaRPr lang="en-US"/>
           </a:p>
@@ -2131,7 +2131,7 @@
           <a:p>
             <a:fld id="{528C2E3B-5E59-418D-8DF4-F1DFF0FDF350}" type="datetimeFigureOut">
               <a:rPr lang="en-US" smtClean="0"/>
-              <a:t>12/7/2020</a:t>
+              <a:t>12/8/2020</a:t>
             </a:fld>
             <a:endParaRPr lang="en-US"/>
           </a:p>
@@ -2388,7 +2388,7 @@
           <a:p>
             <a:fld id="{528C2E3B-5E59-418D-8DF4-F1DFF0FDF350}" type="datetimeFigureOut">
               <a:rPr lang="en-US" smtClean="0"/>
-              <a:t>12/7/2020</a:t>
+              <a:t>12/8/2020</a:t>
             </a:fld>
             <a:endParaRPr lang="en-US"/>
           </a:p>
@@ -2601,7 +2601,7 @@
           <a:p>
             <a:fld id="{528C2E3B-5E59-418D-8DF4-F1DFF0FDF350}" type="datetimeFigureOut">
               <a:rPr lang="en-US" smtClean="0"/>
-              <a:t>12/7/2020</a:t>
+              <a:t>12/8/2020</a:t>
             </a:fld>
             <a:endParaRPr lang="en-US"/>
           </a:p>
@@ -10411,6 +10411,40 @@
           </a:fontRef>
         </p:style>
       </p:cxnSp>
+      <p:sp>
+        <p:nvSpPr>
+          <p:cNvPr id="11" name="TextBox 10"/>
+          <p:cNvSpPr txBox="1"/>
+          <p:nvPr/>
+        </p:nvSpPr>
+        <p:spPr>
+          <a:xfrm>
+            <a:off x="5922867" y="2900518"/>
+            <a:ext cx="363794" cy="523220"/>
+          </a:xfrm>
+          <a:prstGeom prst="rect">
+            <a:avLst/>
+          </a:prstGeom>
+          <a:noFill/>
+        </p:spPr>
+        <p:txBody>
+          <a:bodyPr wrap="square" rtlCol="0">
+            <a:spAutoFit/>
+          </a:bodyPr>
+          <a:lstStyle/>
+          <a:p>
+            <a:r>
+              <a:rPr lang="en-US" sz="2800" smtClean="0">
+                <a:latin typeface="Britannic Bold" panose="020B0903060703020204" pitchFamily="34" charset="0"/>
+              </a:rPr>
+              <a:t>a</a:t>
+            </a:r>
+            <a:endParaRPr lang="en-US" sz="2800">
+              <a:latin typeface="Britannic Bold" panose="020B0903060703020204" pitchFamily="34" charset="0"/>
+            </a:endParaRPr>
+          </a:p>
+        </p:txBody>
+      </p:sp>
     </p:spTree>
     <p:extLst>
       <p:ext uri="{BB962C8B-B14F-4D97-AF65-F5344CB8AC3E}">

--- a/content/conceptual-models/static/conceptual model.pptx
+++ b/content/conceptual-models/static/conceptual model.pptx
@@ -14455,6 +14455,74 @@
           </a:fontRef>
         </p:style>
       </p:cxnSp>
+      <p:sp>
+        <p:nvSpPr>
+          <p:cNvPr id="17" name="TextBox 16"/>
+          <p:cNvSpPr txBox="1"/>
+          <p:nvPr/>
+        </p:nvSpPr>
+        <p:spPr>
+          <a:xfrm>
+            <a:off x="5922867" y="3788542"/>
+            <a:ext cx="363794" cy="523220"/>
+          </a:xfrm>
+          <a:prstGeom prst="rect">
+            <a:avLst/>
+          </a:prstGeom>
+          <a:noFill/>
+        </p:spPr>
+        <p:txBody>
+          <a:bodyPr wrap="square" rtlCol="0">
+            <a:spAutoFit/>
+          </a:bodyPr>
+          <a:lstStyle/>
+          <a:p>
+            <a:r>
+              <a:rPr lang="en-US" sz="2800">
+                <a:latin typeface="Britannic Bold" panose="020B0903060703020204" pitchFamily="34" charset="0"/>
+              </a:rPr>
+              <a:t>b</a:t>
+            </a:r>
+            <a:endParaRPr lang="en-US" sz="2800">
+              <a:latin typeface="Britannic Bold" panose="020B0903060703020204" pitchFamily="34" charset="0"/>
+            </a:endParaRPr>
+          </a:p>
+        </p:txBody>
+      </p:sp>
+      <p:sp>
+        <p:nvSpPr>
+          <p:cNvPr id="18" name="TextBox 17"/>
+          <p:cNvSpPr txBox="1"/>
+          <p:nvPr/>
+        </p:nvSpPr>
+        <p:spPr>
+          <a:xfrm>
+            <a:off x="5922867" y="2030081"/>
+            <a:ext cx="363794" cy="523220"/>
+          </a:xfrm>
+          <a:prstGeom prst="rect">
+            <a:avLst/>
+          </a:prstGeom>
+          <a:noFill/>
+        </p:spPr>
+        <p:txBody>
+          <a:bodyPr wrap="square" rtlCol="0">
+            <a:spAutoFit/>
+          </a:bodyPr>
+          <a:lstStyle/>
+          <a:p>
+            <a:r>
+              <a:rPr lang="en-US" sz="2800" smtClean="0">
+                <a:latin typeface="Britannic Bold" panose="020B0903060703020204" pitchFamily="34" charset="0"/>
+              </a:rPr>
+              <a:t>a</a:t>
+            </a:r>
+            <a:endParaRPr lang="en-US" sz="2800">
+              <a:latin typeface="Britannic Bold" panose="020B0903060703020204" pitchFamily="34" charset="0"/>
+            </a:endParaRPr>
+          </a:p>
+        </p:txBody>
+      </p:sp>
     </p:spTree>
     <p:extLst>
       <p:ext uri="{BB962C8B-B14F-4D97-AF65-F5344CB8AC3E}">
@@ -14969,6 +15037,118 @@
           <a:p>
             <a:pPr algn="ctr"/>
             <a:endParaRPr lang="en-US"/>
+          </a:p>
+        </p:txBody>
+      </p:sp>
+      <p:sp>
+        <p:nvSpPr>
+          <p:cNvPr id="17" name="TextBox 16"/>
+          <p:cNvSpPr txBox="1"/>
+          <p:nvPr/>
+        </p:nvSpPr>
+        <p:spPr>
+          <a:xfrm>
+            <a:off x="5922867" y="3788542"/>
+            <a:ext cx="363794" cy="523220"/>
+          </a:xfrm>
+          <a:prstGeom prst="rect">
+            <a:avLst/>
+          </a:prstGeom>
+          <a:noFill/>
+        </p:spPr>
+        <p:txBody>
+          <a:bodyPr wrap="square" rtlCol="0">
+            <a:spAutoFit/>
+          </a:bodyPr>
+          <a:lstStyle/>
+          <a:p>
+            <a:r>
+              <a:rPr lang="en-US" sz="2800">
+                <a:latin typeface="Britannic Bold" panose="020B0903060703020204" pitchFamily="34" charset="0"/>
+              </a:rPr>
+              <a:t>b</a:t>
+            </a:r>
+            <a:endParaRPr lang="en-US" sz="2800">
+              <a:latin typeface="Britannic Bold" panose="020B0903060703020204" pitchFamily="34" charset="0"/>
+            </a:endParaRPr>
+          </a:p>
+        </p:txBody>
+      </p:sp>
+      <p:sp>
+        <p:nvSpPr>
+          <p:cNvPr id="18" name="TextBox 17"/>
+          <p:cNvSpPr txBox="1"/>
+          <p:nvPr/>
+        </p:nvSpPr>
+        <p:spPr>
+          <a:xfrm>
+            <a:off x="5922867" y="2030081"/>
+            <a:ext cx="363794" cy="523220"/>
+          </a:xfrm>
+          <a:prstGeom prst="rect">
+            <a:avLst/>
+          </a:prstGeom>
+          <a:noFill/>
+        </p:spPr>
+        <p:txBody>
+          <a:bodyPr wrap="square" rtlCol="0">
+            <a:spAutoFit/>
+          </a:bodyPr>
+          <a:lstStyle/>
+          <a:p>
+            <a:r>
+              <a:rPr lang="en-US" sz="2800" smtClean="0">
+                <a:latin typeface="Britannic Bold" panose="020B0903060703020204" pitchFamily="34" charset="0"/>
+              </a:rPr>
+              <a:t>a</a:t>
+            </a:r>
+            <a:endParaRPr lang="en-US" sz="2800">
+              <a:latin typeface="Britannic Bold" panose="020B0903060703020204" pitchFamily="34" charset="0"/>
+            </a:endParaRPr>
+          </a:p>
+        </p:txBody>
+      </p:sp>
+      <p:sp>
+        <p:nvSpPr>
+          <p:cNvPr id="19" name="TextBox 18"/>
+          <p:cNvSpPr txBox="1"/>
+          <p:nvPr/>
+        </p:nvSpPr>
+        <p:spPr>
+          <a:xfrm>
+            <a:off x="140468" y="3171113"/>
+            <a:ext cx="363794" cy="523220"/>
+          </a:xfrm>
+          <a:prstGeom prst="rect">
+            <a:avLst/>
+          </a:prstGeom>
+          <a:noFill/>
+        </p:spPr>
+        <p:txBody>
+          <a:bodyPr wrap="square" rtlCol="0">
+            <a:spAutoFit/>
+          </a:bodyPr>
+          <a:lstStyle/>
+          <a:p>
+            <a:r>
+              <a:rPr lang="en-US" sz="2800" smtClean="0">
+                <a:solidFill>
+                  <a:schemeClr val="bg1">
+                    <a:lumMod val="50000"/>
+                  </a:schemeClr>
+                </a:solidFill>
+                <a:latin typeface="Britannic Bold" panose="020B0903060703020204" pitchFamily="34" charset="0"/>
+              </a:rPr>
+              <a:t>c</a:t>
+            </a:r>
+            <a:endParaRPr lang="en-US" sz="2800">
+              <a:solidFill>
+                <a:schemeClr val="bg1">
+                  <a:lumMod val="50000"/>
+                </a:schemeClr>
+              </a:solidFill>
+              <a:latin typeface="Britannic Bold" panose="020B0903060703020204" pitchFamily="34" charset="0"/>
+            </a:endParaRPr>
           </a:p>
         </p:txBody>
       </p:sp>

--- a/content/conceptual-models/static/conceptual model.pptx
+++ b/content/conceptual-models/static/conceptual model.pptx
@@ -276,7 +276,7 @@
           <a:p>
             <a:fld id="{528C2E3B-5E59-418D-8DF4-F1DFF0FDF350}" type="datetimeFigureOut">
               <a:rPr lang="en-US" smtClean="0"/>
-              <a:t>12/8/2020</a:t>
+              <a:t>12/9/2020</a:t>
             </a:fld>
             <a:endParaRPr lang="en-US"/>
           </a:p>
@@ -446,7 +446,7 @@
           <a:p>
             <a:fld id="{528C2E3B-5E59-418D-8DF4-F1DFF0FDF350}" type="datetimeFigureOut">
               <a:rPr lang="en-US" smtClean="0"/>
-              <a:t>12/8/2020</a:t>
+              <a:t>12/9/2020</a:t>
             </a:fld>
             <a:endParaRPr lang="en-US"/>
           </a:p>
@@ -626,7 +626,7 @@
           <a:p>
             <a:fld id="{528C2E3B-5E59-418D-8DF4-F1DFF0FDF350}" type="datetimeFigureOut">
               <a:rPr lang="en-US" smtClean="0"/>
-              <a:t>12/8/2020</a:t>
+              <a:t>12/9/2020</a:t>
             </a:fld>
             <a:endParaRPr lang="en-US"/>
           </a:p>
@@ -796,7 +796,7 @@
           <a:p>
             <a:fld id="{528C2E3B-5E59-418D-8DF4-F1DFF0FDF350}" type="datetimeFigureOut">
               <a:rPr lang="en-US" smtClean="0"/>
-              <a:t>12/8/2020</a:t>
+              <a:t>12/9/2020</a:t>
             </a:fld>
             <a:endParaRPr lang="en-US"/>
           </a:p>
@@ -1042,7 +1042,7 @@
           <a:p>
             <a:fld id="{528C2E3B-5E59-418D-8DF4-F1DFF0FDF350}" type="datetimeFigureOut">
               <a:rPr lang="en-US" smtClean="0"/>
-              <a:t>12/8/2020</a:t>
+              <a:t>12/9/2020</a:t>
             </a:fld>
             <a:endParaRPr lang="en-US"/>
           </a:p>
@@ -1274,7 +1274,7 @@
           <a:p>
             <a:fld id="{528C2E3B-5E59-418D-8DF4-F1DFF0FDF350}" type="datetimeFigureOut">
               <a:rPr lang="en-US" smtClean="0"/>
-              <a:t>12/8/2020</a:t>
+              <a:t>12/9/2020</a:t>
             </a:fld>
             <a:endParaRPr lang="en-US"/>
           </a:p>
@@ -1641,7 +1641,7 @@
           <a:p>
             <a:fld id="{528C2E3B-5E59-418D-8DF4-F1DFF0FDF350}" type="datetimeFigureOut">
               <a:rPr lang="en-US" smtClean="0"/>
-              <a:t>12/8/2020</a:t>
+              <a:t>12/9/2020</a:t>
             </a:fld>
             <a:endParaRPr lang="en-US"/>
           </a:p>
@@ -1759,7 +1759,7 @@
           <a:p>
             <a:fld id="{528C2E3B-5E59-418D-8DF4-F1DFF0FDF350}" type="datetimeFigureOut">
               <a:rPr lang="en-US" smtClean="0"/>
-              <a:t>12/8/2020</a:t>
+              <a:t>12/9/2020</a:t>
             </a:fld>
             <a:endParaRPr lang="en-US"/>
           </a:p>
@@ -1854,7 +1854,7 @@
           <a:p>
             <a:fld id="{528C2E3B-5E59-418D-8DF4-F1DFF0FDF350}" type="datetimeFigureOut">
               <a:rPr lang="en-US" smtClean="0"/>
-              <a:t>12/8/2020</a:t>
+              <a:t>12/9/2020</a:t>
             </a:fld>
             <a:endParaRPr lang="en-US"/>
           </a:p>
@@ -2131,7 +2131,7 @@
           <a:p>
             <a:fld id="{528C2E3B-5E59-418D-8DF4-F1DFF0FDF350}" type="datetimeFigureOut">
               <a:rPr lang="en-US" smtClean="0"/>
-              <a:t>12/8/2020</a:t>
+              <a:t>12/9/2020</a:t>
             </a:fld>
             <a:endParaRPr lang="en-US"/>
           </a:p>
@@ -2388,7 +2388,7 @@
           <a:p>
             <a:fld id="{528C2E3B-5E59-418D-8DF4-F1DFF0FDF350}" type="datetimeFigureOut">
               <a:rPr lang="en-US" smtClean="0"/>
-              <a:t>12/8/2020</a:t>
+              <a:t>12/9/2020</a:t>
             </a:fld>
             <a:endParaRPr lang="en-US"/>
           </a:p>
@@ -2601,7 +2601,7 @@
           <a:p>
             <a:fld id="{528C2E3B-5E59-418D-8DF4-F1DFF0FDF350}" type="datetimeFigureOut">
               <a:rPr lang="en-US" smtClean="0"/>
-              <a:t>12/8/2020</a:t>
+              <a:t>12/9/2020</a:t>
             </a:fld>
             <a:endParaRPr lang="en-US"/>
           </a:p>
@@ -4762,7 +4762,7 @@
                   </a:schemeClr>
                 </a:solidFill>
               </a:rPr>
-              <a:t>1</a:t>
+              <a:t>y</a:t>
             </a:r>
             <a:endParaRPr lang="en-US" sz="3200">
               <a:solidFill>
@@ -4807,14 +4807,14 @@
               <a:t>ε</a:t>
             </a:r>
             <a:r>
-              <a:rPr lang="nl-NL" sz="3200" baseline="-25000" smtClean="0">
+              <a:rPr lang="nl-NL" sz="3200" baseline="-25000">
                 <a:solidFill>
                   <a:schemeClr val="bg1">
                     <a:lumMod val="50000"/>
                   </a:schemeClr>
                 </a:solidFill>
               </a:rPr>
-              <a:t>2</a:t>
+              <a:t>x</a:t>
             </a:r>
             <a:endParaRPr lang="en-US" sz="3200">
               <a:solidFill>
@@ -6013,6 +6013,50 @@
           </a:p>
         </p:txBody>
       </p:sp>
+      <p:sp>
+        <p:nvSpPr>
+          <p:cNvPr id="18" name="TextBox 17"/>
+          <p:cNvSpPr txBox="1"/>
+          <p:nvPr/>
+        </p:nvSpPr>
+        <p:spPr>
+          <a:xfrm>
+            <a:off x="8026808" y="1190880"/>
+            <a:ext cx="615585" cy="523220"/>
+          </a:xfrm>
+          <a:prstGeom prst="rect">
+            <a:avLst/>
+          </a:prstGeom>
+          <a:noFill/>
+        </p:spPr>
+        <p:txBody>
+          <a:bodyPr wrap="square" rtlCol="0">
+            <a:spAutoFit/>
+          </a:bodyPr>
+          <a:lstStyle/>
+          <a:p>
+            <a:r>
+              <a:rPr lang="en-US" sz="2800">
+                <a:solidFill>
+                  <a:schemeClr val="bg1">
+                    <a:lumMod val="50000"/>
+                  </a:schemeClr>
+                </a:solidFill>
+                <a:latin typeface="Britannic Bold" panose="020B0903060703020204" pitchFamily="34" charset="0"/>
+              </a:rPr>
+              <a:t>d</a:t>
+            </a:r>
+            <a:endParaRPr lang="en-US" sz="2800">
+              <a:solidFill>
+                <a:schemeClr val="bg1">
+                  <a:lumMod val="50000"/>
+                </a:schemeClr>
+              </a:solidFill>
+              <a:latin typeface="Britannic Bold" panose="020B0903060703020204" pitchFamily="34" charset="0"/>
+            </a:endParaRPr>
+          </a:p>
+        </p:txBody>
+      </p:sp>
     </p:spTree>
     <p:extLst>
       <p:ext uri="{BB962C8B-B14F-4D97-AF65-F5344CB8AC3E}">
@@ -6621,6 +6665,40 @@
           </a:p>
         </p:txBody>
       </p:sp>
+      <p:sp>
+        <p:nvSpPr>
+          <p:cNvPr id="19" name="TextBox 18"/>
+          <p:cNvSpPr txBox="1"/>
+          <p:nvPr/>
+        </p:nvSpPr>
+        <p:spPr>
+          <a:xfrm>
+            <a:off x="8026808" y="1190880"/>
+            <a:ext cx="615585" cy="523220"/>
+          </a:xfrm>
+          <a:prstGeom prst="rect">
+            <a:avLst/>
+          </a:prstGeom>
+          <a:noFill/>
+        </p:spPr>
+        <p:txBody>
+          <a:bodyPr wrap="square" rtlCol="0">
+            <a:spAutoFit/>
+          </a:bodyPr>
+          <a:lstStyle/>
+          <a:p>
+            <a:r>
+              <a:rPr lang="en-US" sz="2800">
+                <a:latin typeface="Britannic Bold" panose="020B0903060703020204" pitchFamily="34" charset="0"/>
+              </a:rPr>
+              <a:t>d</a:t>
+            </a:r>
+            <a:endParaRPr lang="en-US" sz="2800">
+              <a:latin typeface="Britannic Bold" panose="020B0903060703020204" pitchFamily="34" charset="0"/>
+            </a:endParaRPr>
+          </a:p>
+        </p:txBody>
+      </p:sp>
     </p:spTree>
     <p:extLst>
       <p:ext uri="{BB962C8B-B14F-4D97-AF65-F5344CB8AC3E}">
@@ -7048,7 +7126,7 @@
         </p:nvGrpSpPr>
         <p:grpSpPr>
           <a:xfrm>
-            <a:off x="1095124" y="3944946"/>
+            <a:off x="1095124" y="4129584"/>
             <a:ext cx="2092569" cy="1380392"/>
             <a:chOff x="2412023" y="1998785"/>
             <a:chExt cx="2092569" cy="1380392"/>
@@ -7153,7 +7231,7 @@
         </p:nvGrpSpPr>
         <p:grpSpPr>
           <a:xfrm>
-            <a:off x="9031661" y="3941705"/>
+            <a:off x="9031661" y="4126343"/>
             <a:ext cx="2092569" cy="1380392"/>
             <a:chOff x="2412023" y="1998785"/>
             <a:chExt cx="2092569" cy="1380392"/>
@@ -7258,7 +7336,7 @@
         </p:nvCxnSpPr>
         <p:spPr>
           <a:xfrm>
-            <a:off x="3239723" y="4616243"/>
+            <a:off x="3239723" y="4800881"/>
             <a:ext cx="5760000" cy="9832"/>
           </a:xfrm>
           <a:prstGeom prst="straightConnector1">
@@ -7298,7 +7376,7 @@
         </p:nvSpPr>
         <p:spPr>
           <a:xfrm>
-            <a:off x="4782975" y="4100212"/>
+            <a:off x="4782975" y="4284850"/>
             <a:ext cx="615585" cy="523220"/>
           </a:xfrm>
           <a:prstGeom prst="rect">
@@ -7332,7 +7410,7 @@
         </p:nvSpPr>
         <p:spPr>
           <a:xfrm>
-            <a:off x="5009532" y="3210239"/>
+            <a:off x="5009532" y="3394877"/>
             <a:ext cx="1936955" cy="369332"/>
           </a:xfrm>
           <a:prstGeom prst="rect">
@@ -7366,7 +7444,7 @@
         </p:nvSpPr>
         <p:spPr>
           <a:xfrm>
-            <a:off x="4508087" y="3229904"/>
+            <a:off x="4508087" y="3414542"/>
             <a:ext cx="525612" cy="369332"/>
           </a:xfrm>
           <a:prstGeom prst="rect">
@@ -7399,6 +7477,46 @@
           </a:p>
         </p:txBody>
       </p:sp>
+      <p:cxnSp>
+        <p:nvCxnSpPr>
+          <p:cNvPr id="24" name="Straight Arrow Connector 23"/>
+          <p:cNvCxnSpPr/>
+          <p:nvPr/>
+        </p:nvCxnSpPr>
+        <p:spPr>
+          <a:xfrm>
+            <a:off x="-4927" y="3115313"/>
+            <a:ext cx="12204000" cy="9832"/>
+          </a:xfrm>
+          <a:prstGeom prst="straightConnector1">
+            <a:avLst/>
+          </a:prstGeom>
+          <a:ln w="38100">
+            <a:solidFill>
+              <a:schemeClr val="bg1">
+                <a:lumMod val="50000"/>
+              </a:schemeClr>
+            </a:solidFill>
+            <a:prstDash val="sysDash"/>
+            <a:headEnd type="none" w="lg" len="lg"/>
+            <a:tailEnd type="none" w="lg" len="lg"/>
+          </a:ln>
+        </p:spPr>
+        <p:style>
+          <a:lnRef idx="1">
+            <a:schemeClr val="accent1"/>
+          </a:lnRef>
+          <a:fillRef idx="0">
+            <a:schemeClr val="accent1"/>
+          </a:fillRef>
+          <a:effectRef idx="0">
+            <a:schemeClr val="accent1"/>
+          </a:effectRef>
+          <a:fontRef idx="minor">
+            <a:schemeClr val="tx1"/>
+          </a:fontRef>
+        </p:style>
+      </p:cxnSp>
     </p:spTree>
     <p:extLst>
       <p:ext uri="{BB962C8B-B14F-4D97-AF65-F5344CB8AC3E}">
@@ -7974,6 +8092,71 @@
           </a:p>
         </p:txBody>
       </p:sp>
+      <p:sp>
+        <p:nvSpPr>
+          <p:cNvPr id="17" name="TextBox 16"/>
+          <p:cNvSpPr txBox="1"/>
+          <p:nvPr/>
+        </p:nvSpPr>
+        <p:spPr>
+          <a:xfrm>
+            <a:off x="4778062" y="3635359"/>
+            <a:ext cx="615585" cy="523220"/>
+          </a:xfrm>
+          <a:prstGeom prst="rect">
+            <a:avLst/>
+          </a:prstGeom>
+          <a:noFill/>
+        </p:spPr>
+        <p:txBody>
+          <a:bodyPr wrap="square" rtlCol="0">
+            <a:spAutoFit/>
+          </a:bodyPr>
+          <a:lstStyle/>
+          <a:p>
+            <a:r>
+              <a:rPr lang="en-US" sz="2800">
+                <a:latin typeface="Britannic Bold" panose="020B0903060703020204" pitchFamily="34" charset="0"/>
+              </a:rPr>
+              <a:t>a</a:t>
+            </a:r>
+          </a:p>
+        </p:txBody>
+      </p:sp>
+      <p:sp>
+        <p:nvSpPr>
+          <p:cNvPr id="20" name="TextBox 19"/>
+          <p:cNvSpPr txBox="1"/>
+          <p:nvPr/>
+        </p:nvSpPr>
+        <p:spPr>
+          <a:xfrm>
+            <a:off x="4778062" y="1436998"/>
+            <a:ext cx="615585" cy="523220"/>
+          </a:xfrm>
+          <a:prstGeom prst="rect">
+            <a:avLst/>
+          </a:prstGeom>
+          <a:noFill/>
+        </p:spPr>
+        <p:txBody>
+          <a:bodyPr wrap="square" rtlCol="0">
+            <a:spAutoFit/>
+          </a:bodyPr>
+          <a:lstStyle/>
+          <a:p>
+            <a:r>
+              <a:rPr lang="en-US" sz="2800">
+                <a:latin typeface="Britannic Bold" panose="020B0903060703020204" pitchFamily="34" charset="0"/>
+              </a:rPr>
+              <a:t>b</a:t>
+            </a:r>
+            <a:endParaRPr lang="en-US" sz="2800">
+              <a:latin typeface="Britannic Bold" panose="020B0903060703020204" pitchFamily="34" charset="0"/>
+            </a:endParaRPr>
+          </a:p>
+        </p:txBody>
+      </p:sp>
     </p:spTree>
     <p:extLst>
       <p:ext uri="{BB962C8B-B14F-4D97-AF65-F5344CB8AC3E}">
@@ -8654,6 +8837,71 @@
           </a:fontRef>
         </p:style>
       </p:cxnSp>
+      <p:sp>
+        <p:nvSpPr>
+          <p:cNvPr id="24" name="TextBox 23"/>
+          <p:cNvSpPr txBox="1"/>
+          <p:nvPr/>
+        </p:nvSpPr>
+        <p:spPr>
+          <a:xfrm>
+            <a:off x="4778062" y="3635359"/>
+            <a:ext cx="615585" cy="523220"/>
+          </a:xfrm>
+          <a:prstGeom prst="rect">
+            <a:avLst/>
+          </a:prstGeom>
+          <a:noFill/>
+        </p:spPr>
+        <p:txBody>
+          <a:bodyPr wrap="square" rtlCol="0">
+            <a:spAutoFit/>
+          </a:bodyPr>
+          <a:lstStyle/>
+          <a:p>
+            <a:r>
+              <a:rPr lang="en-US" sz="2800">
+                <a:latin typeface="Britannic Bold" panose="020B0903060703020204" pitchFamily="34" charset="0"/>
+              </a:rPr>
+              <a:t>a</a:t>
+            </a:r>
+          </a:p>
+        </p:txBody>
+      </p:sp>
+      <p:sp>
+        <p:nvSpPr>
+          <p:cNvPr id="25" name="TextBox 24"/>
+          <p:cNvSpPr txBox="1"/>
+          <p:nvPr/>
+        </p:nvSpPr>
+        <p:spPr>
+          <a:xfrm>
+            <a:off x="4778062" y="759991"/>
+            <a:ext cx="615585" cy="523220"/>
+          </a:xfrm>
+          <a:prstGeom prst="rect">
+            <a:avLst/>
+          </a:prstGeom>
+          <a:noFill/>
+        </p:spPr>
+        <p:txBody>
+          <a:bodyPr wrap="square" rtlCol="0">
+            <a:spAutoFit/>
+          </a:bodyPr>
+          <a:lstStyle/>
+          <a:p>
+            <a:r>
+              <a:rPr lang="en-US" sz="2800">
+                <a:latin typeface="Britannic Bold" panose="020B0903060703020204" pitchFamily="34" charset="0"/>
+              </a:rPr>
+              <a:t>b</a:t>
+            </a:r>
+            <a:endParaRPr lang="en-US" sz="2800">
+              <a:latin typeface="Britannic Bold" panose="020B0903060703020204" pitchFamily="34" charset="0"/>
+            </a:endParaRPr>
+          </a:p>
+        </p:txBody>
+      </p:sp>
     </p:spTree>
     <p:extLst>
       <p:ext uri="{BB962C8B-B14F-4D97-AF65-F5344CB8AC3E}">
@@ -8850,13 +9098,13 @@
                 <a:rPr lang="en-US" sz="6600" smtClean="0">
                   <a:latin typeface="Britannic Bold" panose="020B0903060703020204" pitchFamily="34" charset="0"/>
                 </a:rPr>
-                <a:t>X2</a:t>
+                <a:t>X</a:t>
               </a:r>
               <a:r>
                 <a:rPr lang="en-US" sz="6600" baseline="-25000" smtClean="0">
                   <a:latin typeface="Britannic Bold" panose="020B0903060703020204" pitchFamily="34" charset="0"/>
                 </a:rPr>
-                <a:t>ij</a:t>
+                <a:t>2ij</a:t>
               </a:r>
               <a:endParaRPr lang="en-US" sz="6600">
                 <a:latin typeface="Britannic Bold" panose="020B0903060703020204" pitchFamily="34" charset="0"/>
@@ -9136,13 +9384,13 @@
                 <a:rPr lang="en-US" sz="6600" smtClean="0">
                   <a:latin typeface="Britannic Bold" panose="020B0903060703020204" pitchFamily="34" charset="0"/>
                 </a:rPr>
-                <a:t>X1</a:t>
+                <a:t>X</a:t>
               </a:r>
               <a:r>
                 <a:rPr lang="en-US" sz="6600" baseline="-25000" smtClean="0">
                   <a:latin typeface="Britannic Bold" panose="020B0903060703020204" pitchFamily="34" charset="0"/>
                 </a:rPr>
-                <a:t>j</a:t>
+                <a:t>1j</a:t>
               </a:r>
               <a:endParaRPr lang="en-US" sz="6600">
                 <a:latin typeface="Britannic Bold" panose="020B0903060703020204" pitchFamily="34" charset="0"/>
@@ -9379,6 +9627,71 @@
           </a:fontRef>
         </p:style>
       </p:cxnSp>
+      <p:sp>
+        <p:nvSpPr>
+          <p:cNvPr id="24" name="TextBox 23"/>
+          <p:cNvSpPr txBox="1"/>
+          <p:nvPr/>
+        </p:nvSpPr>
+        <p:spPr>
+          <a:xfrm>
+            <a:off x="4778062" y="3635359"/>
+            <a:ext cx="615585" cy="523220"/>
+          </a:xfrm>
+          <a:prstGeom prst="rect">
+            <a:avLst/>
+          </a:prstGeom>
+          <a:noFill/>
+        </p:spPr>
+        <p:txBody>
+          <a:bodyPr wrap="square" rtlCol="0">
+            <a:spAutoFit/>
+          </a:bodyPr>
+          <a:lstStyle/>
+          <a:p>
+            <a:r>
+              <a:rPr lang="en-US" sz="2800">
+                <a:latin typeface="Britannic Bold" panose="020B0903060703020204" pitchFamily="34" charset="0"/>
+              </a:rPr>
+              <a:t>a</a:t>
+            </a:r>
+          </a:p>
+        </p:txBody>
+      </p:sp>
+      <p:sp>
+        <p:nvSpPr>
+          <p:cNvPr id="25" name="TextBox 24"/>
+          <p:cNvSpPr txBox="1"/>
+          <p:nvPr/>
+        </p:nvSpPr>
+        <p:spPr>
+          <a:xfrm>
+            <a:off x="4778062" y="759991"/>
+            <a:ext cx="615585" cy="523220"/>
+          </a:xfrm>
+          <a:prstGeom prst="rect">
+            <a:avLst/>
+          </a:prstGeom>
+          <a:noFill/>
+        </p:spPr>
+        <p:txBody>
+          <a:bodyPr wrap="square" rtlCol="0">
+            <a:spAutoFit/>
+          </a:bodyPr>
+          <a:lstStyle/>
+          <a:p>
+            <a:r>
+              <a:rPr lang="en-US" sz="2800">
+                <a:latin typeface="Britannic Bold" panose="020B0903060703020204" pitchFamily="34" charset="0"/>
+              </a:rPr>
+              <a:t>b</a:t>
+            </a:r>
+            <a:endParaRPr lang="en-US" sz="2800">
+              <a:latin typeface="Britannic Bold" panose="020B0903060703020204" pitchFamily="34" charset="0"/>
+            </a:endParaRPr>
+          </a:p>
+        </p:txBody>
+      </p:sp>
     </p:spTree>
     <p:extLst>
       <p:ext uri="{BB962C8B-B14F-4D97-AF65-F5344CB8AC3E}">
@@ -10101,6 +10414,71 @@
           </a:fontRef>
         </p:style>
       </p:cxnSp>
+      <p:sp>
+        <p:nvSpPr>
+          <p:cNvPr id="24" name="TextBox 23"/>
+          <p:cNvSpPr txBox="1"/>
+          <p:nvPr/>
+        </p:nvSpPr>
+        <p:spPr>
+          <a:xfrm>
+            <a:off x="4778062" y="3635359"/>
+            <a:ext cx="615585" cy="523220"/>
+          </a:xfrm>
+          <a:prstGeom prst="rect">
+            <a:avLst/>
+          </a:prstGeom>
+          <a:noFill/>
+        </p:spPr>
+        <p:txBody>
+          <a:bodyPr wrap="square" rtlCol="0">
+            <a:spAutoFit/>
+          </a:bodyPr>
+          <a:lstStyle/>
+          <a:p>
+            <a:r>
+              <a:rPr lang="en-US" sz="2800">
+                <a:latin typeface="Britannic Bold" panose="020B0903060703020204" pitchFamily="34" charset="0"/>
+              </a:rPr>
+              <a:t>a</a:t>
+            </a:r>
+          </a:p>
+        </p:txBody>
+      </p:sp>
+      <p:sp>
+        <p:nvSpPr>
+          <p:cNvPr id="25" name="TextBox 24"/>
+          <p:cNvSpPr txBox="1"/>
+          <p:nvPr/>
+        </p:nvSpPr>
+        <p:spPr>
+          <a:xfrm>
+            <a:off x="4778062" y="759991"/>
+            <a:ext cx="615585" cy="523220"/>
+          </a:xfrm>
+          <a:prstGeom prst="rect">
+            <a:avLst/>
+          </a:prstGeom>
+          <a:noFill/>
+        </p:spPr>
+        <p:txBody>
+          <a:bodyPr wrap="square" rtlCol="0">
+            <a:spAutoFit/>
+          </a:bodyPr>
+          <a:lstStyle/>
+          <a:p>
+            <a:r>
+              <a:rPr lang="en-US" sz="2800">
+                <a:latin typeface="Britannic Bold" panose="020B0903060703020204" pitchFamily="34" charset="0"/>
+              </a:rPr>
+              <a:t>b</a:t>
+            </a:r>
+            <a:endParaRPr lang="en-US" sz="2800">
+              <a:latin typeface="Britannic Bold" panose="020B0903060703020204" pitchFamily="34" charset="0"/>
+            </a:endParaRPr>
+          </a:p>
+        </p:txBody>
+      </p:sp>
     </p:spTree>
     <p:extLst>
       <p:ext uri="{BB962C8B-B14F-4D97-AF65-F5344CB8AC3E}">
@@ -11481,7 +11859,81 @@
         </p:nvSpPr>
         <p:spPr>
           <a:xfrm>
-            <a:off x="8073061" y="812513"/>
+            <a:off x="5797185" y="1981549"/>
+            <a:ext cx="615585" cy="523220"/>
+          </a:xfrm>
+          <a:prstGeom prst="rect">
+            <a:avLst/>
+          </a:prstGeom>
+          <a:noFill/>
+        </p:spPr>
+        <p:txBody>
+          <a:bodyPr wrap="square" rtlCol="0">
+            <a:spAutoFit/>
+          </a:bodyPr>
+          <a:lstStyle/>
+          <a:p>
+            <a:r>
+              <a:rPr lang="en-US" sz="2800">
+                <a:latin typeface="Britannic Bold" panose="020B0903060703020204" pitchFamily="34" charset="0"/>
+              </a:rPr>
+              <a:t>a</a:t>
+            </a:r>
+            <a:r>
+              <a:rPr lang="en-US" sz="2800" smtClean="0">
+                <a:latin typeface="Britannic Bold" panose="020B0903060703020204" pitchFamily="34" charset="0"/>
+              </a:rPr>
+              <a:t>’</a:t>
+            </a:r>
+            <a:endParaRPr lang="en-US" sz="2800">
+              <a:latin typeface="Britannic Bold" panose="020B0903060703020204" pitchFamily="34" charset="0"/>
+            </a:endParaRPr>
+          </a:p>
+        </p:txBody>
+      </p:sp>
+      <p:sp>
+        <p:nvSpPr>
+          <p:cNvPr id="34" name="TextBox 33"/>
+          <p:cNvSpPr txBox="1"/>
+          <p:nvPr/>
+        </p:nvSpPr>
+        <p:spPr>
+          <a:xfrm>
+            <a:off x="8083568" y="4212608"/>
+            <a:ext cx="615585" cy="523220"/>
+          </a:xfrm>
+          <a:prstGeom prst="rect">
+            <a:avLst/>
+          </a:prstGeom>
+          <a:noFill/>
+        </p:spPr>
+        <p:txBody>
+          <a:bodyPr wrap="square" rtlCol="0">
+            <a:spAutoFit/>
+          </a:bodyPr>
+          <a:lstStyle/>
+          <a:p>
+            <a:r>
+              <a:rPr lang="en-US" sz="2800">
+                <a:latin typeface="Britannic Bold" panose="020B0903060703020204" pitchFamily="34" charset="0"/>
+              </a:rPr>
+              <a:t>c</a:t>
+            </a:r>
+            <a:endParaRPr lang="en-US" sz="2800">
+              <a:latin typeface="Britannic Bold" panose="020B0903060703020204" pitchFamily="34" charset="0"/>
+            </a:endParaRPr>
+          </a:p>
+        </p:txBody>
+      </p:sp>
+      <p:sp>
+        <p:nvSpPr>
+          <p:cNvPr id="35" name="TextBox 34"/>
+          <p:cNvSpPr txBox="1"/>
+          <p:nvPr/>
+        </p:nvSpPr>
+        <p:spPr>
+          <a:xfrm>
+            <a:off x="5800119" y="5554154"/>
             <a:ext cx="615585" cy="523220"/>
           </a:xfrm>
           <a:prstGeom prst="rect">
@@ -11509,13 +11961,47 @@
       </p:sp>
       <p:sp>
         <p:nvSpPr>
-          <p:cNvPr id="34" name="TextBox 33"/>
+          <p:cNvPr id="36" name="TextBox 35"/>
           <p:cNvSpPr txBox="1"/>
           <p:nvPr/>
         </p:nvSpPr>
         <p:spPr>
           <a:xfrm>
-            <a:off x="8083568" y="4212608"/>
+            <a:off x="8104085" y="953595"/>
+            <a:ext cx="615585" cy="523220"/>
+          </a:xfrm>
+          <a:prstGeom prst="rect">
+            <a:avLst/>
+          </a:prstGeom>
+          <a:noFill/>
+        </p:spPr>
+        <p:txBody>
+          <a:bodyPr wrap="square" rtlCol="0">
+            <a:spAutoFit/>
+          </a:bodyPr>
+          <a:lstStyle/>
+          <a:p>
+            <a:r>
+              <a:rPr lang="en-US" sz="2800" smtClean="0">
+                <a:latin typeface="Britannic Bold" panose="020B0903060703020204" pitchFamily="34" charset="0"/>
+              </a:rPr>
+              <a:t>c’</a:t>
+            </a:r>
+            <a:endParaRPr lang="en-US" sz="2800">
+              <a:latin typeface="Britannic Bold" panose="020B0903060703020204" pitchFamily="34" charset="0"/>
+            </a:endParaRPr>
+          </a:p>
+        </p:txBody>
+      </p:sp>
+      <p:sp>
+        <p:nvSpPr>
+          <p:cNvPr id="37" name="TextBox 36"/>
+          <p:cNvSpPr txBox="1"/>
+          <p:nvPr/>
+        </p:nvSpPr>
+        <p:spPr>
+          <a:xfrm>
+            <a:off x="3535019" y="965319"/>
             <a:ext cx="615585" cy="523220"/>
           </a:xfrm>
           <a:prstGeom prst="rect">
@@ -11535,6 +12021,9 @@
               </a:rPr>
               <a:t>b</a:t>
             </a:r>
+            <a:endParaRPr lang="en-US" sz="2800">
+              <a:latin typeface="Britannic Bold" panose="020B0903060703020204" pitchFamily="34" charset="0"/>
+            </a:endParaRPr>
           </a:p>
         </p:txBody>
       </p:sp>
@@ -13144,6 +13633,105 @@
           </a:p>
         </p:txBody>
       </p:sp>
+      <p:sp>
+        <p:nvSpPr>
+          <p:cNvPr id="26" name="TextBox 25"/>
+          <p:cNvSpPr txBox="1"/>
+          <p:nvPr/>
+        </p:nvSpPr>
+        <p:spPr>
+          <a:xfrm>
+            <a:off x="4778062" y="3635359"/>
+            <a:ext cx="615585" cy="523220"/>
+          </a:xfrm>
+          <a:prstGeom prst="rect">
+            <a:avLst/>
+          </a:prstGeom>
+          <a:noFill/>
+        </p:spPr>
+        <p:txBody>
+          <a:bodyPr wrap="square" rtlCol="0">
+            <a:spAutoFit/>
+          </a:bodyPr>
+          <a:lstStyle/>
+          <a:p>
+            <a:r>
+              <a:rPr lang="en-US" sz="2800">
+                <a:latin typeface="Britannic Bold" panose="020B0903060703020204" pitchFamily="34" charset="0"/>
+              </a:rPr>
+              <a:t>a</a:t>
+            </a:r>
+          </a:p>
+        </p:txBody>
+      </p:sp>
+      <p:sp>
+        <p:nvSpPr>
+          <p:cNvPr id="27" name="TextBox 26"/>
+          <p:cNvSpPr txBox="1"/>
+          <p:nvPr/>
+        </p:nvSpPr>
+        <p:spPr>
+          <a:xfrm>
+            <a:off x="4778062" y="759991"/>
+            <a:ext cx="615585" cy="523220"/>
+          </a:xfrm>
+          <a:prstGeom prst="rect">
+            <a:avLst/>
+          </a:prstGeom>
+          <a:noFill/>
+        </p:spPr>
+        <p:txBody>
+          <a:bodyPr wrap="square" rtlCol="0">
+            <a:spAutoFit/>
+          </a:bodyPr>
+          <a:lstStyle/>
+          <a:p>
+            <a:r>
+              <a:rPr lang="en-US" sz="2800">
+                <a:latin typeface="Britannic Bold" panose="020B0903060703020204" pitchFamily="34" charset="0"/>
+              </a:rPr>
+              <a:t>b</a:t>
+            </a:r>
+            <a:endParaRPr lang="en-US" sz="2800">
+              <a:latin typeface="Britannic Bold" panose="020B0903060703020204" pitchFamily="34" charset="0"/>
+            </a:endParaRPr>
+          </a:p>
+        </p:txBody>
+      </p:sp>
+      <p:sp>
+        <p:nvSpPr>
+          <p:cNvPr id="28" name="TextBox 27"/>
+          <p:cNvSpPr txBox="1"/>
+          <p:nvPr/>
+        </p:nvSpPr>
+        <p:spPr>
+          <a:xfrm>
+            <a:off x="4772200" y="2627172"/>
+            <a:ext cx="615585" cy="523220"/>
+          </a:xfrm>
+          <a:prstGeom prst="rect">
+            <a:avLst/>
+          </a:prstGeom>
+          <a:noFill/>
+        </p:spPr>
+        <p:txBody>
+          <a:bodyPr wrap="square" rtlCol="0">
+            <a:spAutoFit/>
+          </a:bodyPr>
+          <a:lstStyle/>
+          <a:p>
+            <a:r>
+              <a:rPr lang="en-US" sz="2800">
+                <a:latin typeface="Britannic Bold" panose="020B0903060703020204" pitchFamily="34" charset="0"/>
+              </a:rPr>
+              <a:t>c</a:t>
+            </a:r>
+            <a:endParaRPr lang="en-US" sz="2800">
+              <a:latin typeface="Britannic Bold" panose="020B0903060703020204" pitchFamily="34" charset="0"/>
+            </a:endParaRPr>
+          </a:p>
+        </p:txBody>
+      </p:sp>
     </p:spTree>
     <p:extLst>
       <p:ext uri="{BB962C8B-B14F-4D97-AF65-F5344CB8AC3E}">
@@ -14483,9 +15071,6 @@
               </a:rPr>
               <a:t>b</a:t>
             </a:r>
-            <a:endParaRPr lang="en-US" sz="2800">
-              <a:latin typeface="Britannic Bold" panose="020B0903060703020204" pitchFamily="34" charset="0"/>
-            </a:endParaRPr>
           </a:p>
         </p:txBody>
       </p:sp>
@@ -15068,9 +15653,6 @@
               </a:rPr>
               <a:t>b</a:t>
             </a:r>
-            <a:endParaRPr lang="en-US" sz="2800">
-              <a:latin typeface="Britannic Bold" panose="020B0903060703020204" pitchFamily="34" charset="0"/>
-            </a:endParaRPr>
           </a:p>
         </p:txBody>
       </p:sp>

--- a/content/conceptual-models/static/conceptual model.pptx
+++ b/content/conceptual-models/static/conceptual model.pptx
@@ -20,14 +20,21 @@
     <p:sldId id="264" r:id="rId14"/>
     <p:sldId id="266" r:id="rId15"/>
     <p:sldId id="267" r:id="rId16"/>
-    <p:sldId id="268" r:id="rId17"/>
-    <p:sldId id="269" r:id="rId18"/>
-    <p:sldId id="276" r:id="rId19"/>
-    <p:sldId id="271" r:id="rId20"/>
-    <p:sldId id="270" r:id="rId21"/>
-    <p:sldId id="272" r:id="rId22"/>
-    <p:sldId id="273" r:id="rId23"/>
-    <p:sldId id="274" r:id="rId24"/>
+    <p:sldId id="279" r:id="rId17"/>
+    <p:sldId id="281" r:id="rId18"/>
+    <p:sldId id="283" r:id="rId19"/>
+    <p:sldId id="282" r:id="rId20"/>
+    <p:sldId id="284" r:id="rId21"/>
+    <p:sldId id="285" r:id="rId22"/>
+    <p:sldId id="286" r:id="rId23"/>
+    <p:sldId id="268" r:id="rId24"/>
+    <p:sldId id="269" r:id="rId25"/>
+    <p:sldId id="276" r:id="rId26"/>
+    <p:sldId id="271" r:id="rId27"/>
+    <p:sldId id="270" r:id="rId28"/>
+    <p:sldId id="272" r:id="rId29"/>
+    <p:sldId id="273" r:id="rId30"/>
+    <p:sldId id="274" r:id="rId31"/>
   </p:sldIdLst>
   <p:sldSz cx="12192000" cy="6858000"/>
   <p:notesSz cx="6858000" cy="9144000"/>
@@ -276,7 +283,7 @@
           <a:p>
             <a:fld id="{528C2E3B-5E59-418D-8DF4-F1DFF0FDF350}" type="datetimeFigureOut">
               <a:rPr lang="en-US" smtClean="0"/>
-              <a:t>12/9/2020</a:t>
+              <a:t>12/10/2020</a:t>
             </a:fld>
             <a:endParaRPr lang="en-US"/>
           </a:p>
@@ -446,7 +453,7 @@
           <a:p>
             <a:fld id="{528C2E3B-5E59-418D-8DF4-F1DFF0FDF350}" type="datetimeFigureOut">
               <a:rPr lang="en-US" smtClean="0"/>
-              <a:t>12/9/2020</a:t>
+              <a:t>12/10/2020</a:t>
             </a:fld>
             <a:endParaRPr lang="en-US"/>
           </a:p>
@@ -626,7 +633,7 @@
           <a:p>
             <a:fld id="{528C2E3B-5E59-418D-8DF4-F1DFF0FDF350}" type="datetimeFigureOut">
               <a:rPr lang="en-US" smtClean="0"/>
-              <a:t>12/9/2020</a:t>
+              <a:t>12/10/2020</a:t>
             </a:fld>
             <a:endParaRPr lang="en-US"/>
           </a:p>
@@ -796,7 +803,7 @@
           <a:p>
             <a:fld id="{528C2E3B-5E59-418D-8DF4-F1DFF0FDF350}" type="datetimeFigureOut">
               <a:rPr lang="en-US" smtClean="0"/>
-              <a:t>12/9/2020</a:t>
+              <a:t>12/10/2020</a:t>
             </a:fld>
             <a:endParaRPr lang="en-US"/>
           </a:p>
@@ -1042,7 +1049,7 @@
           <a:p>
             <a:fld id="{528C2E3B-5E59-418D-8DF4-F1DFF0FDF350}" type="datetimeFigureOut">
               <a:rPr lang="en-US" smtClean="0"/>
-              <a:t>12/9/2020</a:t>
+              <a:t>12/10/2020</a:t>
             </a:fld>
             <a:endParaRPr lang="en-US"/>
           </a:p>
@@ -1274,7 +1281,7 @@
           <a:p>
             <a:fld id="{528C2E3B-5E59-418D-8DF4-F1DFF0FDF350}" type="datetimeFigureOut">
               <a:rPr lang="en-US" smtClean="0"/>
-              <a:t>12/9/2020</a:t>
+              <a:t>12/10/2020</a:t>
             </a:fld>
             <a:endParaRPr lang="en-US"/>
           </a:p>
@@ -1641,7 +1648,7 @@
           <a:p>
             <a:fld id="{528C2E3B-5E59-418D-8DF4-F1DFF0FDF350}" type="datetimeFigureOut">
               <a:rPr lang="en-US" smtClean="0"/>
-              <a:t>12/9/2020</a:t>
+              <a:t>12/10/2020</a:t>
             </a:fld>
             <a:endParaRPr lang="en-US"/>
           </a:p>
@@ -1759,7 +1766,7 @@
           <a:p>
             <a:fld id="{528C2E3B-5E59-418D-8DF4-F1DFF0FDF350}" type="datetimeFigureOut">
               <a:rPr lang="en-US" smtClean="0"/>
-              <a:t>12/9/2020</a:t>
+              <a:t>12/10/2020</a:t>
             </a:fld>
             <a:endParaRPr lang="en-US"/>
           </a:p>
@@ -1854,7 +1861,7 @@
           <a:p>
             <a:fld id="{528C2E3B-5E59-418D-8DF4-F1DFF0FDF350}" type="datetimeFigureOut">
               <a:rPr lang="en-US" smtClean="0"/>
-              <a:t>12/9/2020</a:t>
+              <a:t>12/10/2020</a:t>
             </a:fld>
             <a:endParaRPr lang="en-US"/>
           </a:p>
@@ -2131,7 +2138,7 @@
           <a:p>
             <a:fld id="{528C2E3B-5E59-418D-8DF4-F1DFF0FDF350}" type="datetimeFigureOut">
               <a:rPr lang="en-US" smtClean="0"/>
-              <a:t>12/9/2020</a:t>
+              <a:t>12/10/2020</a:t>
             </a:fld>
             <a:endParaRPr lang="en-US"/>
           </a:p>
@@ -2388,7 +2395,7 @@
           <a:p>
             <a:fld id="{528C2E3B-5E59-418D-8DF4-F1DFF0FDF350}" type="datetimeFigureOut">
               <a:rPr lang="en-US" smtClean="0"/>
-              <a:t>12/9/2020</a:t>
+              <a:t>12/10/2020</a:t>
             </a:fld>
             <a:endParaRPr lang="en-US"/>
           </a:p>
@@ -2601,7 +2608,7 @@
           <a:p>
             <a:fld id="{528C2E3B-5E59-418D-8DF4-F1DFF0FDF350}" type="datetimeFigureOut">
               <a:rPr lang="en-US" smtClean="0"/>
-              <a:t>12/9/2020</a:t>
+              <a:t>12/10/2020</a:t>
             </a:fld>
             <a:endParaRPr lang="en-US"/>
           </a:p>
@@ -6046,14 +6053,6 @@
               </a:rPr>
               <a:t>d</a:t>
             </a:r>
-            <a:endParaRPr lang="en-US" sz="2800">
-              <a:solidFill>
-                <a:schemeClr val="bg1">
-                  <a:lumMod val="50000"/>
-                </a:schemeClr>
-              </a:solidFill>
-              <a:latin typeface="Britannic Bold" panose="020B0903060703020204" pitchFamily="34" charset="0"/>
-            </a:endParaRPr>
           </a:p>
         </p:txBody>
       </p:sp>
@@ -6693,9 +6692,6 @@
               </a:rPr>
               <a:t>d</a:t>
             </a:r>
-            <a:endParaRPr lang="en-US" sz="2800">
-              <a:latin typeface="Britannic Bold" panose="020B0903060703020204" pitchFamily="34" charset="0"/>
-            </a:endParaRPr>
           </a:p>
         </p:txBody>
       </p:sp>
@@ -7531,6 +7527,5473 @@
 </file>
 
 <file path=ppt/slides/slide16.xml><?xml version="1.0" encoding="utf-8"?>
+<p:sld xmlns:a="http://schemas.openxmlformats.org/drawingml/2006/main" xmlns:r="http://schemas.openxmlformats.org/officeDocument/2006/relationships" xmlns:p="http://schemas.openxmlformats.org/presentationml/2006/main">
+  <p:cSld>
+    <p:spTree>
+      <p:nvGrpSpPr>
+        <p:cNvPr id="1" name=""/>
+        <p:cNvGrpSpPr/>
+        <p:nvPr/>
+      </p:nvGrpSpPr>
+      <p:grpSpPr>
+        <a:xfrm>
+          <a:off x="0" y="0"/>
+          <a:ext cx="0" cy="0"/>
+          <a:chOff x="0" y="0"/>
+          <a:chExt cx="0" cy="0"/>
+        </a:xfrm>
+      </p:grpSpPr>
+      <p:sp>
+        <p:nvSpPr>
+          <p:cNvPr id="4" name="TextBox 3"/>
+          <p:cNvSpPr txBox="1"/>
+          <p:nvPr/>
+        </p:nvSpPr>
+        <p:spPr>
+          <a:xfrm>
+            <a:off x="0" y="6488668"/>
+            <a:ext cx="3419856" cy="369332"/>
+          </a:xfrm>
+          <a:prstGeom prst="rect">
+            <a:avLst/>
+          </a:prstGeom>
+          <a:noFill/>
+        </p:spPr>
+        <p:txBody>
+          <a:bodyPr wrap="square" rtlCol="0">
+            <a:spAutoFit/>
+          </a:bodyPr>
+          <a:lstStyle/>
+          <a:p>
+            <a:r>
+              <a:rPr lang="en-US" dirty="0" smtClean="0"/>
+              <a:t>© Jochem Tolsma 2020</a:t>
+            </a:r>
+            <a:endParaRPr lang="en-US" dirty="0"/>
+          </a:p>
+        </p:txBody>
+      </p:sp>
+      <p:grpSp>
+        <p:nvGrpSpPr>
+          <p:cNvPr id="7" name="Group 6"/>
+          <p:cNvGrpSpPr/>
+          <p:nvPr/>
+        </p:nvGrpSpPr>
+        <p:grpSpPr>
+          <a:xfrm>
+            <a:off x="1090211" y="2750329"/>
+            <a:ext cx="2092569" cy="1380392"/>
+            <a:chOff x="2412023" y="1998785"/>
+            <a:chExt cx="2092569" cy="1380392"/>
+          </a:xfrm>
+        </p:grpSpPr>
+        <p:sp>
+          <p:nvSpPr>
+            <p:cNvPr id="5" name="Rectangle 4"/>
+            <p:cNvSpPr/>
+            <p:nvPr/>
+          </p:nvSpPr>
+          <p:spPr>
+            <a:xfrm>
+              <a:off x="2412023" y="1998785"/>
+              <a:ext cx="2092569" cy="1380392"/>
+            </a:xfrm>
+            <a:prstGeom prst="rect">
+              <a:avLst/>
+            </a:prstGeom>
+            <a:solidFill>
+              <a:schemeClr val="bg1"/>
+            </a:solidFill>
+            <a:ln w="57150">
+              <a:solidFill>
+                <a:schemeClr val="tx1">
+                  <a:lumMod val="65000"/>
+                  <a:lumOff val="35000"/>
+                </a:schemeClr>
+              </a:solidFill>
+            </a:ln>
+            <a:scene3d>
+              <a:camera prst="obliqueTopRight"/>
+              <a:lightRig rig="threePt" dir="t"/>
+            </a:scene3d>
+          </p:spPr>
+          <p:style>
+            <a:lnRef idx="2">
+              <a:schemeClr val="accent1">
+                <a:shade val="50000"/>
+              </a:schemeClr>
+            </a:lnRef>
+            <a:fillRef idx="1">
+              <a:schemeClr val="accent1"/>
+            </a:fillRef>
+            <a:effectRef idx="0">
+              <a:schemeClr val="accent1"/>
+            </a:effectRef>
+            <a:fontRef idx="minor">
+              <a:schemeClr val="lt1"/>
+            </a:fontRef>
+          </p:style>
+          <p:txBody>
+            <a:bodyPr rtlCol="0" anchor="ctr"/>
+            <a:lstStyle/>
+            <a:p>
+              <a:pPr algn="ctr"/>
+              <a:endParaRPr lang="en-US"/>
+            </a:p>
+          </p:txBody>
+        </p:sp>
+        <p:sp>
+          <p:nvSpPr>
+            <p:cNvPr id="6" name="TextBox 5"/>
+            <p:cNvSpPr txBox="1"/>
+            <p:nvPr/>
+          </p:nvSpPr>
+          <p:spPr>
+            <a:xfrm>
+              <a:off x="2457856" y="2133105"/>
+              <a:ext cx="2017552" cy="1107996"/>
+            </a:xfrm>
+            <a:prstGeom prst="rect">
+              <a:avLst/>
+            </a:prstGeom>
+            <a:noFill/>
+          </p:spPr>
+          <p:txBody>
+            <a:bodyPr wrap="square" rtlCol="0">
+              <a:spAutoFit/>
+            </a:bodyPr>
+            <a:lstStyle/>
+            <a:p>
+              <a:pPr algn="ctr"/>
+              <a:r>
+                <a:rPr lang="en-US" sz="6600" smtClean="0">
+                  <a:latin typeface="Britannic Bold" panose="020B0903060703020204" pitchFamily="34" charset="0"/>
+                </a:rPr>
+                <a:t>X</a:t>
+              </a:r>
+              <a:endParaRPr lang="en-US" sz="6600">
+                <a:latin typeface="Britannic Bold" panose="020B0903060703020204" pitchFamily="34" charset="0"/>
+              </a:endParaRPr>
+            </a:p>
+          </p:txBody>
+        </p:sp>
+      </p:grpSp>
+      <p:grpSp>
+        <p:nvGrpSpPr>
+          <p:cNvPr id="8" name="Group 7"/>
+          <p:cNvGrpSpPr/>
+          <p:nvPr/>
+        </p:nvGrpSpPr>
+        <p:grpSpPr>
+          <a:xfrm>
+            <a:off x="9026748" y="2747088"/>
+            <a:ext cx="2092569" cy="1380392"/>
+            <a:chOff x="2412023" y="1998785"/>
+            <a:chExt cx="2092569" cy="1380392"/>
+          </a:xfrm>
+        </p:grpSpPr>
+        <p:sp>
+          <p:nvSpPr>
+            <p:cNvPr id="9" name="Rectangle 8"/>
+            <p:cNvSpPr/>
+            <p:nvPr/>
+          </p:nvSpPr>
+          <p:spPr>
+            <a:xfrm>
+              <a:off x="2412023" y="1998785"/>
+              <a:ext cx="2092569" cy="1380392"/>
+            </a:xfrm>
+            <a:prstGeom prst="rect">
+              <a:avLst/>
+            </a:prstGeom>
+            <a:solidFill>
+              <a:schemeClr val="bg1"/>
+            </a:solidFill>
+            <a:ln w="57150">
+              <a:solidFill>
+                <a:schemeClr val="tx1">
+                  <a:lumMod val="65000"/>
+                  <a:lumOff val="35000"/>
+                </a:schemeClr>
+              </a:solidFill>
+            </a:ln>
+            <a:scene3d>
+              <a:camera prst="obliqueTopRight"/>
+              <a:lightRig rig="threePt" dir="t"/>
+            </a:scene3d>
+          </p:spPr>
+          <p:style>
+            <a:lnRef idx="2">
+              <a:schemeClr val="accent1">
+                <a:shade val="50000"/>
+              </a:schemeClr>
+            </a:lnRef>
+            <a:fillRef idx="1">
+              <a:schemeClr val="accent1"/>
+            </a:fillRef>
+            <a:effectRef idx="0">
+              <a:schemeClr val="accent1"/>
+            </a:effectRef>
+            <a:fontRef idx="minor">
+              <a:schemeClr val="lt1"/>
+            </a:fontRef>
+          </p:style>
+          <p:txBody>
+            <a:bodyPr rtlCol="0" anchor="ctr"/>
+            <a:lstStyle/>
+            <a:p>
+              <a:pPr algn="ctr"/>
+              <a:endParaRPr lang="en-US"/>
+            </a:p>
+          </p:txBody>
+        </p:sp>
+        <p:sp>
+          <p:nvSpPr>
+            <p:cNvPr id="10" name="TextBox 9"/>
+            <p:cNvSpPr txBox="1"/>
+            <p:nvPr/>
+          </p:nvSpPr>
+          <p:spPr>
+            <a:xfrm>
+              <a:off x="2457856" y="2133105"/>
+              <a:ext cx="2017552" cy="1107996"/>
+            </a:xfrm>
+            <a:prstGeom prst="rect">
+              <a:avLst/>
+            </a:prstGeom>
+            <a:noFill/>
+          </p:spPr>
+          <p:txBody>
+            <a:bodyPr wrap="square" rtlCol="0">
+              <a:spAutoFit/>
+            </a:bodyPr>
+            <a:lstStyle/>
+            <a:p>
+              <a:pPr algn="ctr"/>
+              <a:r>
+                <a:rPr lang="en-US" sz="6600" smtClean="0">
+                  <a:latin typeface="Britannic Bold" panose="020B0903060703020204" pitchFamily="34" charset="0"/>
+                </a:rPr>
+                <a:t>Y</a:t>
+              </a:r>
+              <a:endParaRPr lang="en-US" sz="6600">
+                <a:latin typeface="Britannic Bold" panose="020B0903060703020204" pitchFamily="34" charset="0"/>
+              </a:endParaRPr>
+            </a:p>
+          </p:txBody>
+        </p:sp>
+      </p:grpSp>
+      <p:cxnSp>
+        <p:nvCxnSpPr>
+          <p:cNvPr id="12" name="Straight Arrow Connector 11"/>
+          <p:cNvCxnSpPr/>
+          <p:nvPr/>
+        </p:nvCxnSpPr>
+        <p:spPr>
+          <a:xfrm>
+            <a:off x="3224978" y="3421626"/>
+            <a:ext cx="5760000" cy="9832"/>
+          </a:xfrm>
+          <a:prstGeom prst="straightConnector1">
+            <a:avLst/>
+          </a:prstGeom>
+          <a:ln w="38100">
+            <a:solidFill>
+              <a:schemeClr val="tx1">
+                <a:lumMod val="95000"/>
+                <a:lumOff val="5000"/>
+              </a:schemeClr>
+            </a:solidFill>
+            <a:headEnd type="none" w="lg" len="lg"/>
+            <a:tailEnd type="triangle" w="lg" len="lg"/>
+          </a:ln>
+        </p:spPr>
+        <p:style>
+          <a:lnRef idx="1">
+            <a:schemeClr val="accent1"/>
+          </a:lnRef>
+          <a:fillRef idx="0">
+            <a:schemeClr val="accent1"/>
+          </a:fillRef>
+          <a:effectRef idx="0">
+            <a:schemeClr val="accent1"/>
+          </a:effectRef>
+          <a:fontRef idx="minor">
+            <a:schemeClr val="tx1"/>
+          </a:fontRef>
+        </p:style>
+      </p:cxnSp>
+      <p:grpSp>
+        <p:nvGrpSpPr>
+          <p:cNvPr id="11" name="Group 10"/>
+          <p:cNvGrpSpPr/>
+          <p:nvPr/>
+        </p:nvGrpSpPr>
+        <p:grpSpPr>
+          <a:xfrm>
+            <a:off x="5013203" y="582316"/>
+            <a:ext cx="2092569" cy="1380392"/>
+            <a:chOff x="2412023" y="1998785"/>
+            <a:chExt cx="2092569" cy="1380392"/>
+          </a:xfrm>
+        </p:grpSpPr>
+        <p:sp>
+          <p:nvSpPr>
+            <p:cNvPr id="13" name="Rectangle 12"/>
+            <p:cNvSpPr/>
+            <p:nvPr/>
+          </p:nvSpPr>
+          <p:spPr>
+            <a:xfrm>
+              <a:off x="2412023" y="1998785"/>
+              <a:ext cx="2092569" cy="1380392"/>
+            </a:xfrm>
+            <a:prstGeom prst="rect">
+              <a:avLst/>
+            </a:prstGeom>
+            <a:solidFill>
+              <a:schemeClr val="bg1"/>
+            </a:solidFill>
+            <a:ln w="57150">
+              <a:solidFill>
+                <a:schemeClr val="tx1">
+                  <a:lumMod val="65000"/>
+                  <a:lumOff val="35000"/>
+                </a:schemeClr>
+              </a:solidFill>
+            </a:ln>
+            <a:scene3d>
+              <a:camera prst="obliqueTopRight"/>
+              <a:lightRig rig="threePt" dir="t"/>
+            </a:scene3d>
+          </p:spPr>
+          <p:style>
+            <a:lnRef idx="2">
+              <a:schemeClr val="accent1">
+                <a:shade val="50000"/>
+              </a:schemeClr>
+            </a:lnRef>
+            <a:fillRef idx="1">
+              <a:schemeClr val="accent1"/>
+            </a:fillRef>
+            <a:effectRef idx="0">
+              <a:schemeClr val="accent1"/>
+            </a:effectRef>
+            <a:fontRef idx="minor">
+              <a:schemeClr val="lt1"/>
+            </a:fontRef>
+          </p:style>
+          <p:txBody>
+            <a:bodyPr rtlCol="0" anchor="ctr"/>
+            <a:lstStyle/>
+            <a:p>
+              <a:pPr algn="ctr"/>
+              <a:endParaRPr lang="en-US"/>
+            </a:p>
+          </p:txBody>
+        </p:sp>
+        <p:sp>
+          <p:nvSpPr>
+            <p:cNvPr id="14" name="TextBox 13"/>
+            <p:cNvSpPr txBox="1"/>
+            <p:nvPr/>
+          </p:nvSpPr>
+          <p:spPr>
+            <a:xfrm>
+              <a:off x="2457856" y="2133105"/>
+              <a:ext cx="2017552" cy="1107996"/>
+            </a:xfrm>
+            <a:prstGeom prst="rect">
+              <a:avLst/>
+            </a:prstGeom>
+            <a:noFill/>
+          </p:spPr>
+          <p:txBody>
+            <a:bodyPr wrap="square" rtlCol="0">
+              <a:spAutoFit/>
+            </a:bodyPr>
+            <a:lstStyle/>
+            <a:p>
+              <a:pPr algn="ctr"/>
+              <a:r>
+                <a:rPr lang="en-US" sz="6600" smtClean="0">
+                  <a:latin typeface="Britannic Bold" panose="020B0903060703020204" pitchFamily="34" charset="0"/>
+                </a:rPr>
+                <a:t>Mo</a:t>
+              </a:r>
+              <a:endParaRPr lang="en-US" sz="6600">
+                <a:latin typeface="Britannic Bold" panose="020B0903060703020204" pitchFamily="34" charset="0"/>
+              </a:endParaRPr>
+            </a:p>
+          </p:txBody>
+        </p:sp>
+      </p:grpSp>
+      <p:cxnSp>
+        <p:nvCxnSpPr>
+          <p:cNvPr id="22" name="Straight Arrow Connector 21"/>
+          <p:cNvCxnSpPr/>
+          <p:nvPr/>
+        </p:nvCxnSpPr>
+        <p:spPr>
+          <a:xfrm rot="-60000" flipH="1">
+            <a:off x="6058850" y="2016470"/>
+            <a:ext cx="15993" cy="1332000"/>
+          </a:xfrm>
+          <a:prstGeom prst="straightConnector1">
+            <a:avLst/>
+          </a:prstGeom>
+          <a:ln w="38100">
+            <a:solidFill>
+              <a:schemeClr val="tx1">
+                <a:lumMod val="95000"/>
+                <a:lumOff val="5000"/>
+              </a:schemeClr>
+            </a:solidFill>
+            <a:headEnd type="none" w="lg" len="lg"/>
+            <a:tailEnd type="triangle" w="lg" len="lg"/>
+          </a:ln>
+        </p:spPr>
+        <p:style>
+          <a:lnRef idx="1">
+            <a:schemeClr val="accent1"/>
+          </a:lnRef>
+          <a:fillRef idx="0">
+            <a:schemeClr val="accent1"/>
+          </a:fillRef>
+          <a:effectRef idx="0">
+            <a:schemeClr val="accent1"/>
+          </a:effectRef>
+          <a:fontRef idx="minor">
+            <a:schemeClr val="tx1"/>
+          </a:fontRef>
+        </p:style>
+      </p:cxnSp>
+      <p:sp>
+        <p:nvSpPr>
+          <p:cNvPr id="23" name="TextBox 22"/>
+          <p:cNvSpPr txBox="1"/>
+          <p:nvPr/>
+        </p:nvSpPr>
+        <p:spPr>
+          <a:xfrm>
+            <a:off x="4778062" y="2905595"/>
+            <a:ext cx="615585" cy="523220"/>
+          </a:xfrm>
+          <a:prstGeom prst="rect">
+            <a:avLst/>
+          </a:prstGeom>
+          <a:noFill/>
+        </p:spPr>
+        <p:txBody>
+          <a:bodyPr wrap="square" rtlCol="0">
+            <a:spAutoFit/>
+          </a:bodyPr>
+          <a:lstStyle/>
+          <a:p>
+            <a:r>
+              <a:rPr lang="en-US" sz="2800">
+                <a:latin typeface="Britannic Bold" panose="020B0903060703020204" pitchFamily="34" charset="0"/>
+              </a:rPr>
+              <a:t>a</a:t>
+            </a:r>
+          </a:p>
+        </p:txBody>
+      </p:sp>
+      <p:sp>
+        <p:nvSpPr>
+          <p:cNvPr id="24" name="TextBox 23"/>
+          <p:cNvSpPr txBox="1"/>
+          <p:nvPr/>
+        </p:nvSpPr>
+        <p:spPr>
+          <a:xfrm>
+            <a:off x="6117387" y="2378781"/>
+            <a:ext cx="615585" cy="523220"/>
+          </a:xfrm>
+          <a:prstGeom prst="rect">
+            <a:avLst/>
+          </a:prstGeom>
+          <a:noFill/>
+        </p:spPr>
+        <p:txBody>
+          <a:bodyPr wrap="square" rtlCol="0">
+            <a:spAutoFit/>
+          </a:bodyPr>
+          <a:lstStyle/>
+          <a:p>
+            <a:r>
+              <a:rPr lang="en-US" sz="2800" smtClean="0">
+                <a:latin typeface="Britannic Bold" panose="020B0903060703020204" pitchFamily="34" charset="0"/>
+              </a:rPr>
+              <a:t>b</a:t>
+            </a:r>
+            <a:endParaRPr lang="en-US" sz="2800">
+              <a:latin typeface="Britannic Bold" panose="020B0903060703020204" pitchFamily="34" charset="0"/>
+            </a:endParaRPr>
+          </a:p>
+        </p:txBody>
+      </p:sp>
+      <p:sp>
+        <p:nvSpPr>
+          <p:cNvPr id="2" name="Oval 1"/>
+          <p:cNvSpPr/>
+          <p:nvPr/>
+        </p:nvSpPr>
+        <p:spPr>
+          <a:xfrm>
+            <a:off x="5997322" y="3357058"/>
+            <a:ext cx="144000" cy="144000"/>
+          </a:xfrm>
+          <a:prstGeom prst="ellipse">
+            <a:avLst/>
+          </a:prstGeom>
+          <a:solidFill>
+            <a:schemeClr val="tx1">
+              <a:lumMod val="95000"/>
+              <a:lumOff val="5000"/>
+            </a:schemeClr>
+          </a:solidFill>
+          <a:ln>
+            <a:solidFill>
+              <a:schemeClr val="tx1">
+                <a:lumMod val="95000"/>
+                <a:lumOff val="5000"/>
+              </a:schemeClr>
+            </a:solidFill>
+          </a:ln>
+        </p:spPr>
+        <p:style>
+          <a:lnRef idx="2">
+            <a:schemeClr val="accent1">
+              <a:shade val="50000"/>
+            </a:schemeClr>
+          </a:lnRef>
+          <a:fillRef idx="1">
+            <a:schemeClr val="accent1"/>
+          </a:fillRef>
+          <a:effectRef idx="0">
+            <a:schemeClr val="accent1"/>
+          </a:effectRef>
+          <a:fontRef idx="minor">
+            <a:schemeClr val="lt1"/>
+          </a:fontRef>
+        </p:style>
+        <p:txBody>
+          <a:bodyPr rtlCol="0" anchor="ctr"/>
+          <a:lstStyle/>
+          <a:p>
+            <a:pPr algn="ctr"/>
+            <a:endParaRPr lang="en-US"/>
+          </a:p>
+        </p:txBody>
+      </p:sp>
+    </p:spTree>
+    <p:extLst>
+      <p:ext uri="{BB962C8B-B14F-4D97-AF65-F5344CB8AC3E}">
+        <p14:creationId xmlns:p14="http://schemas.microsoft.com/office/powerpoint/2010/main" val="1544730450"/>
+      </p:ext>
+    </p:extLst>
+  </p:cSld>
+  <p:clrMapOvr>
+    <a:masterClrMapping/>
+  </p:clrMapOvr>
+</p:sld>
+</file>
+
+<file path=ppt/slides/slide17.xml><?xml version="1.0" encoding="utf-8"?>
+<p:sld xmlns:a="http://schemas.openxmlformats.org/drawingml/2006/main" xmlns:r="http://schemas.openxmlformats.org/officeDocument/2006/relationships" xmlns:p="http://schemas.openxmlformats.org/presentationml/2006/main">
+  <p:cSld>
+    <p:spTree>
+      <p:nvGrpSpPr>
+        <p:cNvPr id="1" name=""/>
+        <p:cNvGrpSpPr/>
+        <p:nvPr/>
+      </p:nvGrpSpPr>
+      <p:grpSpPr>
+        <a:xfrm>
+          <a:off x="0" y="0"/>
+          <a:ext cx="0" cy="0"/>
+          <a:chOff x="0" y="0"/>
+          <a:chExt cx="0" cy="0"/>
+        </a:xfrm>
+      </p:grpSpPr>
+      <p:sp>
+        <p:nvSpPr>
+          <p:cNvPr id="4" name="TextBox 3"/>
+          <p:cNvSpPr txBox="1"/>
+          <p:nvPr/>
+        </p:nvSpPr>
+        <p:spPr>
+          <a:xfrm>
+            <a:off x="0" y="6488668"/>
+            <a:ext cx="3419856" cy="369332"/>
+          </a:xfrm>
+          <a:prstGeom prst="rect">
+            <a:avLst/>
+          </a:prstGeom>
+          <a:noFill/>
+        </p:spPr>
+        <p:txBody>
+          <a:bodyPr wrap="square" rtlCol="0">
+            <a:spAutoFit/>
+          </a:bodyPr>
+          <a:lstStyle/>
+          <a:p>
+            <a:r>
+              <a:rPr lang="en-US" dirty="0" smtClean="0"/>
+              <a:t>© Jochem Tolsma 2020</a:t>
+            </a:r>
+            <a:endParaRPr lang="en-US" dirty="0"/>
+          </a:p>
+        </p:txBody>
+      </p:sp>
+      <p:grpSp>
+        <p:nvGrpSpPr>
+          <p:cNvPr id="7" name="Group 6"/>
+          <p:cNvGrpSpPr/>
+          <p:nvPr/>
+        </p:nvGrpSpPr>
+        <p:grpSpPr>
+          <a:xfrm>
+            <a:off x="1090211" y="3893328"/>
+            <a:ext cx="2092569" cy="1380392"/>
+            <a:chOff x="2412023" y="1998785"/>
+            <a:chExt cx="2092569" cy="1380392"/>
+          </a:xfrm>
+        </p:grpSpPr>
+        <p:sp>
+          <p:nvSpPr>
+            <p:cNvPr id="5" name="Rectangle 4"/>
+            <p:cNvSpPr/>
+            <p:nvPr/>
+          </p:nvSpPr>
+          <p:spPr>
+            <a:xfrm>
+              <a:off x="2412023" y="1998785"/>
+              <a:ext cx="2092569" cy="1380392"/>
+            </a:xfrm>
+            <a:prstGeom prst="rect">
+              <a:avLst/>
+            </a:prstGeom>
+            <a:solidFill>
+              <a:schemeClr val="bg1"/>
+            </a:solidFill>
+            <a:ln w="57150">
+              <a:solidFill>
+                <a:schemeClr val="tx1">
+                  <a:lumMod val="65000"/>
+                  <a:lumOff val="35000"/>
+                </a:schemeClr>
+              </a:solidFill>
+            </a:ln>
+            <a:scene3d>
+              <a:camera prst="obliqueTopRight"/>
+              <a:lightRig rig="threePt" dir="t"/>
+            </a:scene3d>
+          </p:spPr>
+          <p:style>
+            <a:lnRef idx="2">
+              <a:schemeClr val="accent1">
+                <a:shade val="50000"/>
+              </a:schemeClr>
+            </a:lnRef>
+            <a:fillRef idx="1">
+              <a:schemeClr val="accent1"/>
+            </a:fillRef>
+            <a:effectRef idx="0">
+              <a:schemeClr val="accent1"/>
+            </a:effectRef>
+            <a:fontRef idx="minor">
+              <a:schemeClr val="lt1"/>
+            </a:fontRef>
+          </p:style>
+          <p:txBody>
+            <a:bodyPr rtlCol="0" anchor="ctr"/>
+            <a:lstStyle/>
+            <a:p>
+              <a:pPr algn="ctr"/>
+              <a:endParaRPr lang="en-US"/>
+            </a:p>
+          </p:txBody>
+        </p:sp>
+        <p:sp>
+          <p:nvSpPr>
+            <p:cNvPr id="6" name="TextBox 5"/>
+            <p:cNvSpPr txBox="1"/>
+            <p:nvPr/>
+          </p:nvSpPr>
+          <p:spPr>
+            <a:xfrm>
+              <a:off x="2457856" y="2133105"/>
+              <a:ext cx="2017552" cy="1107996"/>
+            </a:xfrm>
+            <a:prstGeom prst="rect">
+              <a:avLst/>
+            </a:prstGeom>
+            <a:noFill/>
+          </p:spPr>
+          <p:txBody>
+            <a:bodyPr wrap="square" rtlCol="0">
+              <a:spAutoFit/>
+            </a:bodyPr>
+            <a:lstStyle/>
+            <a:p>
+              <a:pPr algn="ctr"/>
+              <a:r>
+                <a:rPr lang="en-US" sz="6600" smtClean="0">
+                  <a:latin typeface="Britannic Bold" panose="020B0903060703020204" pitchFamily="34" charset="0"/>
+                </a:rPr>
+                <a:t>X</a:t>
+              </a:r>
+              <a:endParaRPr lang="en-US" sz="6600">
+                <a:latin typeface="Britannic Bold" panose="020B0903060703020204" pitchFamily="34" charset="0"/>
+              </a:endParaRPr>
+            </a:p>
+          </p:txBody>
+        </p:sp>
+      </p:grpSp>
+      <p:grpSp>
+        <p:nvGrpSpPr>
+          <p:cNvPr id="8" name="Group 7"/>
+          <p:cNvGrpSpPr/>
+          <p:nvPr/>
+        </p:nvGrpSpPr>
+        <p:grpSpPr>
+          <a:xfrm>
+            <a:off x="9026748" y="3890087"/>
+            <a:ext cx="2092569" cy="1380392"/>
+            <a:chOff x="2412023" y="1998785"/>
+            <a:chExt cx="2092569" cy="1380392"/>
+          </a:xfrm>
+        </p:grpSpPr>
+        <p:sp>
+          <p:nvSpPr>
+            <p:cNvPr id="9" name="Rectangle 8"/>
+            <p:cNvSpPr/>
+            <p:nvPr/>
+          </p:nvSpPr>
+          <p:spPr>
+            <a:xfrm>
+              <a:off x="2412023" y="1998785"/>
+              <a:ext cx="2092569" cy="1380392"/>
+            </a:xfrm>
+            <a:prstGeom prst="rect">
+              <a:avLst/>
+            </a:prstGeom>
+            <a:solidFill>
+              <a:schemeClr val="bg1"/>
+            </a:solidFill>
+            <a:ln w="57150">
+              <a:solidFill>
+                <a:schemeClr val="tx1">
+                  <a:lumMod val="65000"/>
+                  <a:lumOff val="35000"/>
+                </a:schemeClr>
+              </a:solidFill>
+            </a:ln>
+            <a:scene3d>
+              <a:camera prst="obliqueTopRight"/>
+              <a:lightRig rig="threePt" dir="t"/>
+            </a:scene3d>
+          </p:spPr>
+          <p:style>
+            <a:lnRef idx="2">
+              <a:schemeClr val="accent1">
+                <a:shade val="50000"/>
+              </a:schemeClr>
+            </a:lnRef>
+            <a:fillRef idx="1">
+              <a:schemeClr val="accent1"/>
+            </a:fillRef>
+            <a:effectRef idx="0">
+              <a:schemeClr val="accent1"/>
+            </a:effectRef>
+            <a:fontRef idx="minor">
+              <a:schemeClr val="lt1"/>
+            </a:fontRef>
+          </p:style>
+          <p:txBody>
+            <a:bodyPr rtlCol="0" anchor="ctr"/>
+            <a:lstStyle/>
+            <a:p>
+              <a:pPr algn="ctr"/>
+              <a:endParaRPr lang="en-US"/>
+            </a:p>
+          </p:txBody>
+        </p:sp>
+        <p:sp>
+          <p:nvSpPr>
+            <p:cNvPr id="10" name="TextBox 9"/>
+            <p:cNvSpPr txBox="1"/>
+            <p:nvPr/>
+          </p:nvSpPr>
+          <p:spPr>
+            <a:xfrm>
+              <a:off x="2457856" y="2133105"/>
+              <a:ext cx="2017552" cy="1107996"/>
+            </a:xfrm>
+            <a:prstGeom prst="rect">
+              <a:avLst/>
+            </a:prstGeom>
+            <a:noFill/>
+          </p:spPr>
+          <p:txBody>
+            <a:bodyPr wrap="square" rtlCol="0">
+              <a:spAutoFit/>
+            </a:bodyPr>
+            <a:lstStyle/>
+            <a:p>
+              <a:pPr algn="ctr"/>
+              <a:r>
+                <a:rPr lang="en-US" sz="6600" smtClean="0">
+                  <a:latin typeface="Britannic Bold" panose="020B0903060703020204" pitchFamily="34" charset="0"/>
+                </a:rPr>
+                <a:t>Y</a:t>
+              </a:r>
+              <a:endParaRPr lang="en-US" sz="6600">
+                <a:latin typeface="Britannic Bold" panose="020B0903060703020204" pitchFamily="34" charset="0"/>
+              </a:endParaRPr>
+            </a:p>
+          </p:txBody>
+        </p:sp>
+      </p:grpSp>
+      <p:cxnSp>
+        <p:nvCxnSpPr>
+          <p:cNvPr id="12" name="Straight Arrow Connector 11"/>
+          <p:cNvCxnSpPr/>
+          <p:nvPr/>
+        </p:nvCxnSpPr>
+        <p:spPr>
+          <a:xfrm>
+            <a:off x="3224978" y="4564625"/>
+            <a:ext cx="5760000" cy="9832"/>
+          </a:xfrm>
+          <a:prstGeom prst="straightConnector1">
+            <a:avLst/>
+          </a:prstGeom>
+          <a:ln w="38100">
+            <a:solidFill>
+              <a:schemeClr val="tx1">
+                <a:lumMod val="95000"/>
+                <a:lumOff val="5000"/>
+              </a:schemeClr>
+            </a:solidFill>
+            <a:headEnd type="none" w="lg" len="lg"/>
+            <a:tailEnd type="triangle" w="lg" len="lg"/>
+          </a:ln>
+        </p:spPr>
+        <p:style>
+          <a:lnRef idx="1">
+            <a:schemeClr val="accent1"/>
+          </a:lnRef>
+          <a:fillRef idx="0">
+            <a:schemeClr val="accent1"/>
+          </a:fillRef>
+          <a:effectRef idx="0">
+            <a:schemeClr val="accent1"/>
+          </a:effectRef>
+          <a:fontRef idx="minor">
+            <a:schemeClr val="tx1"/>
+          </a:fontRef>
+        </p:style>
+      </p:cxnSp>
+      <p:grpSp>
+        <p:nvGrpSpPr>
+          <p:cNvPr id="11" name="Group 10"/>
+          <p:cNvGrpSpPr/>
+          <p:nvPr/>
+        </p:nvGrpSpPr>
+        <p:grpSpPr>
+          <a:xfrm>
+            <a:off x="5013203" y="1725315"/>
+            <a:ext cx="2092569" cy="1380392"/>
+            <a:chOff x="2412023" y="1998785"/>
+            <a:chExt cx="2092569" cy="1380392"/>
+          </a:xfrm>
+        </p:grpSpPr>
+        <p:sp>
+          <p:nvSpPr>
+            <p:cNvPr id="13" name="Rectangle 12"/>
+            <p:cNvSpPr/>
+            <p:nvPr/>
+          </p:nvSpPr>
+          <p:spPr>
+            <a:xfrm>
+              <a:off x="2412023" y="1998785"/>
+              <a:ext cx="2092569" cy="1380392"/>
+            </a:xfrm>
+            <a:prstGeom prst="rect">
+              <a:avLst/>
+            </a:prstGeom>
+            <a:solidFill>
+              <a:schemeClr val="bg1"/>
+            </a:solidFill>
+            <a:ln w="57150">
+              <a:solidFill>
+                <a:schemeClr val="tx1">
+                  <a:lumMod val="65000"/>
+                  <a:lumOff val="35000"/>
+                </a:schemeClr>
+              </a:solidFill>
+            </a:ln>
+            <a:scene3d>
+              <a:camera prst="obliqueTopRight"/>
+              <a:lightRig rig="threePt" dir="t"/>
+            </a:scene3d>
+          </p:spPr>
+          <p:style>
+            <a:lnRef idx="2">
+              <a:schemeClr val="accent1">
+                <a:shade val="50000"/>
+              </a:schemeClr>
+            </a:lnRef>
+            <a:fillRef idx="1">
+              <a:schemeClr val="accent1"/>
+            </a:fillRef>
+            <a:effectRef idx="0">
+              <a:schemeClr val="accent1"/>
+            </a:effectRef>
+            <a:fontRef idx="minor">
+              <a:schemeClr val="lt1"/>
+            </a:fontRef>
+          </p:style>
+          <p:txBody>
+            <a:bodyPr rtlCol="0" anchor="ctr"/>
+            <a:lstStyle/>
+            <a:p>
+              <a:pPr algn="ctr"/>
+              <a:endParaRPr lang="en-US"/>
+            </a:p>
+          </p:txBody>
+        </p:sp>
+        <p:sp>
+          <p:nvSpPr>
+            <p:cNvPr id="14" name="TextBox 13"/>
+            <p:cNvSpPr txBox="1"/>
+            <p:nvPr/>
+          </p:nvSpPr>
+          <p:spPr>
+            <a:xfrm>
+              <a:off x="2457856" y="2133105"/>
+              <a:ext cx="2017552" cy="1107996"/>
+            </a:xfrm>
+            <a:prstGeom prst="rect">
+              <a:avLst/>
+            </a:prstGeom>
+            <a:noFill/>
+          </p:spPr>
+          <p:txBody>
+            <a:bodyPr wrap="square" rtlCol="0">
+              <a:spAutoFit/>
+            </a:bodyPr>
+            <a:lstStyle/>
+            <a:p>
+              <a:pPr algn="ctr"/>
+              <a:r>
+                <a:rPr lang="en-US" sz="6600" smtClean="0">
+                  <a:latin typeface="Britannic Bold" panose="020B0903060703020204" pitchFamily="34" charset="0"/>
+                </a:rPr>
+                <a:t>Me</a:t>
+              </a:r>
+              <a:endParaRPr lang="en-US" sz="6600">
+                <a:latin typeface="Britannic Bold" panose="020B0903060703020204" pitchFamily="34" charset="0"/>
+              </a:endParaRPr>
+            </a:p>
+          </p:txBody>
+        </p:sp>
+      </p:grpSp>
+      <p:cxnSp>
+        <p:nvCxnSpPr>
+          <p:cNvPr id="15" name="Straight Arrow Connector 14"/>
+          <p:cNvCxnSpPr/>
+          <p:nvPr/>
+        </p:nvCxnSpPr>
+        <p:spPr>
+          <a:xfrm flipV="1">
+            <a:off x="2125156" y="2300800"/>
+            <a:ext cx="2839199" cy="1506741"/>
+          </a:xfrm>
+          <a:prstGeom prst="straightConnector1">
+            <a:avLst/>
+          </a:prstGeom>
+          <a:ln w="38100">
+            <a:solidFill>
+              <a:schemeClr val="tx1">
+                <a:lumMod val="95000"/>
+                <a:lumOff val="5000"/>
+              </a:schemeClr>
+            </a:solidFill>
+            <a:headEnd type="none" w="lg" len="lg"/>
+            <a:tailEnd type="triangle" w="lg" len="lg"/>
+          </a:ln>
+        </p:spPr>
+        <p:style>
+          <a:lnRef idx="1">
+            <a:schemeClr val="accent1"/>
+          </a:lnRef>
+          <a:fillRef idx="0">
+            <a:schemeClr val="accent1"/>
+          </a:fillRef>
+          <a:effectRef idx="0">
+            <a:schemeClr val="accent1"/>
+          </a:effectRef>
+          <a:fontRef idx="minor">
+            <a:schemeClr val="tx1"/>
+          </a:fontRef>
+        </p:style>
+      </p:cxnSp>
+      <p:cxnSp>
+        <p:nvCxnSpPr>
+          <p:cNvPr id="18" name="Straight Arrow Connector 17"/>
+          <p:cNvCxnSpPr/>
+          <p:nvPr/>
+        </p:nvCxnSpPr>
+        <p:spPr>
+          <a:xfrm>
+            <a:off x="7164204" y="2286056"/>
+            <a:ext cx="2839199" cy="1506741"/>
+          </a:xfrm>
+          <a:prstGeom prst="straightConnector1">
+            <a:avLst/>
+          </a:prstGeom>
+          <a:ln w="38100">
+            <a:solidFill>
+              <a:schemeClr val="tx1">
+                <a:lumMod val="95000"/>
+                <a:lumOff val="5000"/>
+              </a:schemeClr>
+            </a:solidFill>
+            <a:headEnd type="none" w="lg" len="lg"/>
+            <a:tailEnd type="triangle" w="lg" len="lg"/>
+          </a:ln>
+        </p:spPr>
+        <p:style>
+          <a:lnRef idx="1">
+            <a:schemeClr val="accent1"/>
+          </a:lnRef>
+          <a:fillRef idx="0">
+            <a:schemeClr val="accent1"/>
+          </a:fillRef>
+          <a:effectRef idx="0">
+            <a:schemeClr val="accent1"/>
+          </a:effectRef>
+          <a:fontRef idx="minor">
+            <a:schemeClr val="tx1"/>
+          </a:fontRef>
+        </p:style>
+      </p:cxnSp>
+      <p:sp>
+        <p:nvSpPr>
+          <p:cNvPr id="19" name="TextBox 18"/>
+          <p:cNvSpPr txBox="1"/>
+          <p:nvPr/>
+        </p:nvSpPr>
+        <p:spPr>
+          <a:xfrm>
+            <a:off x="5922866" y="4043517"/>
+            <a:ext cx="615585" cy="523220"/>
+          </a:xfrm>
+          <a:prstGeom prst="rect">
+            <a:avLst/>
+          </a:prstGeom>
+          <a:noFill/>
+        </p:spPr>
+        <p:txBody>
+          <a:bodyPr wrap="square" rtlCol="0">
+            <a:spAutoFit/>
+          </a:bodyPr>
+          <a:lstStyle/>
+          <a:p>
+            <a:r>
+              <a:rPr lang="en-US" sz="2800" smtClean="0">
+                <a:latin typeface="Britannic Bold" panose="020B0903060703020204" pitchFamily="34" charset="0"/>
+              </a:rPr>
+              <a:t>a</a:t>
+            </a:r>
+            <a:endParaRPr lang="en-US" sz="2800">
+              <a:latin typeface="Britannic Bold" panose="020B0903060703020204" pitchFamily="34" charset="0"/>
+            </a:endParaRPr>
+          </a:p>
+        </p:txBody>
+      </p:sp>
+      <p:grpSp>
+        <p:nvGrpSpPr>
+          <p:cNvPr id="22" name="Group 21"/>
+          <p:cNvGrpSpPr/>
+          <p:nvPr/>
+        </p:nvGrpSpPr>
+        <p:grpSpPr>
+          <a:xfrm>
+            <a:off x="1806907" y="1031986"/>
+            <a:ext cx="2092569" cy="1380392"/>
+            <a:chOff x="2412023" y="1998785"/>
+            <a:chExt cx="2092569" cy="1380392"/>
+          </a:xfrm>
+        </p:grpSpPr>
+        <p:sp>
+          <p:nvSpPr>
+            <p:cNvPr id="23" name="Rectangle 22"/>
+            <p:cNvSpPr/>
+            <p:nvPr/>
+          </p:nvSpPr>
+          <p:spPr>
+            <a:xfrm>
+              <a:off x="2412023" y="1998785"/>
+              <a:ext cx="2092569" cy="1380392"/>
+            </a:xfrm>
+            <a:prstGeom prst="rect">
+              <a:avLst/>
+            </a:prstGeom>
+            <a:solidFill>
+              <a:schemeClr val="bg1"/>
+            </a:solidFill>
+            <a:ln w="57150">
+              <a:solidFill>
+                <a:schemeClr val="tx1">
+                  <a:lumMod val="65000"/>
+                  <a:lumOff val="35000"/>
+                </a:schemeClr>
+              </a:solidFill>
+            </a:ln>
+            <a:scene3d>
+              <a:camera prst="obliqueTopRight"/>
+              <a:lightRig rig="threePt" dir="t"/>
+            </a:scene3d>
+          </p:spPr>
+          <p:style>
+            <a:lnRef idx="2">
+              <a:schemeClr val="accent1">
+                <a:shade val="50000"/>
+              </a:schemeClr>
+            </a:lnRef>
+            <a:fillRef idx="1">
+              <a:schemeClr val="accent1"/>
+            </a:fillRef>
+            <a:effectRef idx="0">
+              <a:schemeClr val="accent1"/>
+            </a:effectRef>
+            <a:fontRef idx="minor">
+              <a:schemeClr val="lt1"/>
+            </a:fontRef>
+          </p:style>
+          <p:txBody>
+            <a:bodyPr rtlCol="0" anchor="ctr"/>
+            <a:lstStyle/>
+            <a:p>
+              <a:pPr algn="ctr"/>
+              <a:endParaRPr lang="en-US"/>
+            </a:p>
+          </p:txBody>
+        </p:sp>
+        <p:sp>
+          <p:nvSpPr>
+            <p:cNvPr id="24" name="TextBox 23"/>
+            <p:cNvSpPr txBox="1"/>
+            <p:nvPr/>
+          </p:nvSpPr>
+          <p:spPr>
+            <a:xfrm>
+              <a:off x="2457856" y="2133105"/>
+              <a:ext cx="2017552" cy="1107996"/>
+            </a:xfrm>
+            <a:prstGeom prst="rect">
+              <a:avLst/>
+            </a:prstGeom>
+            <a:noFill/>
+          </p:spPr>
+          <p:txBody>
+            <a:bodyPr wrap="square" rtlCol="0">
+              <a:spAutoFit/>
+            </a:bodyPr>
+            <a:lstStyle/>
+            <a:p>
+              <a:pPr algn="ctr"/>
+              <a:r>
+                <a:rPr lang="en-US" sz="6600" smtClean="0">
+                  <a:latin typeface="Britannic Bold" panose="020B0903060703020204" pitchFamily="34" charset="0"/>
+                </a:rPr>
+                <a:t>Mo</a:t>
+              </a:r>
+              <a:endParaRPr lang="en-US" sz="6600">
+                <a:latin typeface="Britannic Bold" panose="020B0903060703020204" pitchFamily="34" charset="0"/>
+              </a:endParaRPr>
+            </a:p>
+          </p:txBody>
+        </p:sp>
+      </p:grpSp>
+      <p:cxnSp>
+        <p:nvCxnSpPr>
+          <p:cNvPr id="25" name="Straight Arrow Connector 24"/>
+          <p:cNvCxnSpPr/>
+          <p:nvPr/>
+        </p:nvCxnSpPr>
+        <p:spPr>
+          <a:xfrm>
+            <a:off x="3452708" y="2460685"/>
+            <a:ext cx="417584" cy="334725"/>
+          </a:xfrm>
+          <a:prstGeom prst="straightConnector1">
+            <a:avLst/>
+          </a:prstGeom>
+          <a:ln w="38100">
+            <a:solidFill>
+              <a:schemeClr val="tx1">
+                <a:lumMod val="95000"/>
+                <a:lumOff val="5000"/>
+              </a:schemeClr>
+            </a:solidFill>
+            <a:headEnd type="none" w="lg" len="lg"/>
+            <a:tailEnd type="triangle" w="lg" len="lg"/>
+          </a:ln>
+        </p:spPr>
+        <p:style>
+          <a:lnRef idx="1">
+            <a:schemeClr val="accent1"/>
+          </a:lnRef>
+          <a:fillRef idx="0">
+            <a:schemeClr val="accent1"/>
+          </a:fillRef>
+          <a:effectRef idx="0">
+            <a:schemeClr val="accent1"/>
+          </a:effectRef>
+          <a:fontRef idx="minor">
+            <a:schemeClr val="tx1"/>
+          </a:fontRef>
+        </p:style>
+      </p:cxnSp>
+      <p:cxnSp>
+        <p:nvCxnSpPr>
+          <p:cNvPr id="26" name="Straight Arrow Connector 25"/>
+          <p:cNvCxnSpPr/>
+          <p:nvPr/>
+        </p:nvCxnSpPr>
+        <p:spPr>
+          <a:xfrm>
+            <a:off x="2990111" y="2460685"/>
+            <a:ext cx="1831546" cy="2046225"/>
+          </a:xfrm>
+          <a:prstGeom prst="straightConnector1">
+            <a:avLst/>
+          </a:prstGeom>
+          <a:ln w="38100">
+            <a:solidFill>
+              <a:schemeClr val="tx1"/>
+            </a:solidFill>
+            <a:headEnd type="none" w="lg" len="lg"/>
+            <a:tailEnd type="triangle" w="lg" len="lg"/>
+          </a:ln>
+        </p:spPr>
+        <p:style>
+          <a:lnRef idx="1">
+            <a:schemeClr val="accent1"/>
+          </a:lnRef>
+          <a:fillRef idx="0">
+            <a:schemeClr val="accent1"/>
+          </a:fillRef>
+          <a:effectRef idx="0">
+            <a:schemeClr val="accent1"/>
+          </a:effectRef>
+          <a:fontRef idx="minor">
+            <a:schemeClr val="tx1"/>
+          </a:fontRef>
+        </p:style>
+      </p:cxnSp>
+      <p:sp>
+        <p:nvSpPr>
+          <p:cNvPr id="29" name="TextBox 28"/>
+          <p:cNvSpPr txBox="1"/>
+          <p:nvPr/>
+        </p:nvSpPr>
+        <p:spPr>
+          <a:xfrm>
+            <a:off x="4077574" y="3266804"/>
+            <a:ext cx="615585" cy="523220"/>
+          </a:xfrm>
+          <a:prstGeom prst="rect">
+            <a:avLst/>
+          </a:prstGeom>
+          <a:noFill/>
+        </p:spPr>
+        <p:txBody>
+          <a:bodyPr wrap="square" rtlCol="0">
+            <a:spAutoFit/>
+          </a:bodyPr>
+          <a:lstStyle/>
+          <a:p>
+            <a:r>
+              <a:rPr lang="en-US" sz="2800">
+                <a:latin typeface="Britannic Bold" panose="020B0903060703020204" pitchFamily="34" charset="0"/>
+              </a:rPr>
+              <a:t>b</a:t>
+            </a:r>
+            <a:r>
+              <a:rPr lang="en-US" sz="2800" smtClean="0">
+                <a:latin typeface="Britannic Bold" panose="020B0903060703020204" pitchFamily="34" charset="0"/>
+              </a:rPr>
+              <a:t>’</a:t>
+            </a:r>
+            <a:endParaRPr lang="en-US" sz="2800">
+              <a:latin typeface="Britannic Bold" panose="020B0903060703020204" pitchFamily="34" charset="0"/>
+            </a:endParaRPr>
+          </a:p>
+        </p:txBody>
+      </p:sp>
+      <p:sp>
+        <p:nvSpPr>
+          <p:cNvPr id="30" name="Oval 29"/>
+          <p:cNvSpPr/>
+          <p:nvPr/>
+        </p:nvSpPr>
+        <p:spPr>
+          <a:xfrm>
+            <a:off x="4783983" y="4500060"/>
+            <a:ext cx="144000" cy="144000"/>
+          </a:xfrm>
+          <a:prstGeom prst="ellipse">
+            <a:avLst/>
+          </a:prstGeom>
+          <a:solidFill>
+            <a:schemeClr val="tx1">
+              <a:lumMod val="95000"/>
+              <a:lumOff val="5000"/>
+            </a:schemeClr>
+          </a:solidFill>
+          <a:ln>
+            <a:solidFill>
+              <a:schemeClr val="tx1">
+                <a:lumMod val="95000"/>
+                <a:lumOff val="5000"/>
+              </a:schemeClr>
+            </a:solidFill>
+          </a:ln>
+        </p:spPr>
+        <p:style>
+          <a:lnRef idx="2">
+            <a:schemeClr val="accent1">
+              <a:shade val="50000"/>
+            </a:schemeClr>
+          </a:lnRef>
+          <a:fillRef idx="1">
+            <a:schemeClr val="accent1"/>
+          </a:fillRef>
+          <a:effectRef idx="0">
+            <a:schemeClr val="accent1"/>
+          </a:effectRef>
+          <a:fontRef idx="minor">
+            <a:schemeClr val="lt1"/>
+          </a:fontRef>
+        </p:style>
+        <p:txBody>
+          <a:bodyPr rtlCol="0" anchor="ctr"/>
+          <a:lstStyle/>
+          <a:p>
+            <a:pPr algn="ctr"/>
+            <a:endParaRPr lang="en-US"/>
+          </a:p>
+        </p:txBody>
+      </p:sp>
+      <p:sp>
+        <p:nvSpPr>
+          <p:cNvPr id="31" name="Oval 30"/>
+          <p:cNvSpPr/>
+          <p:nvPr/>
+        </p:nvSpPr>
+        <p:spPr>
+          <a:xfrm>
+            <a:off x="3869586" y="2767977"/>
+            <a:ext cx="144000" cy="144000"/>
+          </a:xfrm>
+          <a:prstGeom prst="ellipse">
+            <a:avLst/>
+          </a:prstGeom>
+          <a:solidFill>
+            <a:schemeClr val="tx1">
+              <a:lumMod val="95000"/>
+              <a:lumOff val="5000"/>
+            </a:schemeClr>
+          </a:solidFill>
+          <a:ln>
+            <a:solidFill>
+              <a:schemeClr val="tx1">
+                <a:lumMod val="95000"/>
+                <a:lumOff val="5000"/>
+              </a:schemeClr>
+            </a:solidFill>
+          </a:ln>
+        </p:spPr>
+        <p:style>
+          <a:lnRef idx="2">
+            <a:schemeClr val="accent1">
+              <a:shade val="50000"/>
+            </a:schemeClr>
+          </a:lnRef>
+          <a:fillRef idx="1">
+            <a:schemeClr val="accent1"/>
+          </a:fillRef>
+          <a:effectRef idx="0">
+            <a:schemeClr val="accent1"/>
+          </a:effectRef>
+          <a:fontRef idx="minor">
+            <a:schemeClr val="lt1"/>
+          </a:fontRef>
+        </p:style>
+        <p:txBody>
+          <a:bodyPr rtlCol="0" anchor="ctr"/>
+          <a:lstStyle/>
+          <a:p>
+            <a:pPr algn="ctr"/>
+            <a:endParaRPr lang="en-US"/>
+          </a:p>
+        </p:txBody>
+      </p:sp>
+    </p:spTree>
+    <p:extLst>
+      <p:ext uri="{BB962C8B-B14F-4D97-AF65-F5344CB8AC3E}">
+        <p14:creationId xmlns:p14="http://schemas.microsoft.com/office/powerpoint/2010/main" val="796794908"/>
+      </p:ext>
+    </p:extLst>
+  </p:cSld>
+  <p:clrMapOvr>
+    <a:masterClrMapping/>
+  </p:clrMapOvr>
+</p:sld>
+</file>
+
+<file path=ppt/slides/slide18.xml><?xml version="1.0" encoding="utf-8"?>
+<p:sld xmlns:a="http://schemas.openxmlformats.org/drawingml/2006/main" xmlns:r="http://schemas.openxmlformats.org/officeDocument/2006/relationships" xmlns:p="http://schemas.openxmlformats.org/presentationml/2006/main">
+  <p:cSld>
+    <p:spTree>
+      <p:nvGrpSpPr>
+        <p:cNvPr id="1" name=""/>
+        <p:cNvGrpSpPr/>
+        <p:nvPr/>
+      </p:nvGrpSpPr>
+      <p:grpSpPr>
+        <a:xfrm>
+          <a:off x="0" y="0"/>
+          <a:ext cx="0" cy="0"/>
+          <a:chOff x="0" y="0"/>
+          <a:chExt cx="0" cy="0"/>
+        </a:xfrm>
+      </p:grpSpPr>
+      <p:sp>
+        <p:nvSpPr>
+          <p:cNvPr id="4" name="TextBox 3"/>
+          <p:cNvSpPr txBox="1"/>
+          <p:nvPr/>
+        </p:nvSpPr>
+        <p:spPr>
+          <a:xfrm>
+            <a:off x="0" y="6488668"/>
+            <a:ext cx="3419856" cy="369332"/>
+          </a:xfrm>
+          <a:prstGeom prst="rect">
+            <a:avLst/>
+          </a:prstGeom>
+          <a:noFill/>
+        </p:spPr>
+        <p:txBody>
+          <a:bodyPr wrap="square" rtlCol="0">
+            <a:spAutoFit/>
+          </a:bodyPr>
+          <a:lstStyle/>
+          <a:p>
+            <a:r>
+              <a:rPr lang="en-US" dirty="0" smtClean="0"/>
+              <a:t>© Jochem Tolsma 2020</a:t>
+            </a:r>
+            <a:endParaRPr lang="en-US" dirty="0"/>
+          </a:p>
+        </p:txBody>
+      </p:sp>
+      <p:grpSp>
+        <p:nvGrpSpPr>
+          <p:cNvPr id="7" name="Group 6"/>
+          <p:cNvGrpSpPr/>
+          <p:nvPr/>
+        </p:nvGrpSpPr>
+        <p:grpSpPr>
+          <a:xfrm>
+            <a:off x="1090211" y="2750329"/>
+            <a:ext cx="2092569" cy="1380392"/>
+            <a:chOff x="2412023" y="1998785"/>
+            <a:chExt cx="2092569" cy="1380392"/>
+          </a:xfrm>
+        </p:grpSpPr>
+        <p:sp>
+          <p:nvSpPr>
+            <p:cNvPr id="5" name="Rectangle 4"/>
+            <p:cNvSpPr/>
+            <p:nvPr/>
+          </p:nvSpPr>
+          <p:spPr>
+            <a:xfrm>
+              <a:off x="2412023" y="1998785"/>
+              <a:ext cx="2092569" cy="1380392"/>
+            </a:xfrm>
+            <a:prstGeom prst="rect">
+              <a:avLst/>
+            </a:prstGeom>
+            <a:solidFill>
+              <a:schemeClr val="bg1"/>
+            </a:solidFill>
+            <a:ln w="57150">
+              <a:solidFill>
+                <a:schemeClr val="tx1">
+                  <a:lumMod val="65000"/>
+                  <a:lumOff val="35000"/>
+                </a:schemeClr>
+              </a:solidFill>
+            </a:ln>
+            <a:scene3d>
+              <a:camera prst="obliqueTopRight"/>
+              <a:lightRig rig="threePt" dir="t"/>
+            </a:scene3d>
+          </p:spPr>
+          <p:style>
+            <a:lnRef idx="2">
+              <a:schemeClr val="accent1">
+                <a:shade val="50000"/>
+              </a:schemeClr>
+            </a:lnRef>
+            <a:fillRef idx="1">
+              <a:schemeClr val="accent1"/>
+            </a:fillRef>
+            <a:effectRef idx="0">
+              <a:schemeClr val="accent1"/>
+            </a:effectRef>
+            <a:fontRef idx="minor">
+              <a:schemeClr val="lt1"/>
+            </a:fontRef>
+          </p:style>
+          <p:txBody>
+            <a:bodyPr rtlCol="0" anchor="ctr"/>
+            <a:lstStyle/>
+            <a:p>
+              <a:pPr algn="ctr"/>
+              <a:endParaRPr lang="en-US"/>
+            </a:p>
+          </p:txBody>
+        </p:sp>
+        <p:sp>
+          <p:nvSpPr>
+            <p:cNvPr id="6" name="TextBox 5"/>
+            <p:cNvSpPr txBox="1"/>
+            <p:nvPr/>
+          </p:nvSpPr>
+          <p:spPr>
+            <a:xfrm>
+              <a:off x="2457856" y="2133105"/>
+              <a:ext cx="2017552" cy="1107996"/>
+            </a:xfrm>
+            <a:prstGeom prst="rect">
+              <a:avLst/>
+            </a:prstGeom>
+            <a:noFill/>
+          </p:spPr>
+          <p:txBody>
+            <a:bodyPr wrap="square" rtlCol="0">
+              <a:spAutoFit/>
+            </a:bodyPr>
+            <a:lstStyle/>
+            <a:p>
+              <a:pPr algn="ctr"/>
+              <a:r>
+                <a:rPr lang="en-US" sz="6600" smtClean="0">
+                  <a:latin typeface="Britannic Bold" panose="020B0903060703020204" pitchFamily="34" charset="0"/>
+                </a:rPr>
+                <a:t>X</a:t>
+              </a:r>
+              <a:endParaRPr lang="en-US" sz="6600">
+                <a:latin typeface="Britannic Bold" panose="020B0903060703020204" pitchFamily="34" charset="0"/>
+              </a:endParaRPr>
+            </a:p>
+          </p:txBody>
+        </p:sp>
+      </p:grpSp>
+      <p:grpSp>
+        <p:nvGrpSpPr>
+          <p:cNvPr id="8" name="Group 7"/>
+          <p:cNvGrpSpPr/>
+          <p:nvPr/>
+        </p:nvGrpSpPr>
+        <p:grpSpPr>
+          <a:xfrm>
+            <a:off x="9026748" y="2747088"/>
+            <a:ext cx="2092569" cy="1380392"/>
+            <a:chOff x="2412023" y="1998785"/>
+            <a:chExt cx="2092569" cy="1380392"/>
+          </a:xfrm>
+        </p:grpSpPr>
+        <p:sp>
+          <p:nvSpPr>
+            <p:cNvPr id="9" name="Rectangle 8"/>
+            <p:cNvSpPr/>
+            <p:nvPr/>
+          </p:nvSpPr>
+          <p:spPr>
+            <a:xfrm>
+              <a:off x="2412023" y="1998785"/>
+              <a:ext cx="2092569" cy="1380392"/>
+            </a:xfrm>
+            <a:prstGeom prst="rect">
+              <a:avLst/>
+            </a:prstGeom>
+            <a:solidFill>
+              <a:schemeClr val="bg1"/>
+            </a:solidFill>
+            <a:ln w="57150">
+              <a:solidFill>
+                <a:schemeClr val="tx1">
+                  <a:lumMod val="65000"/>
+                  <a:lumOff val="35000"/>
+                </a:schemeClr>
+              </a:solidFill>
+            </a:ln>
+            <a:scene3d>
+              <a:camera prst="obliqueTopRight"/>
+              <a:lightRig rig="threePt" dir="t"/>
+            </a:scene3d>
+          </p:spPr>
+          <p:style>
+            <a:lnRef idx="2">
+              <a:schemeClr val="accent1">
+                <a:shade val="50000"/>
+              </a:schemeClr>
+            </a:lnRef>
+            <a:fillRef idx="1">
+              <a:schemeClr val="accent1"/>
+            </a:fillRef>
+            <a:effectRef idx="0">
+              <a:schemeClr val="accent1"/>
+            </a:effectRef>
+            <a:fontRef idx="minor">
+              <a:schemeClr val="lt1"/>
+            </a:fontRef>
+          </p:style>
+          <p:txBody>
+            <a:bodyPr rtlCol="0" anchor="ctr"/>
+            <a:lstStyle/>
+            <a:p>
+              <a:pPr algn="ctr"/>
+              <a:endParaRPr lang="en-US"/>
+            </a:p>
+          </p:txBody>
+        </p:sp>
+        <p:sp>
+          <p:nvSpPr>
+            <p:cNvPr id="10" name="TextBox 9"/>
+            <p:cNvSpPr txBox="1"/>
+            <p:nvPr/>
+          </p:nvSpPr>
+          <p:spPr>
+            <a:xfrm>
+              <a:off x="2457856" y="2133105"/>
+              <a:ext cx="2017552" cy="1107996"/>
+            </a:xfrm>
+            <a:prstGeom prst="rect">
+              <a:avLst/>
+            </a:prstGeom>
+            <a:noFill/>
+          </p:spPr>
+          <p:txBody>
+            <a:bodyPr wrap="square" rtlCol="0">
+              <a:spAutoFit/>
+            </a:bodyPr>
+            <a:lstStyle/>
+            <a:p>
+              <a:pPr algn="ctr"/>
+              <a:r>
+                <a:rPr lang="en-US" sz="6600" smtClean="0">
+                  <a:latin typeface="Britannic Bold" panose="020B0903060703020204" pitchFamily="34" charset="0"/>
+                </a:rPr>
+                <a:t>Y</a:t>
+              </a:r>
+              <a:endParaRPr lang="en-US" sz="6600">
+                <a:latin typeface="Britannic Bold" panose="020B0903060703020204" pitchFamily="34" charset="0"/>
+              </a:endParaRPr>
+            </a:p>
+          </p:txBody>
+        </p:sp>
+      </p:grpSp>
+      <p:cxnSp>
+        <p:nvCxnSpPr>
+          <p:cNvPr id="12" name="Straight Arrow Connector 11"/>
+          <p:cNvCxnSpPr/>
+          <p:nvPr/>
+        </p:nvCxnSpPr>
+        <p:spPr>
+          <a:xfrm>
+            <a:off x="3224978" y="3421626"/>
+            <a:ext cx="5760000" cy="9832"/>
+          </a:xfrm>
+          <a:prstGeom prst="straightConnector1">
+            <a:avLst/>
+          </a:prstGeom>
+          <a:ln w="38100">
+            <a:solidFill>
+              <a:schemeClr val="tx1">
+                <a:lumMod val="95000"/>
+                <a:lumOff val="5000"/>
+              </a:schemeClr>
+            </a:solidFill>
+            <a:headEnd type="none" w="lg" len="lg"/>
+            <a:tailEnd type="triangle" w="lg" len="lg"/>
+          </a:ln>
+        </p:spPr>
+        <p:style>
+          <a:lnRef idx="1">
+            <a:schemeClr val="accent1"/>
+          </a:lnRef>
+          <a:fillRef idx="0">
+            <a:schemeClr val="accent1"/>
+          </a:fillRef>
+          <a:effectRef idx="0">
+            <a:schemeClr val="accent1"/>
+          </a:effectRef>
+          <a:fontRef idx="minor">
+            <a:schemeClr val="tx1"/>
+          </a:fontRef>
+        </p:style>
+      </p:cxnSp>
+      <p:grpSp>
+        <p:nvGrpSpPr>
+          <p:cNvPr id="11" name="Group 10"/>
+          <p:cNvGrpSpPr/>
+          <p:nvPr/>
+        </p:nvGrpSpPr>
+        <p:grpSpPr>
+          <a:xfrm>
+            <a:off x="5013203" y="582316"/>
+            <a:ext cx="2092569" cy="1380392"/>
+            <a:chOff x="2412023" y="1998785"/>
+            <a:chExt cx="2092569" cy="1380392"/>
+          </a:xfrm>
+        </p:grpSpPr>
+        <p:sp>
+          <p:nvSpPr>
+            <p:cNvPr id="13" name="Rectangle 12"/>
+            <p:cNvSpPr/>
+            <p:nvPr/>
+          </p:nvSpPr>
+          <p:spPr>
+            <a:xfrm>
+              <a:off x="2412023" y="1998785"/>
+              <a:ext cx="2092569" cy="1380392"/>
+            </a:xfrm>
+            <a:prstGeom prst="rect">
+              <a:avLst/>
+            </a:prstGeom>
+            <a:solidFill>
+              <a:schemeClr val="bg1"/>
+            </a:solidFill>
+            <a:ln w="57150">
+              <a:solidFill>
+                <a:schemeClr val="tx1">
+                  <a:lumMod val="65000"/>
+                  <a:lumOff val="35000"/>
+                </a:schemeClr>
+              </a:solidFill>
+            </a:ln>
+            <a:scene3d>
+              <a:camera prst="obliqueTopRight"/>
+              <a:lightRig rig="threePt" dir="t"/>
+            </a:scene3d>
+          </p:spPr>
+          <p:style>
+            <a:lnRef idx="2">
+              <a:schemeClr val="accent1">
+                <a:shade val="50000"/>
+              </a:schemeClr>
+            </a:lnRef>
+            <a:fillRef idx="1">
+              <a:schemeClr val="accent1"/>
+            </a:fillRef>
+            <a:effectRef idx="0">
+              <a:schemeClr val="accent1"/>
+            </a:effectRef>
+            <a:fontRef idx="minor">
+              <a:schemeClr val="lt1"/>
+            </a:fontRef>
+          </p:style>
+          <p:txBody>
+            <a:bodyPr rtlCol="0" anchor="ctr"/>
+            <a:lstStyle/>
+            <a:p>
+              <a:pPr algn="ctr"/>
+              <a:endParaRPr lang="en-US"/>
+            </a:p>
+          </p:txBody>
+        </p:sp>
+        <p:sp>
+          <p:nvSpPr>
+            <p:cNvPr id="14" name="TextBox 13"/>
+            <p:cNvSpPr txBox="1"/>
+            <p:nvPr/>
+          </p:nvSpPr>
+          <p:spPr>
+            <a:xfrm>
+              <a:off x="2457856" y="2133105"/>
+              <a:ext cx="2017552" cy="1107996"/>
+            </a:xfrm>
+            <a:prstGeom prst="rect">
+              <a:avLst/>
+            </a:prstGeom>
+            <a:noFill/>
+          </p:spPr>
+          <p:txBody>
+            <a:bodyPr wrap="square" rtlCol="0">
+              <a:spAutoFit/>
+            </a:bodyPr>
+            <a:lstStyle/>
+            <a:p>
+              <a:pPr algn="ctr"/>
+              <a:r>
+                <a:rPr lang="en-US" sz="6600" smtClean="0">
+                  <a:latin typeface="Britannic Bold" panose="020B0903060703020204" pitchFamily="34" charset="0"/>
+                </a:rPr>
+                <a:t>Mo</a:t>
+              </a:r>
+              <a:endParaRPr lang="en-US" sz="6600">
+                <a:latin typeface="Britannic Bold" panose="020B0903060703020204" pitchFamily="34" charset="0"/>
+              </a:endParaRPr>
+            </a:p>
+          </p:txBody>
+        </p:sp>
+      </p:grpSp>
+      <p:cxnSp>
+        <p:nvCxnSpPr>
+          <p:cNvPr id="22" name="Straight Arrow Connector 21"/>
+          <p:cNvCxnSpPr/>
+          <p:nvPr/>
+        </p:nvCxnSpPr>
+        <p:spPr>
+          <a:xfrm rot="-60000" flipH="1">
+            <a:off x="6058850" y="2016470"/>
+            <a:ext cx="15993" cy="1332000"/>
+          </a:xfrm>
+          <a:prstGeom prst="straightConnector1">
+            <a:avLst/>
+          </a:prstGeom>
+          <a:ln w="38100">
+            <a:solidFill>
+              <a:schemeClr val="tx1">
+                <a:lumMod val="95000"/>
+                <a:lumOff val="5000"/>
+              </a:schemeClr>
+            </a:solidFill>
+            <a:headEnd type="none" w="lg" len="lg"/>
+            <a:tailEnd type="triangle" w="lg" len="lg"/>
+          </a:ln>
+        </p:spPr>
+        <p:style>
+          <a:lnRef idx="1">
+            <a:schemeClr val="accent1"/>
+          </a:lnRef>
+          <a:fillRef idx="0">
+            <a:schemeClr val="accent1"/>
+          </a:fillRef>
+          <a:effectRef idx="0">
+            <a:schemeClr val="accent1"/>
+          </a:effectRef>
+          <a:fontRef idx="minor">
+            <a:schemeClr val="tx1"/>
+          </a:fontRef>
+        </p:style>
+      </p:cxnSp>
+      <p:sp>
+        <p:nvSpPr>
+          <p:cNvPr id="23" name="TextBox 22"/>
+          <p:cNvSpPr txBox="1"/>
+          <p:nvPr/>
+        </p:nvSpPr>
+        <p:spPr>
+          <a:xfrm>
+            <a:off x="4778062" y="2905595"/>
+            <a:ext cx="615585" cy="523220"/>
+          </a:xfrm>
+          <a:prstGeom prst="rect">
+            <a:avLst/>
+          </a:prstGeom>
+          <a:noFill/>
+        </p:spPr>
+        <p:txBody>
+          <a:bodyPr wrap="square" rtlCol="0">
+            <a:spAutoFit/>
+          </a:bodyPr>
+          <a:lstStyle/>
+          <a:p>
+            <a:r>
+              <a:rPr lang="en-US" sz="2800">
+                <a:latin typeface="Britannic Bold" panose="020B0903060703020204" pitchFamily="34" charset="0"/>
+              </a:rPr>
+              <a:t>a</a:t>
+            </a:r>
+          </a:p>
+        </p:txBody>
+      </p:sp>
+      <p:sp>
+        <p:nvSpPr>
+          <p:cNvPr id="24" name="TextBox 23"/>
+          <p:cNvSpPr txBox="1"/>
+          <p:nvPr/>
+        </p:nvSpPr>
+        <p:spPr>
+          <a:xfrm>
+            <a:off x="6117387" y="2378781"/>
+            <a:ext cx="615585" cy="523220"/>
+          </a:xfrm>
+          <a:prstGeom prst="rect">
+            <a:avLst/>
+          </a:prstGeom>
+          <a:noFill/>
+        </p:spPr>
+        <p:txBody>
+          <a:bodyPr wrap="square" rtlCol="0">
+            <a:spAutoFit/>
+          </a:bodyPr>
+          <a:lstStyle/>
+          <a:p>
+            <a:r>
+              <a:rPr lang="en-US" sz="2800" smtClean="0">
+                <a:latin typeface="Britannic Bold" panose="020B0903060703020204" pitchFamily="34" charset="0"/>
+              </a:rPr>
+              <a:t>b</a:t>
+            </a:r>
+            <a:endParaRPr lang="en-US" sz="2800">
+              <a:latin typeface="Britannic Bold" panose="020B0903060703020204" pitchFamily="34" charset="0"/>
+            </a:endParaRPr>
+          </a:p>
+        </p:txBody>
+      </p:sp>
+      <p:sp>
+        <p:nvSpPr>
+          <p:cNvPr id="2" name="Oval 1"/>
+          <p:cNvSpPr/>
+          <p:nvPr/>
+        </p:nvSpPr>
+        <p:spPr>
+          <a:xfrm>
+            <a:off x="5997322" y="3357058"/>
+            <a:ext cx="144000" cy="144000"/>
+          </a:xfrm>
+          <a:prstGeom prst="ellipse">
+            <a:avLst/>
+          </a:prstGeom>
+          <a:solidFill>
+            <a:schemeClr val="tx1">
+              <a:lumMod val="95000"/>
+              <a:lumOff val="5000"/>
+            </a:schemeClr>
+          </a:solidFill>
+          <a:ln>
+            <a:solidFill>
+              <a:schemeClr val="tx1">
+                <a:lumMod val="95000"/>
+                <a:lumOff val="5000"/>
+              </a:schemeClr>
+            </a:solidFill>
+          </a:ln>
+        </p:spPr>
+        <p:style>
+          <a:lnRef idx="2">
+            <a:schemeClr val="accent1">
+              <a:shade val="50000"/>
+            </a:schemeClr>
+          </a:lnRef>
+          <a:fillRef idx="1">
+            <a:schemeClr val="accent1"/>
+          </a:fillRef>
+          <a:effectRef idx="0">
+            <a:schemeClr val="accent1"/>
+          </a:effectRef>
+          <a:fontRef idx="minor">
+            <a:schemeClr val="lt1"/>
+          </a:fontRef>
+        </p:style>
+        <p:txBody>
+          <a:bodyPr rtlCol="0" anchor="ctr"/>
+          <a:lstStyle/>
+          <a:p>
+            <a:pPr algn="ctr"/>
+            <a:endParaRPr lang="en-US"/>
+          </a:p>
+        </p:txBody>
+      </p:sp>
+    </p:spTree>
+    <p:extLst>
+      <p:ext uri="{BB962C8B-B14F-4D97-AF65-F5344CB8AC3E}">
+        <p14:creationId xmlns:p14="http://schemas.microsoft.com/office/powerpoint/2010/main" val="1481518630"/>
+      </p:ext>
+    </p:extLst>
+  </p:cSld>
+  <p:clrMapOvr>
+    <a:masterClrMapping/>
+  </p:clrMapOvr>
+</p:sld>
+</file>
+
+<file path=ppt/slides/slide19.xml><?xml version="1.0" encoding="utf-8"?>
+<p:sld xmlns:a="http://schemas.openxmlformats.org/drawingml/2006/main" xmlns:r="http://schemas.openxmlformats.org/officeDocument/2006/relationships" xmlns:p="http://schemas.openxmlformats.org/presentationml/2006/main">
+  <p:cSld>
+    <p:spTree>
+      <p:nvGrpSpPr>
+        <p:cNvPr id="1" name=""/>
+        <p:cNvGrpSpPr/>
+        <p:nvPr/>
+      </p:nvGrpSpPr>
+      <p:grpSpPr>
+        <a:xfrm>
+          <a:off x="0" y="0"/>
+          <a:ext cx="0" cy="0"/>
+          <a:chOff x="0" y="0"/>
+          <a:chExt cx="0" cy="0"/>
+        </a:xfrm>
+      </p:grpSpPr>
+      <p:sp>
+        <p:nvSpPr>
+          <p:cNvPr id="4" name="TextBox 3"/>
+          <p:cNvSpPr txBox="1"/>
+          <p:nvPr/>
+        </p:nvSpPr>
+        <p:spPr>
+          <a:xfrm>
+            <a:off x="0" y="6488668"/>
+            <a:ext cx="3419856" cy="369332"/>
+          </a:xfrm>
+          <a:prstGeom prst="rect">
+            <a:avLst/>
+          </a:prstGeom>
+          <a:noFill/>
+        </p:spPr>
+        <p:txBody>
+          <a:bodyPr wrap="square" rtlCol="0">
+            <a:spAutoFit/>
+          </a:bodyPr>
+          <a:lstStyle/>
+          <a:p>
+            <a:r>
+              <a:rPr lang="en-US" dirty="0" smtClean="0"/>
+              <a:t>© Jochem Tolsma 2020</a:t>
+            </a:r>
+            <a:endParaRPr lang="en-US" dirty="0"/>
+          </a:p>
+        </p:txBody>
+      </p:sp>
+      <p:grpSp>
+        <p:nvGrpSpPr>
+          <p:cNvPr id="7" name="Group 6"/>
+          <p:cNvGrpSpPr/>
+          <p:nvPr/>
+        </p:nvGrpSpPr>
+        <p:grpSpPr>
+          <a:xfrm>
+            <a:off x="1090211" y="3893328"/>
+            <a:ext cx="2092569" cy="1380392"/>
+            <a:chOff x="2412023" y="1998785"/>
+            <a:chExt cx="2092569" cy="1380392"/>
+          </a:xfrm>
+        </p:grpSpPr>
+        <p:sp>
+          <p:nvSpPr>
+            <p:cNvPr id="5" name="Rectangle 4"/>
+            <p:cNvSpPr/>
+            <p:nvPr/>
+          </p:nvSpPr>
+          <p:spPr>
+            <a:xfrm>
+              <a:off x="2412023" y="1998785"/>
+              <a:ext cx="2092569" cy="1380392"/>
+            </a:xfrm>
+            <a:prstGeom prst="rect">
+              <a:avLst/>
+            </a:prstGeom>
+            <a:solidFill>
+              <a:schemeClr val="bg1"/>
+            </a:solidFill>
+            <a:ln w="57150">
+              <a:solidFill>
+                <a:schemeClr val="tx1">
+                  <a:lumMod val="65000"/>
+                  <a:lumOff val="35000"/>
+                </a:schemeClr>
+              </a:solidFill>
+            </a:ln>
+            <a:scene3d>
+              <a:camera prst="obliqueTopRight"/>
+              <a:lightRig rig="threePt" dir="t"/>
+            </a:scene3d>
+          </p:spPr>
+          <p:style>
+            <a:lnRef idx="2">
+              <a:schemeClr val="accent1">
+                <a:shade val="50000"/>
+              </a:schemeClr>
+            </a:lnRef>
+            <a:fillRef idx="1">
+              <a:schemeClr val="accent1"/>
+            </a:fillRef>
+            <a:effectRef idx="0">
+              <a:schemeClr val="accent1"/>
+            </a:effectRef>
+            <a:fontRef idx="minor">
+              <a:schemeClr val="lt1"/>
+            </a:fontRef>
+          </p:style>
+          <p:txBody>
+            <a:bodyPr rtlCol="0" anchor="ctr"/>
+            <a:lstStyle/>
+            <a:p>
+              <a:pPr algn="ctr"/>
+              <a:endParaRPr lang="en-US"/>
+            </a:p>
+          </p:txBody>
+        </p:sp>
+        <p:sp>
+          <p:nvSpPr>
+            <p:cNvPr id="6" name="TextBox 5"/>
+            <p:cNvSpPr txBox="1"/>
+            <p:nvPr/>
+          </p:nvSpPr>
+          <p:spPr>
+            <a:xfrm>
+              <a:off x="2457856" y="2133105"/>
+              <a:ext cx="2017552" cy="1107996"/>
+            </a:xfrm>
+            <a:prstGeom prst="rect">
+              <a:avLst/>
+            </a:prstGeom>
+            <a:noFill/>
+          </p:spPr>
+          <p:txBody>
+            <a:bodyPr wrap="square" rtlCol="0">
+              <a:spAutoFit/>
+            </a:bodyPr>
+            <a:lstStyle/>
+            <a:p>
+              <a:pPr algn="ctr"/>
+              <a:r>
+                <a:rPr lang="en-US" sz="6600" smtClean="0">
+                  <a:latin typeface="Britannic Bold" panose="020B0903060703020204" pitchFamily="34" charset="0"/>
+                </a:rPr>
+                <a:t>X</a:t>
+              </a:r>
+              <a:endParaRPr lang="en-US" sz="6600">
+                <a:latin typeface="Britannic Bold" panose="020B0903060703020204" pitchFamily="34" charset="0"/>
+              </a:endParaRPr>
+            </a:p>
+          </p:txBody>
+        </p:sp>
+      </p:grpSp>
+      <p:grpSp>
+        <p:nvGrpSpPr>
+          <p:cNvPr id="8" name="Group 7"/>
+          <p:cNvGrpSpPr/>
+          <p:nvPr/>
+        </p:nvGrpSpPr>
+        <p:grpSpPr>
+          <a:xfrm>
+            <a:off x="9026748" y="3890087"/>
+            <a:ext cx="2092569" cy="1380392"/>
+            <a:chOff x="2412023" y="1998785"/>
+            <a:chExt cx="2092569" cy="1380392"/>
+          </a:xfrm>
+        </p:grpSpPr>
+        <p:sp>
+          <p:nvSpPr>
+            <p:cNvPr id="9" name="Rectangle 8"/>
+            <p:cNvSpPr/>
+            <p:nvPr/>
+          </p:nvSpPr>
+          <p:spPr>
+            <a:xfrm>
+              <a:off x="2412023" y="1998785"/>
+              <a:ext cx="2092569" cy="1380392"/>
+            </a:xfrm>
+            <a:prstGeom prst="rect">
+              <a:avLst/>
+            </a:prstGeom>
+            <a:solidFill>
+              <a:schemeClr val="bg1"/>
+            </a:solidFill>
+            <a:ln w="57150">
+              <a:solidFill>
+                <a:schemeClr val="tx1">
+                  <a:lumMod val="65000"/>
+                  <a:lumOff val="35000"/>
+                </a:schemeClr>
+              </a:solidFill>
+            </a:ln>
+            <a:scene3d>
+              <a:camera prst="obliqueTopRight"/>
+              <a:lightRig rig="threePt" dir="t"/>
+            </a:scene3d>
+          </p:spPr>
+          <p:style>
+            <a:lnRef idx="2">
+              <a:schemeClr val="accent1">
+                <a:shade val="50000"/>
+              </a:schemeClr>
+            </a:lnRef>
+            <a:fillRef idx="1">
+              <a:schemeClr val="accent1"/>
+            </a:fillRef>
+            <a:effectRef idx="0">
+              <a:schemeClr val="accent1"/>
+            </a:effectRef>
+            <a:fontRef idx="minor">
+              <a:schemeClr val="lt1"/>
+            </a:fontRef>
+          </p:style>
+          <p:txBody>
+            <a:bodyPr rtlCol="0" anchor="ctr"/>
+            <a:lstStyle/>
+            <a:p>
+              <a:pPr algn="ctr"/>
+              <a:endParaRPr lang="en-US"/>
+            </a:p>
+          </p:txBody>
+        </p:sp>
+        <p:sp>
+          <p:nvSpPr>
+            <p:cNvPr id="10" name="TextBox 9"/>
+            <p:cNvSpPr txBox="1"/>
+            <p:nvPr/>
+          </p:nvSpPr>
+          <p:spPr>
+            <a:xfrm>
+              <a:off x="2457856" y="2133105"/>
+              <a:ext cx="2017552" cy="1107996"/>
+            </a:xfrm>
+            <a:prstGeom prst="rect">
+              <a:avLst/>
+            </a:prstGeom>
+            <a:noFill/>
+          </p:spPr>
+          <p:txBody>
+            <a:bodyPr wrap="square" rtlCol="0">
+              <a:spAutoFit/>
+            </a:bodyPr>
+            <a:lstStyle/>
+            <a:p>
+              <a:pPr algn="ctr"/>
+              <a:r>
+                <a:rPr lang="en-US" sz="6600" smtClean="0">
+                  <a:latin typeface="Britannic Bold" panose="020B0903060703020204" pitchFamily="34" charset="0"/>
+                </a:rPr>
+                <a:t>Y</a:t>
+              </a:r>
+              <a:endParaRPr lang="en-US" sz="6600">
+                <a:latin typeface="Britannic Bold" panose="020B0903060703020204" pitchFamily="34" charset="0"/>
+              </a:endParaRPr>
+            </a:p>
+          </p:txBody>
+        </p:sp>
+      </p:grpSp>
+      <p:cxnSp>
+        <p:nvCxnSpPr>
+          <p:cNvPr id="12" name="Straight Arrow Connector 11"/>
+          <p:cNvCxnSpPr/>
+          <p:nvPr/>
+        </p:nvCxnSpPr>
+        <p:spPr>
+          <a:xfrm>
+            <a:off x="3224978" y="4564625"/>
+            <a:ext cx="5760000" cy="9832"/>
+          </a:xfrm>
+          <a:prstGeom prst="straightConnector1">
+            <a:avLst/>
+          </a:prstGeom>
+          <a:ln w="38100">
+            <a:solidFill>
+              <a:schemeClr val="tx1">
+                <a:lumMod val="95000"/>
+                <a:lumOff val="5000"/>
+              </a:schemeClr>
+            </a:solidFill>
+            <a:headEnd type="none" w="lg" len="lg"/>
+            <a:tailEnd type="triangle" w="lg" len="lg"/>
+          </a:ln>
+        </p:spPr>
+        <p:style>
+          <a:lnRef idx="1">
+            <a:schemeClr val="accent1"/>
+          </a:lnRef>
+          <a:fillRef idx="0">
+            <a:schemeClr val="accent1"/>
+          </a:fillRef>
+          <a:effectRef idx="0">
+            <a:schemeClr val="accent1"/>
+          </a:effectRef>
+          <a:fontRef idx="minor">
+            <a:schemeClr val="tx1"/>
+          </a:fontRef>
+        </p:style>
+      </p:cxnSp>
+      <p:grpSp>
+        <p:nvGrpSpPr>
+          <p:cNvPr id="11" name="Group 10"/>
+          <p:cNvGrpSpPr/>
+          <p:nvPr/>
+        </p:nvGrpSpPr>
+        <p:grpSpPr>
+          <a:xfrm>
+            <a:off x="5013203" y="1725315"/>
+            <a:ext cx="2092569" cy="1380392"/>
+            <a:chOff x="2412023" y="1998785"/>
+            <a:chExt cx="2092569" cy="1380392"/>
+          </a:xfrm>
+        </p:grpSpPr>
+        <p:sp>
+          <p:nvSpPr>
+            <p:cNvPr id="13" name="Rectangle 12"/>
+            <p:cNvSpPr/>
+            <p:nvPr/>
+          </p:nvSpPr>
+          <p:spPr>
+            <a:xfrm>
+              <a:off x="2412023" y="1998785"/>
+              <a:ext cx="2092569" cy="1380392"/>
+            </a:xfrm>
+            <a:prstGeom prst="rect">
+              <a:avLst/>
+            </a:prstGeom>
+            <a:solidFill>
+              <a:schemeClr val="bg1"/>
+            </a:solidFill>
+            <a:ln w="57150">
+              <a:solidFill>
+                <a:schemeClr val="tx1">
+                  <a:lumMod val="65000"/>
+                  <a:lumOff val="35000"/>
+                </a:schemeClr>
+              </a:solidFill>
+            </a:ln>
+            <a:scene3d>
+              <a:camera prst="obliqueTopRight"/>
+              <a:lightRig rig="threePt" dir="t"/>
+            </a:scene3d>
+          </p:spPr>
+          <p:style>
+            <a:lnRef idx="2">
+              <a:schemeClr val="accent1">
+                <a:shade val="50000"/>
+              </a:schemeClr>
+            </a:lnRef>
+            <a:fillRef idx="1">
+              <a:schemeClr val="accent1"/>
+            </a:fillRef>
+            <a:effectRef idx="0">
+              <a:schemeClr val="accent1"/>
+            </a:effectRef>
+            <a:fontRef idx="minor">
+              <a:schemeClr val="lt1"/>
+            </a:fontRef>
+          </p:style>
+          <p:txBody>
+            <a:bodyPr rtlCol="0" anchor="ctr"/>
+            <a:lstStyle/>
+            <a:p>
+              <a:pPr algn="ctr"/>
+              <a:endParaRPr lang="en-US"/>
+            </a:p>
+          </p:txBody>
+        </p:sp>
+        <p:sp>
+          <p:nvSpPr>
+            <p:cNvPr id="14" name="TextBox 13"/>
+            <p:cNvSpPr txBox="1"/>
+            <p:nvPr/>
+          </p:nvSpPr>
+          <p:spPr>
+            <a:xfrm>
+              <a:off x="2457856" y="2133105"/>
+              <a:ext cx="2017552" cy="1107996"/>
+            </a:xfrm>
+            <a:prstGeom prst="rect">
+              <a:avLst/>
+            </a:prstGeom>
+            <a:noFill/>
+          </p:spPr>
+          <p:txBody>
+            <a:bodyPr wrap="square" rtlCol="0">
+              <a:spAutoFit/>
+            </a:bodyPr>
+            <a:lstStyle/>
+            <a:p>
+              <a:pPr algn="ctr"/>
+              <a:r>
+                <a:rPr lang="en-US" sz="6600" smtClean="0">
+                  <a:latin typeface="Britannic Bold" panose="020B0903060703020204" pitchFamily="34" charset="0"/>
+                </a:rPr>
+                <a:t>Me</a:t>
+              </a:r>
+              <a:endParaRPr lang="en-US" sz="6600">
+                <a:latin typeface="Britannic Bold" panose="020B0903060703020204" pitchFamily="34" charset="0"/>
+              </a:endParaRPr>
+            </a:p>
+          </p:txBody>
+        </p:sp>
+      </p:grpSp>
+      <p:cxnSp>
+        <p:nvCxnSpPr>
+          <p:cNvPr id="15" name="Straight Arrow Connector 14"/>
+          <p:cNvCxnSpPr/>
+          <p:nvPr/>
+        </p:nvCxnSpPr>
+        <p:spPr>
+          <a:xfrm flipV="1">
+            <a:off x="2125156" y="2300800"/>
+            <a:ext cx="2839199" cy="1506741"/>
+          </a:xfrm>
+          <a:prstGeom prst="straightConnector1">
+            <a:avLst/>
+          </a:prstGeom>
+          <a:ln w="38100">
+            <a:solidFill>
+              <a:schemeClr val="tx1">
+                <a:lumMod val="95000"/>
+                <a:lumOff val="5000"/>
+              </a:schemeClr>
+            </a:solidFill>
+            <a:headEnd type="none" w="lg" len="lg"/>
+            <a:tailEnd type="triangle" w="lg" len="lg"/>
+          </a:ln>
+        </p:spPr>
+        <p:style>
+          <a:lnRef idx="1">
+            <a:schemeClr val="accent1"/>
+          </a:lnRef>
+          <a:fillRef idx="0">
+            <a:schemeClr val="accent1"/>
+          </a:fillRef>
+          <a:effectRef idx="0">
+            <a:schemeClr val="accent1"/>
+          </a:effectRef>
+          <a:fontRef idx="minor">
+            <a:schemeClr val="tx1"/>
+          </a:fontRef>
+        </p:style>
+      </p:cxnSp>
+      <p:cxnSp>
+        <p:nvCxnSpPr>
+          <p:cNvPr id="18" name="Straight Arrow Connector 17"/>
+          <p:cNvCxnSpPr/>
+          <p:nvPr/>
+        </p:nvCxnSpPr>
+        <p:spPr>
+          <a:xfrm>
+            <a:off x="7164204" y="2286056"/>
+            <a:ext cx="2839199" cy="1506741"/>
+          </a:xfrm>
+          <a:prstGeom prst="straightConnector1">
+            <a:avLst/>
+          </a:prstGeom>
+          <a:ln w="38100">
+            <a:solidFill>
+              <a:schemeClr val="tx1">
+                <a:lumMod val="95000"/>
+                <a:lumOff val="5000"/>
+              </a:schemeClr>
+            </a:solidFill>
+            <a:headEnd type="none" w="lg" len="lg"/>
+            <a:tailEnd type="triangle" w="lg" len="lg"/>
+          </a:ln>
+        </p:spPr>
+        <p:style>
+          <a:lnRef idx="1">
+            <a:schemeClr val="accent1"/>
+          </a:lnRef>
+          <a:fillRef idx="0">
+            <a:schemeClr val="accent1"/>
+          </a:fillRef>
+          <a:effectRef idx="0">
+            <a:schemeClr val="accent1"/>
+          </a:effectRef>
+          <a:fontRef idx="minor">
+            <a:schemeClr val="tx1"/>
+          </a:fontRef>
+        </p:style>
+      </p:cxnSp>
+      <p:sp>
+        <p:nvSpPr>
+          <p:cNvPr id="19" name="TextBox 18"/>
+          <p:cNvSpPr txBox="1"/>
+          <p:nvPr/>
+        </p:nvSpPr>
+        <p:spPr>
+          <a:xfrm>
+            <a:off x="5922866" y="4043517"/>
+            <a:ext cx="615585" cy="523220"/>
+          </a:xfrm>
+          <a:prstGeom prst="rect">
+            <a:avLst/>
+          </a:prstGeom>
+          <a:noFill/>
+        </p:spPr>
+        <p:txBody>
+          <a:bodyPr wrap="square" rtlCol="0">
+            <a:spAutoFit/>
+          </a:bodyPr>
+          <a:lstStyle/>
+          <a:p>
+            <a:r>
+              <a:rPr lang="en-US" sz="2800" smtClean="0">
+                <a:latin typeface="Britannic Bold" panose="020B0903060703020204" pitchFamily="34" charset="0"/>
+              </a:rPr>
+              <a:t>a</a:t>
+            </a:r>
+            <a:endParaRPr lang="en-US" sz="2800">
+              <a:latin typeface="Britannic Bold" panose="020B0903060703020204" pitchFamily="34" charset="0"/>
+            </a:endParaRPr>
+          </a:p>
+        </p:txBody>
+      </p:sp>
+      <p:grpSp>
+        <p:nvGrpSpPr>
+          <p:cNvPr id="22" name="Group 21"/>
+          <p:cNvGrpSpPr/>
+          <p:nvPr/>
+        </p:nvGrpSpPr>
+        <p:grpSpPr>
+          <a:xfrm>
+            <a:off x="8154947" y="1031986"/>
+            <a:ext cx="2092569" cy="1380392"/>
+            <a:chOff x="2412023" y="1998785"/>
+            <a:chExt cx="2092569" cy="1380392"/>
+          </a:xfrm>
+        </p:grpSpPr>
+        <p:sp>
+          <p:nvSpPr>
+            <p:cNvPr id="23" name="Rectangle 22"/>
+            <p:cNvSpPr/>
+            <p:nvPr/>
+          </p:nvSpPr>
+          <p:spPr>
+            <a:xfrm>
+              <a:off x="2412023" y="1998785"/>
+              <a:ext cx="2092569" cy="1380392"/>
+            </a:xfrm>
+            <a:prstGeom prst="rect">
+              <a:avLst/>
+            </a:prstGeom>
+            <a:solidFill>
+              <a:schemeClr val="bg1"/>
+            </a:solidFill>
+            <a:ln w="57150">
+              <a:solidFill>
+                <a:schemeClr val="tx1">
+                  <a:lumMod val="65000"/>
+                  <a:lumOff val="35000"/>
+                </a:schemeClr>
+              </a:solidFill>
+            </a:ln>
+            <a:scene3d>
+              <a:camera prst="obliqueTopRight"/>
+              <a:lightRig rig="threePt" dir="t"/>
+            </a:scene3d>
+          </p:spPr>
+          <p:style>
+            <a:lnRef idx="2">
+              <a:schemeClr val="accent1">
+                <a:shade val="50000"/>
+              </a:schemeClr>
+            </a:lnRef>
+            <a:fillRef idx="1">
+              <a:schemeClr val="accent1"/>
+            </a:fillRef>
+            <a:effectRef idx="0">
+              <a:schemeClr val="accent1"/>
+            </a:effectRef>
+            <a:fontRef idx="minor">
+              <a:schemeClr val="lt1"/>
+            </a:fontRef>
+          </p:style>
+          <p:txBody>
+            <a:bodyPr rtlCol="0" anchor="ctr"/>
+            <a:lstStyle/>
+            <a:p>
+              <a:pPr algn="ctr"/>
+              <a:endParaRPr lang="en-US"/>
+            </a:p>
+          </p:txBody>
+        </p:sp>
+        <p:sp>
+          <p:nvSpPr>
+            <p:cNvPr id="24" name="TextBox 23"/>
+            <p:cNvSpPr txBox="1"/>
+            <p:nvPr/>
+          </p:nvSpPr>
+          <p:spPr>
+            <a:xfrm>
+              <a:off x="2457856" y="2133105"/>
+              <a:ext cx="2017552" cy="1107996"/>
+            </a:xfrm>
+            <a:prstGeom prst="rect">
+              <a:avLst/>
+            </a:prstGeom>
+            <a:noFill/>
+          </p:spPr>
+          <p:txBody>
+            <a:bodyPr wrap="square" rtlCol="0">
+              <a:spAutoFit/>
+            </a:bodyPr>
+            <a:lstStyle/>
+            <a:p>
+              <a:pPr algn="ctr"/>
+              <a:r>
+                <a:rPr lang="en-US" sz="6600" smtClean="0">
+                  <a:latin typeface="Britannic Bold" panose="020B0903060703020204" pitchFamily="34" charset="0"/>
+                </a:rPr>
+                <a:t>Mo</a:t>
+              </a:r>
+              <a:endParaRPr lang="en-US" sz="6600">
+                <a:latin typeface="Britannic Bold" panose="020B0903060703020204" pitchFamily="34" charset="0"/>
+              </a:endParaRPr>
+            </a:p>
+          </p:txBody>
+        </p:sp>
+      </p:grpSp>
+      <p:cxnSp>
+        <p:nvCxnSpPr>
+          <p:cNvPr id="25" name="Straight Arrow Connector 24"/>
+          <p:cNvCxnSpPr/>
+          <p:nvPr/>
+        </p:nvCxnSpPr>
+        <p:spPr>
+          <a:xfrm flipH="1">
+            <a:off x="8276123" y="2492853"/>
+            <a:ext cx="199662" cy="250494"/>
+          </a:xfrm>
+          <a:prstGeom prst="straightConnector1">
+            <a:avLst/>
+          </a:prstGeom>
+          <a:ln w="38100">
+            <a:solidFill>
+              <a:schemeClr val="tx1">
+                <a:lumMod val="95000"/>
+                <a:lumOff val="5000"/>
+              </a:schemeClr>
+            </a:solidFill>
+            <a:headEnd type="none" w="lg" len="lg"/>
+            <a:tailEnd type="triangle" w="lg" len="lg"/>
+          </a:ln>
+        </p:spPr>
+        <p:style>
+          <a:lnRef idx="1">
+            <a:schemeClr val="accent1"/>
+          </a:lnRef>
+          <a:fillRef idx="0">
+            <a:schemeClr val="accent1"/>
+          </a:fillRef>
+          <a:effectRef idx="0">
+            <a:schemeClr val="accent1"/>
+          </a:effectRef>
+          <a:fontRef idx="minor">
+            <a:schemeClr val="tx1"/>
+          </a:fontRef>
+        </p:style>
+      </p:cxnSp>
+      <p:cxnSp>
+        <p:nvCxnSpPr>
+          <p:cNvPr id="26" name="Straight Arrow Connector 25"/>
+          <p:cNvCxnSpPr/>
+          <p:nvPr/>
+        </p:nvCxnSpPr>
+        <p:spPr>
+          <a:xfrm flipH="1">
+            <a:off x="7717958" y="2492853"/>
+            <a:ext cx="1587664" cy="1992583"/>
+          </a:xfrm>
+          <a:prstGeom prst="straightConnector1">
+            <a:avLst/>
+          </a:prstGeom>
+          <a:ln w="38100">
+            <a:solidFill>
+              <a:schemeClr val="tx1"/>
+            </a:solidFill>
+            <a:headEnd type="none" w="lg" len="lg"/>
+            <a:tailEnd type="triangle" w="lg" len="lg"/>
+          </a:ln>
+        </p:spPr>
+        <p:style>
+          <a:lnRef idx="1">
+            <a:schemeClr val="accent1"/>
+          </a:lnRef>
+          <a:fillRef idx="0">
+            <a:schemeClr val="accent1"/>
+          </a:fillRef>
+          <a:effectRef idx="0">
+            <a:schemeClr val="accent1"/>
+          </a:effectRef>
+          <a:fontRef idx="minor">
+            <a:schemeClr val="tx1"/>
+          </a:fontRef>
+        </p:style>
+      </p:cxnSp>
+      <p:sp>
+        <p:nvSpPr>
+          <p:cNvPr id="29" name="TextBox 28"/>
+          <p:cNvSpPr txBox="1"/>
+          <p:nvPr/>
+        </p:nvSpPr>
+        <p:spPr>
+          <a:xfrm>
+            <a:off x="8456996" y="3452542"/>
+            <a:ext cx="615585" cy="523220"/>
+          </a:xfrm>
+          <a:prstGeom prst="rect">
+            <a:avLst/>
+          </a:prstGeom>
+          <a:noFill/>
+        </p:spPr>
+        <p:txBody>
+          <a:bodyPr wrap="square" rtlCol="0">
+            <a:spAutoFit/>
+          </a:bodyPr>
+          <a:lstStyle/>
+          <a:p>
+            <a:r>
+              <a:rPr lang="en-US" sz="2800">
+                <a:latin typeface="Britannic Bold" panose="020B0903060703020204" pitchFamily="34" charset="0"/>
+              </a:rPr>
+              <a:t>b</a:t>
+            </a:r>
+            <a:r>
+              <a:rPr lang="en-US" sz="2800" smtClean="0">
+                <a:latin typeface="Britannic Bold" panose="020B0903060703020204" pitchFamily="34" charset="0"/>
+              </a:rPr>
+              <a:t>’</a:t>
+            </a:r>
+            <a:endParaRPr lang="en-US" sz="2800">
+              <a:latin typeface="Britannic Bold" panose="020B0903060703020204" pitchFamily="34" charset="0"/>
+            </a:endParaRPr>
+          </a:p>
+        </p:txBody>
+      </p:sp>
+      <p:sp>
+        <p:nvSpPr>
+          <p:cNvPr id="30" name="Oval 29"/>
+          <p:cNvSpPr/>
+          <p:nvPr/>
+        </p:nvSpPr>
+        <p:spPr>
+          <a:xfrm>
+            <a:off x="7573958" y="4509646"/>
+            <a:ext cx="144000" cy="144000"/>
+          </a:xfrm>
+          <a:prstGeom prst="ellipse">
+            <a:avLst/>
+          </a:prstGeom>
+          <a:solidFill>
+            <a:schemeClr val="tx1">
+              <a:lumMod val="95000"/>
+              <a:lumOff val="5000"/>
+            </a:schemeClr>
+          </a:solidFill>
+          <a:ln>
+            <a:solidFill>
+              <a:schemeClr val="tx1">
+                <a:lumMod val="95000"/>
+                <a:lumOff val="5000"/>
+              </a:schemeClr>
+            </a:solidFill>
+          </a:ln>
+        </p:spPr>
+        <p:style>
+          <a:lnRef idx="2">
+            <a:schemeClr val="accent1">
+              <a:shade val="50000"/>
+            </a:schemeClr>
+          </a:lnRef>
+          <a:fillRef idx="1">
+            <a:schemeClr val="accent1"/>
+          </a:fillRef>
+          <a:effectRef idx="0">
+            <a:schemeClr val="accent1"/>
+          </a:effectRef>
+          <a:fontRef idx="minor">
+            <a:schemeClr val="lt1"/>
+          </a:fontRef>
+        </p:style>
+        <p:txBody>
+          <a:bodyPr rtlCol="0" anchor="ctr"/>
+          <a:lstStyle/>
+          <a:p>
+            <a:pPr algn="ctr"/>
+            <a:endParaRPr lang="en-US"/>
+          </a:p>
+        </p:txBody>
+      </p:sp>
+      <p:sp>
+        <p:nvSpPr>
+          <p:cNvPr id="31" name="Oval 30"/>
+          <p:cNvSpPr/>
+          <p:nvPr/>
+        </p:nvSpPr>
+        <p:spPr>
+          <a:xfrm>
+            <a:off x="8098679" y="2767977"/>
+            <a:ext cx="144000" cy="144000"/>
+          </a:xfrm>
+          <a:prstGeom prst="ellipse">
+            <a:avLst/>
+          </a:prstGeom>
+          <a:solidFill>
+            <a:schemeClr val="tx1">
+              <a:lumMod val="95000"/>
+              <a:lumOff val="5000"/>
+            </a:schemeClr>
+          </a:solidFill>
+          <a:ln>
+            <a:solidFill>
+              <a:schemeClr val="tx1">
+                <a:lumMod val="95000"/>
+                <a:lumOff val="5000"/>
+              </a:schemeClr>
+            </a:solidFill>
+          </a:ln>
+        </p:spPr>
+        <p:style>
+          <a:lnRef idx="2">
+            <a:schemeClr val="accent1">
+              <a:shade val="50000"/>
+            </a:schemeClr>
+          </a:lnRef>
+          <a:fillRef idx="1">
+            <a:schemeClr val="accent1"/>
+          </a:fillRef>
+          <a:effectRef idx="0">
+            <a:schemeClr val="accent1"/>
+          </a:effectRef>
+          <a:fontRef idx="minor">
+            <a:schemeClr val="lt1"/>
+          </a:fontRef>
+        </p:style>
+        <p:txBody>
+          <a:bodyPr rtlCol="0" anchor="ctr"/>
+          <a:lstStyle/>
+          <a:p>
+            <a:pPr algn="ctr"/>
+            <a:endParaRPr lang="en-US"/>
+          </a:p>
+        </p:txBody>
+      </p:sp>
+    </p:spTree>
+    <p:extLst>
+      <p:ext uri="{BB962C8B-B14F-4D97-AF65-F5344CB8AC3E}">
+        <p14:creationId xmlns:p14="http://schemas.microsoft.com/office/powerpoint/2010/main" val="2246708197"/>
+      </p:ext>
+    </p:extLst>
+  </p:cSld>
+  <p:clrMapOvr>
+    <a:masterClrMapping/>
+  </p:clrMapOvr>
+</p:sld>
+</file>
+
+<file path=ppt/slides/slide2.xml><?xml version="1.0" encoding="utf-8"?>
+<p:sld xmlns:a="http://schemas.openxmlformats.org/drawingml/2006/main" xmlns:r="http://schemas.openxmlformats.org/officeDocument/2006/relationships" xmlns:p="http://schemas.openxmlformats.org/presentationml/2006/main">
+  <p:cSld>
+    <p:spTree>
+      <p:nvGrpSpPr>
+        <p:cNvPr id="1" name=""/>
+        <p:cNvGrpSpPr/>
+        <p:nvPr/>
+      </p:nvGrpSpPr>
+      <p:grpSpPr>
+        <a:xfrm>
+          <a:off x="0" y="0"/>
+          <a:ext cx="0" cy="0"/>
+          <a:chOff x="0" y="0"/>
+          <a:chExt cx="0" cy="0"/>
+        </a:xfrm>
+      </p:grpSpPr>
+      <p:sp>
+        <p:nvSpPr>
+          <p:cNvPr id="4" name="TextBox 3"/>
+          <p:cNvSpPr txBox="1"/>
+          <p:nvPr/>
+        </p:nvSpPr>
+        <p:spPr>
+          <a:xfrm>
+            <a:off x="0" y="6488668"/>
+            <a:ext cx="3419856" cy="369332"/>
+          </a:xfrm>
+          <a:prstGeom prst="rect">
+            <a:avLst/>
+          </a:prstGeom>
+          <a:noFill/>
+        </p:spPr>
+        <p:txBody>
+          <a:bodyPr wrap="square" rtlCol="0">
+            <a:spAutoFit/>
+          </a:bodyPr>
+          <a:lstStyle/>
+          <a:p>
+            <a:r>
+              <a:rPr lang="en-US" dirty="0" smtClean="0"/>
+              <a:t>© Jochem Tolsma 2020</a:t>
+            </a:r>
+            <a:endParaRPr lang="en-US" dirty="0"/>
+          </a:p>
+        </p:txBody>
+      </p:sp>
+      <p:grpSp>
+        <p:nvGrpSpPr>
+          <p:cNvPr id="7" name="Group 6"/>
+          <p:cNvGrpSpPr/>
+          <p:nvPr/>
+        </p:nvGrpSpPr>
+        <p:grpSpPr>
+          <a:xfrm>
+            <a:off x="1090211" y="2750329"/>
+            <a:ext cx="2092569" cy="1380392"/>
+            <a:chOff x="2412023" y="1998785"/>
+            <a:chExt cx="2092569" cy="1380392"/>
+          </a:xfrm>
+        </p:grpSpPr>
+        <p:sp>
+          <p:nvSpPr>
+            <p:cNvPr id="5" name="Rectangle 4"/>
+            <p:cNvSpPr/>
+            <p:nvPr/>
+          </p:nvSpPr>
+          <p:spPr>
+            <a:xfrm>
+              <a:off x="2412023" y="1998785"/>
+              <a:ext cx="2092569" cy="1380392"/>
+            </a:xfrm>
+            <a:prstGeom prst="rect">
+              <a:avLst/>
+            </a:prstGeom>
+            <a:solidFill>
+              <a:schemeClr val="bg1"/>
+            </a:solidFill>
+            <a:ln w="57150">
+              <a:solidFill>
+                <a:schemeClr val="tx1">
+                  <a:lumMod val="65000"/>
+                  <a:lumOff val="35000"/>
+                </a:schemeClr>
+              </a:solidFill>
+            </a:ln>
+            <a:scene3d>
+              <a:camera prst="obliqueTopRight"/>
+              <a:lightRig rig="threePt" dir="t"/>
+            </a:scene3d>
+          </p:spPr>
+          <p:style>
+            <a:lnRef idx="2">
+              <a:schemeClr val="accent1">
+                <a:shade val="50000"/>
+              </a:schemeClr>
+            </a:lnRef>
+            <a:fillRef idx="1">
+              <a:schemeClr val="accent1"/>
+            </a:fillRef>
+            <a:effectRef idx="0">
+              <a:schemeClr val="accent1"/>
+            </a:effectRef>
+            <a:fontRef idx="minor">
+              <a:schemeClr val="lt1"/>
+            </a:fontRef>
+          </p:style>
+          <p:txBody>
+            <a:bodyPr rtlCol="0" anchor="ctr"/>
+            <a:lstStyle/>
+            <a:p>
+              <a:pPr algn="ctr"/>
+              <a:endParaRPr lang="en-US"/>
+            </a:p>
+          </p:txBody>
+        </p:sp>
+        <p:sp>
+          <p:nvSpPr>
+            <p:cNvPr id="6" name="TextBox 5"/>
+            <p:cNvSpPr txBox="1"/>
+            <p:nvPr/>
+          </p:nvSpPr>
+          <p:spPr>
+            <a:xfrm>
+              <a:off x="2457856" y="2133105"/>
+              <a:ext cx="2017552" cy="1107996"/>
+            </a:xfrm>
+            <a:prstGeom prst="rect">
+              <a:avLst/>
+            </a:prstGeom>
+            <a:noFill/>
+          </p:spPr>
+          <p:txBody>
+            <a:bodyPr wrap="square" rtlCol="0">
+              <a:spAutoFit/>
+            </a:bodyPr>
+            <a:lstStyle/>
+            <a:p>
+              <a:pPr algn="ctr"/>
+              <a:r>
+                <a:rPr lang="en-US" sz="6600" smtClean="0">
+                  <a:latin typeface="Britannic Bold" panose="020B0903060703020204" pitchFamily="34" charset="0"/>
+                </a:rPr>
+                <a:t>X</a:t>
+              </a:r>
+              <a:endParaRPr lang="en-US" sz="6600">
+                <a:latin typeface="Britannic Bold" panose="020B0903060703020204" pitchFamily="34" charset="0"/>
+              </a:endParaRPr>
+            </a:p>
+          </p:txBody>
+        </p:sp>
+      </p:grpSp>
+      <p:grpSp>
+        <p:nvGrpSpPr>
+          <p:cNvPr id="8" name="Group 7"/>
+          <p:cNvGrpSpPr/>
+          <p:nvPr/>
+        </p:nvGrpSpPr>
+        <p:grpSpPr>
+          <a:xfrm>
+            <a:off x="9026748" y="2747088"/>
+            <a:ext cx="2092569" cy="1380392"/>
+            <a:chOff x="2412023" y="1998785"/>
+            <a:chExt cx="2092569" cy="1380392"/>
+          </a:xfrm>
+        </p:grpSpPr>
+        <p:sp>
+          <p:nvSpPr>
+            <p:cNvPr id="9" name="Rectangle 8"/>
+            <p:cNvSpPr/>
+            <p:nvPr/>
+          </p:nvSpPr>
+          <p:spPr>
+            <a:xfrm>
+              <a:off x="2412023" y="1998785"/>
+              <a:ext cx="2092569" cy="1380392"/>
+            </a:xfrm>
+            <a:prstGeom prst="rect">
+              <a:avLst/>
+            </a:prstGeom>
+            <a:solidFill>
+              <a:schemeClr val="bg1"/>
+            </a:solidFill>
+            <a:ln w="57150">
+              <a:solidFill>
+                <a:schemeClr val="tx1">
+                  <a:lumMod val="65000"/>
+                  <a:lumOff val="35000"/>
+                </a:schemeClr>
+              </a:solidFill>
+            </a:ln>
+            <a:scene3d>
+              <a:camera prst="obliqueTopRight"/>
+              <a:lightRig rig="threePt" dir="t"/>
+            </a:scene3d>
+          </p:spPr>
+          <p:style>
+            <a:lnRef idx="2">
+              <a:schemeClr val="accent1">
+                <a:shade val="50000"/>
+              </a:schemeClr>
+            </a:lnRef>
+            <a:fillRef idx="1">
+              <a:schemeClr val="accent1"/>
+            </a:fillRef>
+            <a:effectRef idx="0">
+              <a:schemeClr val="accent1"/>
+            </a:effectRef>
+            <a:fontRef idx="minor">
+              <a:schemeClr val="lt1"/>
+            </a:fontRef>
+          </p:style>
+          <p:txBody>
+            <a:bodyPr rtlCol="0" anchor="ctr"/>
+            <a:lstStyle/>
+            <a:p>
+              <a:pPr algn="ctr"/>
+              <a:endParaRPr lang="en-US"/>
+            </a:p>
+          </p:txBody>
+        </p:sp>
+        <p:sp>
+          <p:nvSpPr>
+            <p:cNvPr id="10" name="TextBox 9"/>
+            <p:cNvSpPr txBox="1"/>
+            <p:nvPr/>
+          </p:nvSpPr>
+          <p:spPr>
+            <a:xfrm>
+              <a:off x="2457856" y="2133105"/>
+              <a:ext cx="2017552" cy="1107996"/>
+            </a:xfrm>
+            <a:prstGeom prst="rect">
+              <a:avLst/>
+            </a:prstGeom>
+            <a:noFill/>
+          </p:spPr>
+          <p:txBody>
+            <a:bodyPr wrap="square" rtlCol="0">
+              <a:spAutoFit/>
+            </a:bodyPr>
+            <a:lstStyle/>
+            <a:p>
+              <a:pPr algn="ctr"/>
+              <a:r>
+                <a:rPr lang="en-US" sz="6600" smtClean="0">
+                  <a:latin typeface="Britannic Bold" panose="020B0903060703020204" pitchFamily="34" charset="0"/>
+                </a:rPr>
+                <a:t>Y</a:t>
+              </a:r>
+              <a:endParaRPr lang="en-US" sz="6600">
+                <a:latin typeface="Britannic Bold" panose="020B0903060703020204" pitchFamily="34" charset="0"/>
+              </a:endParaRPr>
+            </a:p>
+          </p:txBody>
+        </p:sp>
+      </p:grpSp>
+      <p:cxnSp>
+        <p:nvCxnSpPr>
+          <p:cNvPr id="12" name="Straight Arrow Connector 11"/>
+          <p:cNvCxnSpPr/>
+          <p:nvPr/>
+        </p:nvCxnSpPr>
+        <p:spPr>
+          <a:xfrm>
+            <a:off x="3224978" y="3421626"/>
+            <a:ext cx="5760000" cy="9832"/>
+          </a:xfrm>
+          <a:prstGeom prst="straightConnector1">
+            <a:avLst/>
+          </a:prstGeom>
+          <a:ln w="38100">
+            <a:solidFill>
+              <a:schemeClr val="tx1">
+                <a:lumMod val="95000"/>
+                <a:lumOff val="5000"/>
+              </a:schemeClr>
+            </a:solidFill>
+            <a:headEnd type="none" w="lg" len="lg"/>
+            <a:tailEnd type="triangle" w="lg" len="lg"/>
+          </a:ln>
+        </p:spPr>
+        <p:style>
+          <a:lnRef idx="1">
+            <a:schemeClr val="accent1"/>
+          </a:lnRef>
+          <a:fillRef idx="0">
+            <a:schemeClr val="accent1"/>
+          </a:fillRef>
+          <a:effectRef idx="0">
+            <a:schemeClr val="accent1"/>
+          </a:effectRef>
+          <a:fontRef idx="minor">
+            <a:schemeClr val="tx1"/>
+          </a:fontRef>
+        </p:style>
+      </p:cxnSp>
+      <p:sp>
+        <p:nvSpPr>
+          <p:cNvPr id="11" name="TextBox 10"/>
+          <p:cNvSpPr txBox="1"/>
+          <p:nvPr/>
+        </p:nvSpPr>
+        <p:spPr>
+          <a:xfrm>
+            <a:off x="5922867" y="2900518"/>
+            <a:ext cx="363794" cy="523220"/>
+          </a:xfrm>
+          <a:prstGeom prst="rect">
+            <a:avLst/>
+          </a:prstGeom>
+          <a:noFill/>
+        </p:spPr>
+        <p:txBody>
+          <a:bodyPr wrap="square" rtlCol="0">
+            <a:spAutoFit/>
+          </a:bodyPr>
+          <a:lstStyle/>
+          <a:p>
+            <a:r>
+              <a:rPr lang="en-US" sz="2800" smtClean="0">
+                <a:latin typeface="Britannic Bold" panose="020B0903060703020204" pitchFamily="34" charset="0"/>
+              </a:rPr>
+              <a:t>a</a:t>
+            </a:r>
+            <a:endParaRPr lang="en-US" sz="2800">
+              <a:latin typeface="Britannic Bold" panose="020B0903060703020204" pitchFamily="34" charset="0"/>
+            </a:endParaRPr>
+          </a:p>
+        </p:txBody>
+      </p:sp>
+    </p:spTree>
+    <p:extLst>
+      <p:ext uri="{BB962C8B-B14F-4D97-AF65-F5344CB8AC3E}">
+        <p14:creationId xmlns:p14="http://schemas.microsoft.com/office/powerpoint/2010/main" val="4050186520"/>
+      </p:ext>
+    </p:extLst>
+  </p:cSld>
+  <p:clrMapOvr>
+    <a:masterClrMapping/>
+  </p:clrMapOvr>
+</p:sld>
+</file>
+
+<file path=ppt/slides/slide20.xml><?xml version="1.0" encoding="utf-8"?>
+<p:sld xmlns:a="http://schemas.openxmlformats.org/drawingml/2006/main" xmlns:r="http://schemas.openxmlformats.org/officeDocument/2006/relationships" xmlns:p="http://schemas.openxmlformats.org/presentationml/2006/main">
+  <p:cSld>
+    <p:spTree>
+      <p:nvGrpSpPr>
+        <p:cNvPr id="1" name=""/>
+        <p:cNvGrpSpPr/>
+        <p:nvPr/>
+      </p:nvGrpSpPr>
+      <p:grpSpPr>
+        <a:xfrm>
+          <a:off x="0" y="0"/>
+          <a:ext cx="0" cy="0"/>
+          <a:chOff x="0" y="0"/>
+          <a:chExt cx="0" cy="0"/>
+        </a:xfrm>
+      </p:grpSpPr>
+      <p:sp>
+        <p:nvSpPr>
+          <p:cNvPr id="4" name="TextBox 3"/>
+          <p:cNvSpPr txBox="1"/>
+          <p:nvPr/>
+        </p:nvSpPr>
+        <p:spPr>
+          <a:xfrm>
+            <a:off x="0" y="6488668"/>
+            <a:ext cx="3419856" cy="369332"/>
+          </a:xfrm>
+          <a:prstGeom prst="rect">
+            <a:avLst/>
+          </a:prstGeom>
+          <a:noFill/>
+        </p:spPr>
+        <p:txBody>
+          <a:bodyPr wrap="square" rtlCol="0">
+            <a:spAutoFit/>
+          </a:bodyPr>
+          <a:lstStyle/>
+          <a:p>
+            <a:r>
+              <a:rPr lang="en-US" dirty="0" smtClean="0"/>
+              <a:t>© Jochem Tolsma 2020</a:t>
+            </a:r>
+            <a:endParaRPr lang="en-US" dirty="0"/>
+          </a:p>
+        </p:txBody>
+      </p:sp>
+      <p:grpSp>
+        <p:nvGrpSpPr>
+          <p:cNvPr id="7" name="Group 6"/>
+          <p:cNvGrpSpPr/>
+          <p:nvPr/>
+        </p:nvGrpSpPr>
+        <p:grpSpPr>
+          <a:xfrm>
+            <a:off x="1090211" y="3893328"/>
+            <a:ext cx="2092569" cy="1380392"/>
+            <a:chOff x="2412023" y="1998785"/>
+            <a:chExt cx="2092569" cy="1380392"/>
+          </a:xfrm>
+        </p:grpSpPr>
+        <p:sp>
+          <p:nvSpPr>
+            <p:cNvPr id="5" name="Rectangle 4"/>
+            <p:cNvSpPr/>
+            <p:nvPr/>
+          </p:nvSpPr>
+          <p:spPr>
+            <a:xfrm>
+              <a:off x="2412023" y="1998785"/>
+              <a:ext cx="2092569" cy="1380392"/>
+            </a:xfrm>
+            <a:prstGeom prst="rect">
+              <a:avLst/>
+            </a:prstGeom>
+            <a:solidFill>
+              <a:schemeClr val="bg1"/>
+            </a:solidFill>
+            <a:ln w="57150">
+              <a:solidFill>
+                <a:schemeClr val="tx1">
+                  <a:lumMod val="65000"/>
+                  <a:lumOff val="35000"/>
+                </a:schemeClr>
+              </a:solidFill>
+            </a:ln>
+            <a:scene3d>
+              <a:camera prst="obliqueTopRight"/>
+              <a:lightRig rig="threePt" dir="t"/>
+            </a:scene3d>
+          </p:spPr>
+          <p:style>
+            <a:lnRef idx="2">
+              <a:schemeClr val="accent1">
+                <a:shade val="50000"/>
+              </a:schemeClr>
+            </a:lnRef>
+            <a:fillRef idx="1">
+              <a:schemeClr val="accent1"/>
+            </a:fillRef>
+            <a:effectRef idx="0">
+              <a:schemeClr val="accent1"/>
+            </a:effectRef>
+            <a:fontRef idx="minor">
+              <a:schemeClr val="lt1"/>
+            </a:fontRef>
+          </p:style>
+          <p:txBody>
+            <a:bodyPr rtlCol="0" anchor="ctr"/>
+            <a:lstStyle/>
+            <a:p>
+              <a:pPr algn="ctr"/>
+              <a:endParaRPr lang="en-US"/>
+            </a:p>
+          </p:txBody>
+        </p:sp>
+        <p:sp>
+          <p:nvSpPr>
+            <p:cNvPr id="6" name="TextBox 5"/>
+            <p:cNvSpPr txBox="1"/>
+            <p:nvPr/>
+          </p:nvSpPr>
+          <p:spPr>
+            <a:xfrm>
+              <a:off x="2457856" y="2133105"/>
+              <a:ext cx="2017552" cy="1107996"/>
+            </a:xfrm>
+            <a:prstGeom prst="rect">
+              <a:avLst/>
+            </a:prstGeom>
+            <a:noFill/>
+          </p:spPr>
+          <p:txBody>
+            <a:bodyPr wrap="square" rtlCol="0">
+              <a:spAutoFit/>
+            </a:bodyPr>
+            <a:lstStyle/>
+            <a:p>
+              <a:pPr algn="ctr"/>
+              <a:r>
+                <a:rPr lang="en-US" sz="6600" smtClean="0">
+                  <a:latin typeface="Britannic Bold" panose="020B0903060703020204" pitchFamily="34" charset="0"/>
+                </a:rPr>
+                <a:t>X</a:t>
+              </a:r>
+              <a:endParaRPr lang="en-US" sz="6600">
+                <a:latin typeface="Britannic Bold" panose="020B0903060703020204" pitchFamily="34" charset="0"/>
+              </a:endParaRPr>
+            </a:p>
+          </p:txBody>
+        </p:sp>
+      </p:grpSp>
+      <p:grpSp>
+        <p:nvGrpSpPr>
+          <p:cNvPr id="8" name="Group 7"/>
+          <p:cNvGrpSpPr/>
+          <p:nvPr/>
+        </p:nvGrpSpPr>
+        <p:grpSpPr>
+          <a:xfrm>
+            <a:off x="9026748" y="3890087"/>
+            <a:ext cx="2092569" cy="1380392"/>
+            <a:chOff x="2412023" y="1998785"/>
+            <a:chExt cx="2092569" cy="1380392"/>
+          </a:xfrm>
+        </p:grpSpPr>
+        <p:sp>
+          <p:nvSpPr>
+            <p:cNvPr id="9" name="Rectangle 8"/>
+            <p:cNvSpPr/>
+            <p:nvPr/>
+          </p:nvSpPr>
+          <p:spPr>
+            <a:xfrm>
+              <a:off x="2412023" y="1998785"/>
+              <a:ext cx="2092569" cy="1380392"/>
+            </a:xfrm>
+            <a:prstGeom prst="rect">
+              <a:avLst/>
+            </a:prstGeom>
+            <a:solidFill>
+              <a:schemeClr val="bg1"/>
+            </a:solidFill>
+            <a:ln w="57150">
+              <a:solidFill>
+                <a:schemeClr val="tx1">
+                  <a:lumMod val="65000"/>
+                  <a:lumOff val="35000"/>
+                </a:schemeClr>
+              </a:solidFill>
+            </a:ln>
+            <a:scene3d>
+              <a:camera prst="obliqueTopRight"/>
+              <a:lightRig rig="threePt" dir="t"/>
+            </a:scene3d>
+          </p:spPr>
+          <p:style>
+            <a:lnRef idx="2">
+              <a:schemeClr val="accent1">
+                <a:shade val="50000"/>
+              </a:schemeClr>
+            </a:lnRef>
+            <a:fillRef idx="1">
+              <a:schemeClr val="accent1"/>
+            </a:fillRef>
+            <a:effectRef idx="0">
+              <a:schemeClr val="accent1"/>
+            </a:effectRef>
+            <a:fontRef idx="minor">
+              <a:schemeClr val="lt1"/>
+            </a:fontRef>
+          </p:style>
+          <p:txBody>
+            <a:bodyPr rtlCol="0" anchor="ctr"/>
+            <a:lstStyle/>
+            <a:p>
+              <a:pPr algn="ctr"/>
+              <a:endParaRPr lang="en-US"/>
+            </a:p>
+          </p:txBody>
+        </p:sp>
+        <p:sp>
+          <p:nvSpPr>
+            <p:cNvPr id="10" name="TextBox 9"/>
+            <p:cNvSpPr txBox="1"/>
+            <p:nvPr/>
+          </p:nvSpPr>
+          <p:spPr>
+            <a:xfrm>
+              <a:off x="2457856" y="2133105"/>
+              <a:ext cx="2017552" cy="1107996"/>
+            </a:xfrm>
+            <a:prstGeom prst="rect">
+              <a:avLst/>
+            </a:prstGeom>
+            <a:noFill/>
+          </p:spPr>
+          <p:txBody>
+            <a:bodyPr wrap="square" rtlCol="0">
+              <a:spAutoFit/>
+            </a:bodyPr>
+            <a:lstStyle/>
+            <a:p>
+              <a:pPr algn="ctr"/>
+              <a:r>
+                <a:rPr lang="en-US" sz="6600" smtClean="0">
+                  <a:latin typeface="Britannic Bold" panose="020B0903060703020204" pitchFamily="34" charset="0"/>
+                </a:rPr>
+                <a:t>Y</a:t>
+              </a:r>
+              <a:endParaRPr lang="en-US" sz="6600">
+                <a:latin typeface="Britannic Bold" panose="020B0903060703020204" pitchFamily="34" charset="0"/>
+              </a:endParaRPr>
+            </a:p>
+          </p:txBody>
+        </p:sp>
+      </p:grpSp>
+      <p:cxnSp>
+        <p:nvCxnSpPr>
+          <p:cNvPr id="12" name="Straight Arrow Connector 11"/>
+          <p:cNvCxnSpPr/>
+          <p:nvPr/>
+        </p:nvCxnSpPr>
+        <p:spPr>
+          <a:xfrm>
+            <a:off x="3224978" y="4564625"/>
+            <a:ext cx="5760000" cy="9832"/>
+          </a:xfrm>
+          <a:prstGeom prst="straightConnector1">
+            <a:avLst/>
+          </a:prstGeom>
+          <a:ln w="38100">
+            <a:solidFill>
+              <a:schemeClr val="tx1">
+                <a:lumMod val="95000"/>
+                <a:lumOff val="5000"/>
+              </a:schemeClr>
+            </a:solidFill>
+            <a:headEnd type="none" w="lg" len="lg"/>
+            <a:tailEnd type="triangle" w="lg" len="lg"/>
+          </a:ln>
+        </p:spPr>
+        <p:style>
+          <a:lnRef idx="1">
+            <a:schemeClr val="accent1"/>
+          </a:lnRef>
+          <a:fillRef idx="0">
+            <a:schemeClr val="accent1"/>
+          </a:fillRef>
+          <a:effectRef idx="0">
+            <a:schemeClr val="accent1"/>
+          </a:effectRef>
+          <a:fontRef idx="minor">
+            <a:schemeClr val="tx1"/>
+          </a:fontRef>
+        </p:style>
+      </p:cxnSp>
+      <p:grpSp>
+        <p:nvGrpSpPr>
+          <p:cNvPr id="11" name="Group 10"/>
+          <p:cNvGrpSpPr/>
+          <p:nvPr/>
+        </p:nvGrpSpPr>
+        <p:grpSpPr>
+          <a:xfrm>
+            <a:off x="5013203" y="1725315"/>
+            <a:ext cx="2092569" cy="1380392"/>
+            <a:chOff x="2412023" y="1998785"/>
+            <a:chExt cx="2092569" cy="1380392"/>
+          </a:xfrm>
+        </p:grpSpPr>
+        <p:sp>
+          <p:nvSpPr>
+            <p:cNvPr id="13" name="Rectangle 12"/>
+            <p:cNvSpPr/>
+            <p:nvPr/>
+          </p:nvSpPr>
+          <p:spPr>
+            <a:xfrm>
+              <a:off x="2412023" y="1998785"/>
+              <a:ext cx="2092569" cy="1380392"/>
+            </a:xfrm>
+            <a:prstGeom prst="rect">
+              <a:avLst/>
+            </a:prstGeom>
+            <a:solidFill>
+              <a:schemeClr val="bg1"/>
+            </a:solidFill>
+            <a:ln w="57150">
+              <a:solidFill>
+                <a:schemeClr val="tx1">
+                  <a:lumMod val="65000"/>
+                  <a:lumOff val="35000"/>
+                </a:schemeClr>
+              </a:solidFill>
+            </a:ln>
+            <a:scene3d>
+              <a:camera prst="obliqueTopRight"/>
+              <a:lightRig rig="threePt" dir="t"/>
+            </a:scene3d>
+          </p:spPr>
+          <p:style>
+            <a:lnRef idx="2">
+              <a:schemeClr val="accent1">
+                <a:shade val="50000"/>
+              </a:schemeClr>
+            </a:lnRef>
+            <a:fillRef idx="1">
+              <a:schemeClr val="accent1"/>
+            </a:fillRef>
+            <a:effectRef idx="0">
+              <a:schemeClr val="accent1"/>
+            </a:effectRef>
+            <a:fontRef idx="minor">
+              <a:schemeClr val="lt1"/>
+            </a:fontRef>
+          </p:style>
+          <p:txBody>
+            <a:bodyPr rtlCol="0" anchor="ctr"/>
+            <a:lstStyle/>
+            <a:p>
+              <a:pPr algn="ctr"/>
+              <a:endParaRPr lang="en-US"/>
+            </a:p>
+          </p:txBody>
+        </p:sp>
+        <p:sp>
+          <p:nvSpPr>
+            <p:cNvPr id="14" name="TextBox 13"/>
+            <p:cNvSpPr txBox="1"/>
+            <p:nvPr/>
+          </p:nvSpPr>
+          <p:spPr>
+            <a:xfrm>
+              <a:off x="2457856" y="2133105"/>
+              <a:ext cx="2017552" cy="1107996"/>
+            </a:xfrm>
+            <a:prstGeom prst="rect">
+              <a:avLst/>
+            </a:prstGeom>
+            <a:noFill/>
+          </p:spPr>
+          <p:txBody>
+            <a:bodyPr wrap="square" rtlCol="0">
+              <a:spAutoFit/>
+            </a:bodyPr>
+            <a:lstStyle/>
+            <a:p>
+              <a:pPr algn="ctr"/>
+              <a:r>
+                <a:rPr lang="en-US" sz="6600" smtClean="0">
+                  <a:latin typeface="Britannic Bold" panose="020B0903060703020204" pitchFamily="34" charset="0"/>
+                </a:rPr>
+                <a:t>Me</a:t>
+              </a:r>
+              <a:endParaRPr lang="en-US" sz="6600">
+                <a:latin typeface="Britannic Bold" panose="020B0903060703020204" pitchFamily="34" charset="0"/>
+              </a:endParaRPr>
+            </a:p>
+          </p:txBody>
+        </p:sp>
+      </p:grpSp>
+      <p:cxnSp>
+        <p:nvCxnSpPr>
+          <p:cNvPr id="15" name="Straight Arrow Connector 14"/>
+          <p:cNvCxnSpPr/>
+          <p:nvPr/>
+        </p:nvCxnSpPr>
+        <p:spPr>
+          <a:xfrm flipV="1">
+            <a:off x="2125156" y="2300800"/>
+            <a:ext cx="2839199" cy="1506741"/>
+          </a:xfrm>
+          <a:prstGeom prst="straightConnector1">
+            <a:avLst/>
+          </a:prstGeom>
+          <a:ln w="38100">
+            <a:solidFill>
+              <a:schemeClr val="tx1">
+                <a:lumMod val="95000"/>
+                <a:lumOff val="5000"/>
+              </a:schemeClr>
+            </a:solidFill>
+            <a:headEnd type="none" w="lg" len="lg"/>
+            <a:tailEnd type="triangle" w="lg" len="lg"/>
+          </a:ln>
+        </p:spPr>
+        <p:style>
+          <a:lnRef idx="1">
+            <a:schemeClr val="accent1"/>
+          </a:lnRef>
+          <a:fillRef idx="0">
+            <a:schemeClr val="accent1"/>
+          </a:fillRef>
+          <a:effectRef idx="0">
+            <a:schemeClr val="accent1"/>
+          </a:effectRef>
+          <a:fontRef idx="minor">
+            <a:schemeClr val="tx1"/>
+          </a:fontRef>
+        </p:style>
+      </p:cxnSp>
+      <p:cxnSp>
+        <p:nvCxnSpPr>
+          <p:cNvPr id="18" name="Straight Arrow Connector 17"/>
+          <p:cNvCxnSpPr/>
+          <p:nvPr/>
+        </p:nvCxnSpPr>
+        <p:spPr>
+          <a:xfrm>
+            <a:off x="7164204" y="2286056"/>
+            <a:ext cx="2839199" cy="1506741"/>
+          </a:xfrm>
+          <a:prstGeom prst="straightConnector1">
+            <a:avLst/>
+          </a:prstGeom>
+          <a:ln w="38100">
+            <a:solidFill>
+              <a:schemeClr val="tx1">
+                <a:lumMod val="95000"/>
+                <a:lumOff val="5000"/>
+              </a:schemeClr>
+            </a:solidFill>
+            <a:headEnd type="none" w="lg" len="lg"/>
+            <a:tailEnd type="triangle" w="lg" len="lg"/>
+          </a:ln>
+        </p:spPr>
+        <p:style>
+          <a:lnRef idx="1">
+            <a:schemeClr val="accent1"/>
+          </a:lnRef>
+          <a:fillRef idx="0">
+            <a:schemeClr val="accent1"/>
+          </a:fillRef>
+          <a:effectRef idx="0">
+            <a:schemeClr val="accent1"/>
+          </a:effectRef>
+          <a:fontRef idx="minor">
+            <a:schemeClr val="tx1"/>
+          </a:fontRef>
+        </p:style>
+      </p:cxnSp>
+      <p:sp>
+        <p:nvSpPr>
+          <p:cNvPr id="19" name="TextBox 18"/>
+          <p:cNvSpPr txBox="1"/>
+          <p:nvPr/>
+        </p:nvSpPr>
+        <p:spPr>
+          <a:xfrm>
+            <a:off x="5922866" y="4043517"/>
+            <a:ext cx="615585" cy="523220"/>
+          </a:xfrm>
+          <a:prstGeom prst="rect">
+            <a:avLst/>
+          </a:prstGeom>
+          <a:noFill/>
+        </p:spPr>
+        <p:txBody>
+          <a:bodyPr wrap="square" rtlCol="0">
+            <a:spAutoFit/>
+          </a:bodyPr>
+          <a:lstStyle/>
+          <a:p>
+            <a:r>
+              <a:rPr lang="en-US" sz="2800">
+                <a:latin typeface="Britannic Bold" panose="020B0903060703020204" pitchFamily="34" charset="0"/>
+              </a:rPr>
+              <a:t>a</a:t>
+            </a:r>
+            <a:r>
+              <a:rPr lang="en-US" sz="2800" smtClean="0">
+                <a:latin typeface="Britannic Bold" panose="020B0903060703020204" pitchFamily="34" charset="0"/>
+              </a:rPr>
+              <a:t>’</a:t>
+            </a:r>
+            <a:endParaRPr lang="en-US" sz="2800">
+              <a:latin typeface="Britannic Bold" panose="020B0903060703020204" pitchFamily="34" charset="0"/>
+            </a:endParaRPr>
+          </a:p>
+        </p:txBody>
+      </p:sp>
+      <p:sp>
+        <p:nvSpPr>
+          <p:cNvPr id="27" name="TextBox 26"/>
+          <p:cNvSpPr txBox="1"/>
+          <p:nvPr/>
+        </p:nvSpPr>
+        <p:spPr>
+          <a:xfrm>
+            <a:off x="3043081" y="2667025"/>
+            <a:ext cx="363794" cy="523220"/>
+          </a:xfrm>
+          <a:prstGeom prst="rect">
+            <a:avLst/>
+          </a:prstGeom>
+          <a:noFill/>
+        </p:spPr>
+        <p:txBody>
+          <a:bodyPr wrap="square" rtlCol="0">
+            <a:spAutoFit/>
+          </a:bodyPr>
+          <a:lstStyle/>
+          <a:p>
+            <a:r>
+              <a:rPr lang="en-US" sz="2800">
+                <a:latin typeface="Britannic Bold" panose="020B0903060703020204" pitchFamily="34" charset="0"/>
+              </a:rPr>
+              <a:t>b</a:t>
+            </a:r>
+          </a:p>
+        </p:txBody>
+      </p:sp>
+      <p:sp>
+        <p:nvSpPr>
+          <p:cNvPr id="28" name="TextBox 27"/>
+          <p:cNvSpPr txBox="1"/>
+          <p:nvPr/>
+        </p:nvSpPr>
+        <p:spPr>
+          <a:xfrm>
+            <a:off x="8803081" y="2667025"/>
+            <a:ext cx="363794" cy="523220"/>
+          </a:xfrm>
+          <a:prstGeom prst="rect">
+            <a:avLst/>
+          </a:prstGeom>
+          <a:noFill/>
+        </p:spPr>
+        <p:txBody>
+          <a:bodyPr wrap="square" rtlCol="0">
+            <a:spAutoFit/>
+          </a:bodyPr>
+          <a:lstStyle/>
+          <a:p>
+            <a:r>
+              <a:rPr lang="en-US" sz="2800">
+                <a:latin typeface="Britannic Bold" panose="020B0903060703020204" pitchFamily="34" charset="0"/>
+              </a:rPr>
+              <a:t>c</a:t>
+            </a:r>
+          </a:p>
+        </p:txBody>
+      </p:sp>
+    </p:spTree>
+    <p:extLst>
+      <p:ext uri="{BB962C8B-B14F-4D97-AF65-F5344CB8AC3E}">
+        <p14:creationId xmlns:p14="http://schemas.microsoft.com/office/powerpoint/2010/main" val="4212998864"/>
+      </p:ext>
+    </p:extLst>
+  </p:cSld>
+  <p:clrMapOvr>
+    <a:masterClrMapping/>
+  </p:clrMapOvr>
+</p:sld>
+</file>
+
+<file path=ppt/slides/slide21.xml><?xml version="1.0" encoding="utf-8"?>
+<p:sld xmlns:a="http://schemas.openxmlformats.org/drawingml/2006/main" xmlns:r="http://schemas.openxmlformats.org/officeDocument/2006/relationships" xmlns:p="http://schemas.openxmlformats.org/presentationml/2006/main">
+  <p:cSld>
+    <p:spTree>
+      <p:nvGrpSpPr>
+        <p:cNvPr id="1" name=""/>
+        <p:cNvGrpSpPr/>
+        <p:nvPr/>
+      </p:nvGrpSpPr>
+      <p:grpSpPr>
+        <a:xfrm>
+          <a:off x="0" y="0"/>
+          <a:ext cx="0" cy="0"/>
+          <a:chOff x="0" y="0"/>
+          <a:chExt cx="0" cy="0"/>
+        </a:xfrm>
+      </p:grpSpPr>
+      <p:sp>
+        <p:nvSpPr>
+          <p:cNvPr id="4" name="TextBox 3"/>
+          <p:cNvSpPr txBox="1"/>
+          <p:nvPr/>
+        </p:nvSpPr>
+        <p:spPr>
+          <a:xfrm>
+            <a:off x="0" y="6488668"/>
+            <a:ext cx="3419856" cy="369332"/>
+          </a:xfrm>
+          <a:prstGeom prst="rect">
+            <a:avLst/>
+          </a:prstGeom>
+          <a:noFill/>
+        </p:spPr>
+        <p:txBody>
+          <a:bodyPr wrap="square" rtlCol="0">
+            <a:spAutoFit/>
+          </a:bodyPr>
+          <a:lstStyle/>
+          <a:p>
+            <a:r>
+              <a:rPr lang="en-US" dirty="0" smtClean="0"/>
+              <a:t>© Jochem Tolsma 2020</a:t>
+            </a:r>
+            <a:endParaRPr lang="en-US" dirty="0"/>
+          </a:p>
+        </p:txBody>
+      </p:sp>
+      <p:grpSp>
+        <p:nvGrpSpPr>
+          <p:cNvPr id="7" name="Group 6"/>
+          <p:cNvGrpSpPr/>
+          <p:nvPr/>
+        </p:nvGrpSpPr>
+        <p:grpSpPr>
+          <a:xfrm>
+            <a:off x="1090211" y="3893328"/>
+            <a:ext cx="2092569" cy="1380392"/>
+            <a:chOff x="2412023" y="1998785"/>
+            <a:chExt cx="2092569" cy="1380392"/>
+          </a:xfrm>
+        </p:grpSpPr>
+        <p:sp>
+          <p:nvSpPr>
+            <p:cNvPr id="5" name="Rectangle 4"/>
+            <p:cNvSpPr/>
+            <p:nvPr/>
+          </p:nvSpPr>
+          <p:spPr>
+            <a:xfrm>
+              <a:off x="2412023" y="1998785"/>
+              <a:ext cx="2092569" cy="1380392"/>
+            </a:xfrm>
+            <a:prstGeom prst="rect">
+              <a:avLst/>
+            </a:prstGeom>
+            <a:solidFill>
+              <a:schemeClr val="bg1"/>
+            </a:solidFill>
+            <a:ln w="57150">
+              <a:solidFill>
+                <a:schemeClr val="tx1">
+                  <a:lumMod val="65000"/>
+                  <a:lumOff val="35000"/>
+                </a:schemeClr>
+              </a:solidFill>
+            </a:ln>
+            <a:scene3d>
+              <a:camera prst="obliqueTopRight"/>
+              <a:lightRig rig="threePt" dir="t"/>
+            </a:scene3d>
+          </p:spPr>
+          <p:style>
+            <a:lnRef idx="2">
+              <a:schemeClr val="accent1">
+                <a:shade val="50000"/>
+              </a:schemeClr>
+            </a:lnRef>
+            <a:fillRef idx="1">
+              <a:schemeClr val="accent1"/>
+            </a:fillRef>
+            <a:effectRef idx="0">
+              <a:schemeClr val="accent1"/>
+            </a:effectRef>
+            <a:fontRef idx="minor">
+              <a:schemeClr val="lt1"/>
+            </a:fontRef>
+          </p:style>
+          <p:txBody>
+            <a:bodyPr rtlCol="0" anchor="ctr"/>
+            <a:lstStyle/>
+            <a:p>
+              <a:pPr algn="ctr"/>
+              <a:endParaRPr lang="en-US"/>
+            </a:p>
+          </p:txBody>
+        </p:sp>
+        <p:sp>
+          <p:nvSpPr>
+            <p:cNvPr id="6" name="TextBox 5"/>
+            <p:cNvSpPr txBox="1"/>
+            <p:nvPr/>
+          </p:nvSpPr>
+          <p:spPr>
+            <a:xfrm>
+              <a:off x="2457856" y="2133105"/>
+              <a:ext cx="2017552" cy="1107996"/>
+            </a:xfrm>
+            <a:prstGeom prst="rect">
+              <a:avLst/>
+            </a:prstGeom>
+            <a:noFill/>
+          </p:spPr>
+          <p:txBody>
+            <a:bodyPr wrap="square" rtlCol="0">
+              <a:spAutoFit/>
+            </a:bodyPr>
+            <a:lstStyle/>
+            <a:p>
+              <a:pPr algn="ctr"/>
+              <a:r>
+                <a:rPr lang="en-US" sz="6600" smtClean="0">
+                  <a:latin typeface="Britannic Bold" panose="020B0903060703020204" pitchFamily="34" charset="0"/>
+                </a:rPr>
+                <a:t>X</a:t>
+              </a:r>
+              <a:endParaRPr lang="en-US" sz="6600">
+                <a:latin typeface="Britannic Bold" panose="020B0903060703020204" pitchFamily="34" charset="0"/>
+              </a:endParaRPr>
+            </a:p>
+          </p:txBody>
+        </p:sp>
+      </p:grpSp>
+      <p:grpSp>
+        <p:nvGrpSpPr>
+          <p:cNvPr id="8" name="Group 7"/>
+          <p:cNvGrpSpPr/>
+          <p:nvPr/>
+        </p:nvGrpSpPr>
+        <p:grpSpPr>
+          <a:xfrm>
+            <a:off x="9026748" y="3890087"/>
+            <a:ext cx="2092569" cy="1380392"/>
+            <a:chOff x="2412023" y="1998785"/>
+            <a:chExt cx="2092569" cy="1380392"/>
+          </a:xfrm>
+        </p:grpSpPr>
+        <p:sp>
+          <p:nvSpPr>
+            <p:cNvPr id="9" name="Rectangle 8"/>
+            <p:cNvSpPr/>
+            <p:nvPr/>
+          </p:nvSpPr>
+          <p:spPr>
+            <a:xfrm>
+              <a:off x="2412023" y="1998785"/>
+              <a:ext cx="2092569" cy="1380392"/>
+            </a:xfrm>
+            <a:prstGeom prst="rect">
+              <a:avLst/>
+            </a:prstGeom>
+            <a:solidFill>
+              <a:schemeClr val="bg1"/>
+            </a:solidFill>
+            <a:ln w="57150">
+              <a:solidFill>
+                <a:schemeClr val="tx1">
+                  <a:lumMod val="65000"/>
+                  <a:lumOff val="35000"/>
+                </a:schemeClr>
+              </a:solidFill>
+            </a:ln>
+            <a:scene3d>
+              <a:camera prst="obliqueTopRight"/>
+              <a:lightRig rig="threePt" dir="t"/>
+            </a:scene3d>
+          </p:spPr>
+          <p:style>
+            <a:lnRef idx="2">
+              <a:schemeClr val="accent1">
+                <a:shade val="50000"/>
+              </a:schemeClr>
+            </a:lnRef>
+            <a:fillRef idx="1">
+              <a:schemeClr val="accent1"/>
+            </a:fillRef>
+            <a:effectRef idx="0">
+              <a:schemeClr val="accent1"/>
+            </a:effectRef>
+            <a:fontRef idx="minor">
+              <a:schemeClr val="lt1"/>
+            </a:fontRef>
+          </p:style>
+          <p:txBody>
+            <a:bodyPr rtlCol="0" anchor="ctr"/>
+            <a:lstStyle/>
+            <a:p>
+              <a:pPr algn="ctr"/>
+              <a:endParaRPr lang="en-US"/>
+            </a:p>
+          </p:txBody>
+        </p:sp>
+        <p:sp>
+          <p:nvSpPr>
+            <p:cNvPr id="10" name="TextBox 9"/>
+            <p:cNvSpPr txBox="1"/>
+            <p:nvPr/>
+          </p:nvSpPr>
+          <p:spPr>
+            <a:xfrm>
+              <a:off x="2457856" y="2133105"/>
+              <a:ext cx="2017552" cy="1107996"/>
+            </a:xfrm>
+            <a:prstGeom prst="rect">
+              <a:avLst/>
+            </a:prstGeom>
+            <a:noFill/>
+          </p:spPr>
+          <p:txBody>
+            <a:bodyPr wrap="square" rtlCol="0">
+              <a:spAutoFit/>
+            </a:bodyPr>
+            <a:lstStyle/>
+            <a:p>
+              <a:pPr algn="ctr"/>
+              <a:r>
+                <a:rPr lang="en-US" sz="6600" smtClean="0">
+                  <a:latin typeface="Britannic Bold" panose="020B0903060703020204" pitchFamily="34" charset="0"/>
+                </a:rPr>
+                <a:t>Y</a:t>
+              </a:r>
+              <a:endParaRPr lang="en-US" sz="6600">
+                <a:latin typeface="Britannic Bold" panose="020B0903060703020204" pitchFamily="34" charset="0"/>
+              </a:endParaRPr>
+            </a:p>
+          </p:txBody>
+        </p:sp>
+      </p:grpSp>
+      <p:cxnSp>
+        <p:nvCxnSpPr>
+          <p:cNvPr id="12" name="Straight Arrow Connector 11"/>
+          <p:cNvCxnSpPr/>
+          <p:nvPr/>
+        </p:nvCxnSpPr>
+        <p:spPr>
+          <a:xfrm>
+            <a:off x="3224978" y="4564625"/>
+            <a:ext cx="5760000" cy="9832"/>
+          </a:xfrm>
+          <a:prstGeom prst="straightConnector1">
+            <a:avLst/>
+          </a:prstGeom>
+          <a:ln w="38100">
+            <a:solidFill>
+              <a:schemeClr val="tx1">
+                <a:lumMod val="95000"/>
+                <a:lumOff val="5000"/>
+              </a:schemeClr>
+            </a:solidFill>
+            <a:headEnd type="none" w="lg" len="lg"/>
+            <a:tailEnd type="triangle" w="lg" len="lg"/>
+          </a:ln>
+        </p:spPr>
+        <p:style>
+          <a:lnRef idx="1">
+            <a:schemeClr val="accent1"/>
+          </a:lnRef>
+          <a:fillRef idx="0">
+            <a:schemeClr val="accent1"/>
+          </a:fillRef>
+          <a:effectRef idx="0">
+            <a:schemeClr val="accent1"/>
+          </a:effectRef>
+          <a:fontRef idx="minor">
+            <a:schemeClr val="tx1"/>
+          </a:fontRef>
+        </p:style>
+      </p:cxnSp>
+      <p:grpSp>
+        <p:nvGrpSpPr>
+          <p:cNvPr id="11" name="Group 10"/>
+          <p:cNvGrpSpPr/>
+          <p:nvPr/>
+        </p:nvGrpSpPr>
+        <p:grpSpPr>
+          <a:xfrm>
+            <a:off x="5013203" y="1725315"/>
+            <a:ext cx="2092569" cy="1380392"/>
+            <a:chOff x="2412023" y="1998785"/>
+            <a:chExt cx="2092569" cy="1380392"/>
+          </a:xfrm>
+        </p:grpSpPr>
+        <p:sp>
+          <p:nvSpPr>
+            <p:cNvPr id="13" name="Rectangle 12"/>
+            <p:cNvSpPr/>
+            <p:nvPr/>
+          </p:nvSpPr>
+          <p:spPr>
+            <a:xfrm>
+              <a:off x="2412023" y="1998785"/>
+              <a:ext cx="2092569" cy="1380392"/>
+            </a:xfrm>
+            <a:prstGeom prst="rect">
+              <a:avLst/>
+            </a:prstGeom>
+            <a:solidFill>
+              <a:schemeClr val="bg1"/>
+            </a:solidFill>
+            <a:ln w="57150">
+              <a:solidFill>
+                <a:schemeClr val="tx1">
+                  <a:lumMod val="65000"/>
+                  <a:lumOff val="35000"/>
+                </a:schemeClr>
+              </a:solidFill>
+            </a:ln>
+            <a:scene3d>
+              <a:camera prst="obliqueTopRight"/>
+              <a:lightRig rig="threePt" dir="t"/>
+            </a:scene3d>
+          </p:spPr>
+          <p:style>
+            <a:lnRef idx="2">
+              <a:schemeClr val="accent1">
+                <a:shade val="50000"/>
+              </a:schemeClr>
+            </a:lnRef>
+            <a:fillRef idx="1">
+              <a:schemeClr val="accent1"/>
+            </a:fillRef>
+            <a:effectRef idx="0">
+              <a:schemeClr val="accent1"/>
+            </a:effectRef>
+            <a:fontRef idx="minor">
+              <a:schemeClr val="lt1"/>
+            </a:fontRef>
+          </p:style>
+          <p:txBody>
+            <a:bodyPr rtlCol="0" anchor="ctr"/>
+            <a:lstStyle/>
+            <a:p>
+              <a:pPr algn="ctr"/>
+              <a:endParaRPr lang="en-US"/>
+            </a:p>
+          </p:txBody>
+        </p:sp>
+        <p:sp>
+          <p:nvSpPr>
+            <p:cNvPr id="14" name="TextBox 13"/>
+            <p:cNvSpPr txBox="1"/>
+            <p:nvPr/>
+          </p:nvSpPr>
+          <p:spPr>
+            <a:xfrm>
+              <a:off x="2457856" y="2133105"/>
+              <a:ext cx="2017552" cy="1107996"/>
+            </a:xfrm>
+            <a:prstGeom prst="rect">
+              <a:avLst/>
+            </a:prstGeom>
+            <a:noFill/>
+          </p:spPr>
+          <p:txBody>
+            <a:bodyPr wrap="square" rtlCol="0">
+              <a:spAutoFit/>
+            </a:bodyPr>
+            <a:lstStyle/>
+            <a:p>
+              <a:pPr algn="ctr"/>
+              <a:r>
+                <a:rPr lang="en-US" sz="6600" smtClean="0">
+                  <a:latin typeface="Britannic Bold" panose="020B0903060703020204" pitchFamily="34" charset="0"/>
+                </a:rPr>
+                <a:t>Me</a:t>
+              </a:r>
+              <a:endParaRPr lang="en-US" sz="6600">
+                <a:latin typeface="Britannic Bold" panose="020B0903060703020204" pitchFamily="34" charset="0"/>
+              </a:endParaRPr>
+            </a:p>
+          </p:txBody>
+        </p:sp>
+      </p:grpSp>
+      <p:cxnSp>
+        <p:nvCxnSpPr>
+          <p:cNvPr id="15" name="Straight Arrow Connector 14"/>
+          <p:cNvCxnSpPr/>
+          <p:nvPr/>
+        </p:nvCxnSpPr>
+        <p:spPr>
+          <a:xfrm flipV="1">
+            <a:off x="2125156" y="2300800"/>
+            <a:ext cx="2839199" cy="1506741"/>
+          </a:xfrm>
+          <a:prstGeom prst="straightConnector1">
+            <a:avLst/>
+          </a:prstGeom>
+          <a:ln w="38100">
+            <a:solidFill>
+              <a:schemeClr val="tx1">
+                <a:lumMod val="95000"/>
+                <a:lumOff val="5000"/>
+              </a:schemeClr>
+            </a:solidFill>
+            <a:headEnd type="none" w="lg" len="lg"/>
+            <a:tailEnd type="triangle" w="lg" len="lg"/>
+          </a:ln>
+        </p:spPr>
+        <p:style>
+          <a:lnRef idx="1">
+            <a:schemeClr val="accent1"/>
+          </a:lnRef>
+          <a:fillRef idx="0">
+            <a:schemeClr val="accent1"/>
+          </a:fillRef>
+          <a:effectRef idx="0">
+            <a:schemeClr val="accent1"/>
+          </a:effectRef>
+          <a:fontRef idx="minor">
+            <a:schemeClr val="tx1"/>
+          </a:fontRef>
+        </p:style>
+      </p:cxnSp>
+      <p:cxnSp>
+        <p:nvCxnSpPr>
+          <p:cNvPr id="18" name="Straight Arrow Connector 17"/>
+          <p:cNvCxnSpPr/>
+          <p:nvPr/>
+        </p:nvCxnSpPr>
+        <p:spPr>
+          <a:xfrm>
+            <a:off x="7164204" y="2286056"/>
+            <a:ext cx="2839199" cy="1506741"/>
+          </a:xfrm>
+          <a:prstGeom prst="straightConnector1">
+            <a:avLst/>
+          </a:prstGeom>
+          <a:ln w="38100">
+            <a:solidFill>
+              <a:schemeClr val="tx1">
+                <a:lumMod val="95000"/>
+                <a:lumOff val="5000"/>
+              </a:schemeClr>
+            </a:solidFill>
+            <a:headEnd type="none" w="lg" len="lg"/>
+            <a:tailEnd type="triangle" w="lg" len="lg"/>
+          </a:ln>
+        </p:spPr>
+        <p:style>
+          <a:lnRef idx="1">
+            <a:schemeClr val="accent1"/>
+          </a:lnRef>
+          <a:fillRef idx="0">
+            <a:schemeClr val="accent1"/>
+          </a:fillRef>
+          <a:effectRef idx="0">
+            <a:schemeClr val="accent1"/>
+          </a:effectRef>
+          <a:fontRef idx="minor">
+            <a:schemeClr val="tx1"/>
+          </a:fontRef>
+        </p:style>
+      </p:cxnSp>
+      <p:sp>
+        <p:nvSpPr>
+          <p:cNvPr id="19" name="TextBox 18"/>
+          <p:cNvSpPr txBox="1"/>
+          <p:nvPr/>
+        </p:nvSpPr>
+        <p:spPr>
+          <a:xfrm>
+            <a:off x="5922866" y="4043517"/>
+            <a:ext cx="615585" cy="523220"/>
+          </a:xfrm>
+          <a:prstGeom prst="rect">
+            <a:avLst/>
+          </a:prstGeom>
+          <a:noFill/>
+        </p:spPr>
+        <p:txBody>
+          <a:bodyPr wrap="square" rtlCol="0">
+            <a:spAutoFit/>
+          </a:bodyPr>
+          <a:lstStyle/>
+          <a:p>
+            <a:r>
+              <a:rPr lang="en-US" sz="2800">
+                <a:latin typeface="Britannic Bold" panose="020B0903060703020204" pitchFamily="34" charset="0"/>
+              </a:rPr>
+              <a:t>a</a:t>
+            </a:r>
+            <a:r>
+              <a:rPr lang="en-US" sz="2800" smtClean="0">
+                <a:latin typeface="Britannic Bold" panose="020B0903060703020204" pitchFamily="34" charset="0"/>
+              </a:rPr>
+              <a:t>’’</a:t>
+            </a:r>
+            <a:endParaRPr lang="en-US" sz="2800">
+              <a:latin typeface="Britannic Bold" panose="020B0903060703020204" pitchFamily="34" charset="0"/>
+            </a:endParaRPr>
+          </a:p>
+        </p:txBody>
+      </p:sp>
+      <p:grpSp>
+        <p:nvGrpSpPr>
+          <p:cNvPr id="22" name="Group 21"/>
+          <p:cNvGrpSpPr/>
+          <p:nvPr/>
+        </p:nvGrpSpPr>
+        <p:grpSpPr>
+          <a:xfrm>
+            <a:off x="1777017" y="559497"/>
+            <a:ext cx="2092569" cy="1380392"/>
+            <a:chOff x="2412023" y="1998785"/>
+            <a:chExt cx="2092569" cy="1380392"/>
+          </a:xfrm>
+        </p:grpSpPr>
+        <p:sp>
+          <p:nvSpPr>
+            <p:cNvPr id="23" name="Rectangle 22"/>
+            <p:cNvSpPr/>
+            <p:nvPr/>
+          </p:nvSpPr>
+          <p:spPr>
+            <a:xfrm>
+              <a:off x="2412023" y="1998785"/>
+              <a:ext cx="2092569" cy="1380392"/>
+            </a:xfrm>
+            <a:prstGeom prst="rect">
+              <a:avLst/>
+            </a:prstGeom>
+            <a:solidFill>
+              <a:schemeClr val="bg1"/>
+            </a:solidFill>
+            <a:ln w="57150">
+              <a:solidFill>
+                <a:schemeClr val="tx1">
+                  <a:lumMod val="65000"/>
+                  <a:lumOff val="35000"/>
+                </a:schemeClr>
+              </a:solidFill>
+            </a:ln>
+            <a:scene3d>
+              <a:camera prst="obliqueTopRight"/>
+              <a:lightRig rig="threePt" dir="t"/>
+            </a:scene3d>
+          </p:spPr>
+          <p:style>
+            <a:lnRef idx="2">
+              <a:schemeClr val="accent1">
+                <a:shade val="50000"/>
+              </a:schemeClr>
+            </a:lnRef>
+            <a:fillRef idx="1">
+              <a:schemeClr val="accent1"/>
+            </a:fillRef>
+            <a:effectRef idx="0">
+              <a:schemeClr val="accent1"/>
+            </a:effectRef>
+            <a:fontRef idx="minor">
+              <a:schemeClr val="lt1"/>
+            </a:fontRef>
+          </p:style>
+          <p:txBody>
+            <a:bodyPr rtlCol="0" anchor="ctr"/>
+            <a:lstStyle/>
+            <a:p>
+              <a:pPr algn="ctr"/>
+              <a:endParaRPr lang="en-US"/>
+            </a:p>
+          </p:txBody>
+        </p:sp>
+        <p:sp>
+          <p:nvSpPr>
+            <p:cNvPr id="24" name="TextBox 23"/>
+            <p:cNvSpPr txBox="1"/>
+            <p:nvPr/>
+          </p:nvSpPr>
+          <p:spPr>
+            <a:xfrm>
+              <a:off x="2457856" y="2133105"/>
+              <a:ext cx="2017552" cy="1107996"/>
+            </a:xfrm>
+            <a:prstGeom prst="rect">
+              <a:avLst/>
+            </a:prstGeom>
+            <a:noFill/>
+          </p:spPr>
+          <p:txBody>
+            <a:bodyPr wrap="square" rtlCol="0">
+              <a:spAutoFit/>
+            </a:bodyPr>
+            <a:lstStyle/>
+            <a:p>
+              <a:pPr algn="ctr"/>
+              <a:r>
+                <a:rPr lang="en-US" sz="6600" smtClean="0">
+                  <a:latin typeface="Britannic Bold" panose="020B0903060703020204" pitchFamily="34" charset="0"/>
+                </a:rPr>
+                <a:t>Mo</a:t>
+              </a:r>
+              <a:endParaRPr lang="en-US" sz="6600">
+                <a:latin typeface="Britannic Bold" panose="020B0903060703020204" pitchFamily="34" charset="0"/>
+              </a:endParaRPr>
+            </a:p>
+          </p:txBody>
+        </p:sp>
+      </p:grpSp>
+      <p:cxnSp>
+        <p:nvCxnSpPr>
+          <p:cNvPr id="25" name="Straight Arrow Connector 24"/>
+          <p:cNvCxnSpPr/>
+          <p:nvPr/>
+        </p:nvCxnSpPr>
+        <p:spPr>
+          <a:xfrm>
+            <a:off x="2831626" y="2025676"/>
+            <a:ext cx="1037960" cy="756000"/>
+          </a:xfrm>
+          <a:prstGeom prst="straightConnector1">
+            <a:avLst/>
+          </a:prstGeom>
+          <a:ln w="38100">
+            <a:solidFill>
+              <a:schemeClr val="tx1">
+                <a:lumMod val="95000"/>
+                <a:lumOff val="5000"/>
+              </a:schemeClr>
+            </a:solidFill>
+            <a:headEnd type="none" w="lg" len="lg"/>
+            <a:tailEnd type="triangle" w="lg" len="lg"/>
+          </a:ln>
+        </p:spPr>
+        <p:style>
+          <a:lnRef idx="1">
+            <a:schemeClr val="accent1"/>
+          </a:lnRef>
+          <a:fillRef idx="0">
+            <a:schemeClr val="accent1"/>
+          </a:fillRef>
+          <a:effectRef idx="0">
+            <a:schemeClr val="accent1"/>
+          </a:effectRef>
+          <a:fontRef idx="minor">
+            <a:schemeClr val="tx1"/>
+          </a:fontRef>
+        </p:style>
+      </p:cxnSp>
+      <p:sp>
+        <p:nvSpPr>
+          <p:cNvPr id="31" name="Oval 30"/>
+          <p:cNvSpPr/>
+          <p:nvPr/>
+        </p:nvSpPr>
+        <p:spPr>
+          <a:xfrm>
+            <a:off x="3840403" y="2758249"/>
+            <a:ext cx="144000" cy="144000"/>
+          </a:xfrm>
+          <a:prstGeom prst="ellipse">
+            <a:avLst/>
+          </a:prstGeom>
+          <a:solidFill>
+            <a:schemeClr val="tx1">
+              <a:lumMod val="95000"/>
+              <a:lumOff val="5000"/>
+            </a:schemeClr>
+          </a:solidFill>
+          <a:ln>
+            <a:solidFill>
+              <a:schemeClr val="tx1">
+                <a:lumMod val="95000"/>
+                <a:lumOff val="5000"/>
+              </a:schemeClr>
+            </a:solidFill>
+          </a:ln>
+        </p:spPr>
+        <p:style>
+          <a:lnRef idx="2">
+            <a:schemeClr val="accent1">
+              <a:shade val="50000"/>
+            </a:schemeClr>
+          </a:lnRef>
+          <a:fillRef idx="1">
+            <a:schemeClr val="accent1"/>
+          </a:fillRef>
+          <a:effectRef idx="0">
+            <a:schemeClr val="accent1"/>
+          </a:effectRef>
+          <a:fontRef idx="minor">
+            <a:schemeClr val="lt1"/>
+          </a:fontRef>
+        </p:style>
+        <p:txBody>
+          <a:bodyPr rtlCol="0" anchor="ctr"/>
+          <a:lstStyle/>
+          <a:p>
+            <a:pPr algn="ctr"/>
+            <a:endParaRPr lang="en-US"/>
+          </a:p>
+        </p:txBody>
+      </p:sp>
+      <p:sp>
+        <p:nvSpPr>
+          <p:cNvPr id="27" name="TextBox 26"/>
+          <p:cNvSpPr txBox="1"/>
+          <p:nvPr/>
+        </p:nvSpPr>
+        <p:spPr>
+          <a:xfrm>
+            <a:off x="3043081" y="2719774"/>
+            <a:ext cx="363794" cy="523220"/>
+          </a:xfrm>
+          <a:prstGeom prst="rect">
+            <a:avLst/>
+          </a:prstGeom>
+          <a:noFill/>
+        </p:spPr>
+        <p:txBody>
+          <a:bodyPr wrap="square" rtlCol="0">
+            <a:spAutoFit/>
+          </a:bodyPr>
+          <a:lstStyle/>
+          <a:p>
+            <a:r>
+              <a:rPr lang="en-US" sz="2800">
+                <a:latin typeface="Britannic Bold" panose="020B0903060703020204" pitchFamily="34" charset="0"/>
+              </a:rPr>
+              <a:t>b</a:t>
+            </a:r>
+          </a:p>
+        </p:txBody>
+      </p:sp>
+      <p:sp>
+        <p:nvSpPr>
+          <p:cNvPr id="28" name="TextBox 27"/>
+          <p:cNvSpPr txBox="1"/>
+          <p:nvPr/>
+        </p:nvSpPr>
+        <p:spPr>
+          <a:xfrm>
+            <a:off x="8803081" y="2719774"/>
+            <a:ext cx="363794" cy="523220"/>
+          </a:xfrm>
+          <a:prstGeom prst="rect">
+            <a:avLst/>
+          </a:prstGeom>
+          <a:noFill/>
+        </p:spPr>
+        <p:txBody>
+          <a:bodyPr wrap="square" rtlCol="0">
+            <a:spAutoFit/>
+          </a:bodyPr>
+          <a:lstStyle/>
+          <a:p>
+            <a:r>
+              <a:rPr lang="en-US" sz="2800">
+                <a:latin typeface="Britannic Bold" panose="020B0903060703020204" pitchFamily="34" charset="0"/>
+              </a:rPr>
+              <a:t>c</a:t>
+            </a:r>
+          </a:p>
+        </p:txBody>
+      </p:sp>
+      <p:sp>
+        <p:nvSpPr>
+          <p:cNvPr id="32" name="TextBox 31"/>
+          <p:cNvSpPr txBox="1"/>
+          <p:nvPr/>
+        </p:nvSpPr>
+        <p:spPr>
+          <a:xfrm>
+            <a:off x="3328239" y="1995476"/>
+            <a:ext cx="363794" cy="523220"/>
+          </a:xfrm>
+          <a:prstGeom prst="rect">
+            <a:avLst/>
+          </a:prstGeom>
+          <a:noFill/>
+        </p:spPr>
+        <p:txBody>
+          <a:bodyPr wrap="square" rtlCol="0">
+            <a:spAutoFit/>
+          </a:bodyPr>
+          <a:lstStyle/>
+          <a:p>
+            <a:r>
+              <a:rPr lang="en-US" sz="2800">
+                <a:latin typeface="Britannic Bold" panose="020B0903060703020204" pitchFamily="34" charset="0"/>
+              </a:rPr>
+              <a:t>d</a:t>
+            </a:r>
+            <a:endParaRPr lang="en-US" sz="2800">
+              <a:latin typeface="Britannic Bold" panose="020B0903060703020204" pitchFamily="34" charset="0"/>
+            </a:endParaRPr>
+          </a:p>
+        </p:txBody>
+      </p:sp>
+    </p:spTree>
+    <p:extLst>
+      <p:ext uri="{BB962C8B-B14F-4D97-AF65-F5344CB8AC3E}">
+        <p14:creationId xmlns:p14="http://schemas.microsoft.com/office/powerpoint/2010/main" val="3670710307"/>
+      </p:ext>
+    </p:extLst>
+  </p:cSld>
+  <p:clrMapOvr>
+    <a:masterClrMapping/>
+  </p:clrMapOvr>
+</p:sld>
+</file>
+
+<file path=ppt/slides/slide22.xml><?xml version="1.0" encoding="utf-8"?>
+<p:sld xmlns:a="http://schemas.openxmlformats.org/drawingml/2006/main" xmlns:r="http://schemas.openxmlformats.org/officeDocument/2006/relationships" xmlns:p="http://schemas.openxmlformats.org/presentationml/2006/main">
+  <p:cSld>
+    <p:spTree>
+      <p:nvGrpSpPr>
+        <p:cNvPr id="1" name=""/>
+        <p:cNvGrpSpPr/>
+        <p:nvPr/>
+      </p:nvGrpSpPr>
+      <p:grpSpPr>
+        <a:xfrm>
+          <a:off x="0" y="0"/>
+          <a:ext cx="0" cy="0"/>
+          <a:chOff x="0" y="0"/>
+          <a:chExt cx="0" cy="0"/>
+        </a:xfrm>
+      </p:grpSpPr>
+      <p:sp>
+        <p:nvSpPr>
+          <p:cNvPr id="4" name="TextBox 3"/>
+          <p:cNvSpPr txBox="1"/>
+          <p:nvPr/>
+        </p:nvSpPr>
+        <p:spPr>
+          <a:xfrm>
+            <a:off x="0" y="6488668"/>
+            <a:ext cx="3419856" cy="369332"/>
+          </a:xfrm>
+          <a:prstGeom prst="rect">
+            <a:avLst/>
+          </a:prstGeom>
+          <a:noFill/>
+        </p:spPr>
+        <p:txBody>
+          <a:bodyPr wrap="square" rtlCol="0">
+            <a:spAutoFit/>
+          </a:bodyPr>
+          <a:lstStyle/>
+          <a:p>
+            <a:r>
+              <a:rPr lang="en-US" dirty="0" smtClean="0"/>
+              <a:t>© Jochem Tolsma 2020</a:t>
+            </a:r>
+            <a:endParaRPr lang="en-US" dirty="0"/>
+          </a:p>
+        </p:txBody>
+      </p:sp>
+      <p:grpSp>
+        <p:nvGrpSpPr>
+          <p:cNvPr id="7" name="Group 6"/>
+          <p:cNvGrpSpPr/>
+          <p:nvPr/>
+        </p:nvGrpSpPr>
+        <p:grpSpPr>
+          <a:xfrm>
+            <a:off x="1090211" y="3893328"/>
+            <a:ext cx="2092569" cy="1380392"/>
+            <a:chOff x="2412023" y="1998785"/>
+            <a:chExt cx="2092569" cy="1380392"/>
+          </a:xfrm>
+        </p:grpSpPr>
+        <p:sp>
+          <p:nvSpPr>
+            <p:cNvPr id="5" name="Rectangle 4"/>
+            <p:cNvSpPr/>
+            <p:nvPr/>
+          </p:nvSpPr>
+          <p:spPr>
+            <a:xfrm>
+              <a:off x="2412023" y="1998785"/>
+              <a:ext cx="2092569" cy="1380392"/>
+            </a:xfrm>
+            <a:prstGeom prst="rect">
+              <a:avLst/>
+            </a:prstGeom>
+            <a:solidFill>
+              <a:schemeClr val="bg1"/>
+            </a:solidFill>
+            <a:ln w="57150">
+              <a:solidFill>
+                <a:schemeClr val="tx1">
+                  <a:lumMod val="65000"/>
+                  <a:lumOff val="35000"/>
+                </a:schemeClr>
+              </a:solidFill>
+            </a:ln>
+            <a:scene3d>
+              <a:camera prst="obliqueTopRight"/>
+              <a:lightRig rig="threePt" dir="t"/>
+            </a:scene3d>
+          </p:spPr>
+          <p:style>
+            <a:lnRef idx="2">
+              <a:schemeClr val="accent1">
+                <a:shade val="50000"/>
+              </a:schemeClr>
+            </a:lnRef>
+            <a:fillRef idx="1">
+              <a:schemeClr val="accent1"/>
+            </a:fillRef>
+            <a:effectRef idx="0">
+              <a:schemeClr val="accent1"/>
+            </a:effectRef>
+            <a:fontRef idx="minor">
+              <a:schemeClr val="lt1"/>
+            </a:fontRef>
+          </p:style>
+          <p:txBody>
+            <a:bodyPr rtlCol="0" anchor="ctr"/>
+            <a:lstStyle/>
+            <a:p>
+              <a:pPr algn="ctr"/>
+              <a:endParaRPr lang="en-US"/>
+            </a:p>
+          </p:txBody>
+        </p:sp>
+        <p:sp>
+          <p:nvSpPr>
+            <p:cNvPr id="6" name="TextBox 5"/>
+            <p:cNvSpPr txBox="1"/>
+            <p:nvPr/>
+          </p:nvSpPr>
+          <p:spPr>
+            <a:xfrm>
+              <a:off x="2457856" y="2133105"/>
+              <a:ext cx="2017552" cy="1107996"/>
+            </a:xfrm>
+            <a:prstGeom prst="rect">
+              <a:avLst/>
+            </a:prstGeom>
+            <a:noFill/>
+          </p:spPr>
+          <p:txBody>
+            <a:bodyPr wrap="square" rtlCol="0">
+              <a:spAutoFit/>
+            </a:bodyPr>
+            <a:lstStyle/>
+            <a:p>
+              <a:pPr algn="ctr"/>
+              <a:r>
+                <a:rPr lang="en-US" sz="6600" smtClean="0">
+                  <a:latin typeface="Britannic Bold" panose="020B0903060703020204" pitchFamily="34" charset="0"/>
+                </a:rPr>
+                <a:t>X</a:t>
+              </a:r>
+              <a:endParaRPr lang="en-US" sz="6600">
+                <a:latin typeface="Britannic Bold" panose="020B0903060703020204" pitchFamily="34" charset="0"/>
+              </a:endParaRPr>
+            </a:p>
+          </p:txBody>
+        </p:sp>
+      </p:grpSp>
+      <p:grpSp>
+        <p:nvGrpSpPr>
+          <p:cNvPr id="8" name="Group 7"/>
+          <p:cNvGrpSpPr/>
+          <p:nvPr/>
+        </p:nvGrpSpPr>
+        <p:grpSpPr>
+          <a:xfrm>
+            <a:off x="9026748" y="3890087"/>
+            <a:ext cx="2092569" cy="1380392"/>
+            <a:chOff x="2412023" y="1998785"/>
+            <a:chExt cx="2092569" cy="1380392"/>
+          </a:xfrm>
+        </p:grpSpPr>
+        <p:sp>
+          <p:nvSpPr>
+            <p:cNvPr id="9" name="Rectangle 8"/>
+            <p:cNvSpPr/>
+            <p:nvPr/>
+          </p:nvSpPr>
+          <p:spPr>
+            <a:xfrm>
+              <a:off x="2412023" y="1998785"/>
+              <a:ext cx="2092569" cy="1380392"/>
+            </a:xfrm>
+            <a:prstGeom prst="rect">
+              <a:avLst/>
+            </a:prstGeom>
+            <a:solidFill>
+              <a:schemeClr val="bg1"/>
+            </a:solidFill>
+            <a:ln w="57150">
+              <a:solidFill>
+                <a:schemeClr val="tx1">
+                  <a:lumMod val="65000"/>
+                  <a:lumOff val="35000"/>
+                </a:schemeClr>
+              </a:solidFill>
+            </a:ln>
+            <a:scene3d>
+              <a:camera prst="obliqueTopRight"/>
+              <a:lightRig rig="threePt" dir="t"/>
+            </a:scene3d>
+          </p:spPr>
+          <p:style>
+            <a:lnRef idx="2">
+              <a:schemeClr val="accent1">
+                <a:shade val="50000"/>
+              </a:schemeClr>
+            </a:lnRef>
+            <a:fillRef idx="1">
+              <a:schemeClr val="accent1"/>
+            </a:fillRef>
+            <a:effectRef idx="0">
+              <a:schemeClr val="accent1"/>
+            </a:effectRef>
+            <a:fontRef idx="minor">
+              <a:schemeClr val="lt1"/>
+            </a:fontRef>
+          </p:style>
+          <p:txBody>
+            <a:bodyPr rtlCol="0" anchor="ctr"/>
+            <a:lstStyle/>
+            <a:p>
+              <a:pPr algn="ctr"/>
+              <a:endParaRPr lang="en-US"/>
+            </a:p>
+          </p:txBody>
+        </p:sp>
+        <p:sp>
+          <p:nvSpPr>
+            <p:cNvPr id="10" name="TextBox 9"/>
+            <p:cNvSpPr txBox="1"/>
+            <p:nvPr/>
+          </p:nvSpPr>
+          <p:spPr>
+            <a:xfrm>
+              <a:off x="2457856" y="2133105"/>
+              <a:ext cx="2017552" cy="1107996"/>
+            </a:xfrm>
+            <a:prstGeom prst="rect">
+              <a:avLst/>
+            </a:prstGeom>
+            <a:noFill/>
+          </p:spPr>
+          <p:txBody>
+            <a:bodyPr wrap="square" rtlCol="0">
+              <a:spAutoFit/>
+            </a:bodyPr>
+            <a:lstStyle/>
+            <a:p>
+              <a:pPr algn="ctr"/>
+              <a:r>
+                <a:rPr lang="en-US" sz="6600" smtClean="0">
+                  <a:latin typeface="Britannic Bold" panose="020B0903060703020204" pitchFamily="34" charset="0"/>
+                </a:rPr>
+                <a:t>Y</a:t>
+              </a:r>
+              <a:endParaRPr lang="en-US" sz="6600">
+                <a:latin typeface="Britannic Bold" panose="020B0903060703020204" pitchFamily="34" charset="0"/>
+              </a:endParaRPr>
+            </a:p>
+          </p:txBody>
+        </p:sp>
+      </p:grpSp>
+      <p:cxnSp>
+        <p:nvCxnSpPr>
+          <p:cNvPr id="12" name="Straight Arrow Connector 11"/>
+          <p:cNvCxnSpPr/>
+          <p:nvPr/>
+        </p:nvCxnSpPr>
+        <p:spPr>
+          <a:xfrm>
+            <a:off x="3224978" y="4564625"/>
+            <a:ext cx="5760000" cy="9832"/>
+          </a:xfrm>
+          <a:prstGeom prst="straightConnector1">
+            <a:avLst/>
+          </a:prstGeom>
+          <a:ln w="38100">
+            <a:solidFill>
+              <a:schemeClr val="tx1">
+                <a:lumMod val="95000"/>
+                <a:lumOff val="5000"/>
+              </a:schemeClr>
+            </a:solidFill>
+            <a:headEnd type="none" w="lg" len="lg"/>
+            <a:tailEnd type="triangle" w="lg" len="lg"/>
+          </a:ln>
+        </p:spPr>
+        <p:style>
+          <a:lnRef idx="1">
+            <a:schemeClr val="accent1"/>
+          </a:lnRef>
+          <a:fillRef idx="0">
+            <a:schemeClr val="accent1"/>
+          </a:fillRef>
+          <a:effectRef idx="0">
+            <a:schemeClr val="accent1"/>
+          </a:effectRef>
+          <a:fontRef idx="minor">
+            <a:schemeClr val="tx1"/>
+          </a:fontRef>
+        </p:style>
+      </p:cxnSp>
+      <p:grpSp>
+        <p:nvGrpSpPr>
+          <p:cNvPr id="11" name="Group 10"/>
+          <p:cNvGrpSpPr/>
+          <p:nvPr/>
+        </p:nvGrpSpPr>
+        <p:grpSpPr>
+          <a:xfrm>
+            <a:off x="5013203" y="1725315"/>
+            <a:ext cx="2092569" cy="1380392"/>
+            <a:chOff x="2412023" y="1998785"/>
+            <a:chExt cx="2092569" cy="1380392"/>
+          </a:xfrm>
+        </p:grpSpPr>
+        <p:sp>
+          <p:nvSpPr>
+            <p:cNvPr id="13" name="Rectangle 12"/>
+            <p:cNvSpPr/>
+            <p:nvPr/>
+          </p:nvSpPr>
+          <p:spPr>
+            <a:xfrm>
+              <a:off x="2412023" y="1998785"/>
+              <a:ext cx="2092569" cy="1380392"/>
+            </a:xfrm>
+            <a:prstGeom prst="rect">
+              <a:avLst/>
+            </a:prstGeom>
+            <a:solidFill>
+              <a:schemeClr val="bg1"/>
+            </a:solidFill>
+            <a:ln w="57150">
+              <a:solidFill>
+                <a:schemeClr val="tx1">
+                  <a:lumMod val="65000"/>
+                  <a:lumOff val="35000"/>
+                </a:schemeClr>
+              </a:solidFill>
+            </a:ln>
+            <a:scene3d>
+              <a:camera prst="obliqueTopRight"/>
+              <a:lightRig rig="threePt" dir="t"/>
+            </a:scene3d>
+          </p:spPr>
+          <p:style>
+            <a:lnRef idx="2">
+              <a:schemeClr val="accent1">
+                <a:shade val="50000"/>
+              </a:schemeClr>
+            </a:lnRef>
+            <a:fillRef idx="1">
+              <a:schemeClr val="accent1"/>
+            </a:fillRef>
+            <a:effectRef idx="0">
+              <a:schemeClr val="accent1"/>
+            </a:effectRef>
+            <a:fontRef idx="minor">
+              <a:schemeClr val="lt1"/>
+            </a:fontRef>
+          </p:style>
+          <p:txBody>
+            <a:bodyPr rtlCol="0" anchor="ctr"/>
+            <a:lstStyle/>
+            <a:p>
+              <a:pPr algn="ctr"/>
+              <a:endParaRPr lang="en-US"/>
+            </a:p>
+          </p:txBody>
+        </p:sp>
+        <p:sp>
+          <p:nvSpPr>
+            <p:cNvPr id="14" name="TextBox 13"/>
+            <p:cNvSpPr txBox="1"/>
+            <p:nvPr/>
+          </p:nvSpPr>
+          <p:spPr>
+            <a:xfrm>
+              <a:off x="2457856" y="2133105"/>
+              <a:ext cx="2017552" cy="1107996"/>
+            </a:xfrm>
+            <a:prstGeom prst="rect">
+              <a:avLst/>
+            </a:prstGeom>
+            <a:noFill/>
+          </p:spPr>
+          <p:txBody>
+            <a:bodyPr wrap="square" rtlCol="0">
+              <a:spAutoFit/>
+            </a:bodyPr>
+            <a:lstStyle/>
+            <a:p>
+              <a:pPr algn="ctr"/>
+              <a:r>
+                <a:rPr lang="en-US" sz="6600" smtClean="0">
+                  <a:latin typeface="Britannic Bold" panose="020B0903060703020204" pitchFamily="34" charset="0"/>
+                </a:rPr>
+                <a:t>Me</a:t>
+              </a:r>
+              <a:endParaRPr lang="en-US" sz="6600">
+                <a:latin typeface="Britannic Bold" panose="020B0903060703020204" pitchFamily="34" charset="0"/>
+              </a:endParaRPr>
+            </a:p>
+          </p:txBody>
+        </p:sp>
+      </p:grpSp>
+      <p:cxnSp>
+        <p:nvCxnSpPr>
+          <p:cNvPr id="15" name="Straight Arrow Connector 14"/>
+          <p:cNvCxnSpPr/>
+          <p:nvPr/>
+        </p:nvCxnSpPr>
+        <p:spPr>
+          <a:xfrm flipV="1">
+            <a:off x="2125156" y="2300800"/>
+            <a:ext cx="2839199" cy="1506741"/>
+          </a:xfrm>
+          <a:prstGeom prst="straightConnector1">
+            <a:avLst/>
+          </a:prstGeom>
+          <a:ln w="38100">
+            <a:solidFill>
+              <a:schemeClr val="tx1">
+                <a:lumMod val="95000"/>
+                <a:lumOff val="5000"/>
+              </a:schemeClr>
+            </a:solidFill>
+            <a:headEnd type="none" w="lg" len="lg"/>
+            <a:tailEnd type="triangle" w="lg" len="lg"/>
+          </a:ln>
+        </p:spPr>
+        <p:style>
+          <a:lnRef idx="1">
+            <a:schemeClr val="accent1"/>
+          </a:lnRef>
+          <a:fillRef idx="0">
+            <a:schemeClr val="accent1"/>
+          </a:fillRef>
+          <a:effectRef idx="0">
+            <a:schemeClr val="accent1"/>
+          </a:effectRef>
+          <a:fontRef idx="minor">
+            <a:schemeClr val="tx1"/>
+          </a:fontRef>
+        </p:style>
+      </p:cxnSp>
+      <p:cxnSp>
+        <p:nvCxnSpPr>
+          <p:cNvPr id="18" name="Straight Arrow Connector 17"/>
+          <p:cNvCxnSpPr/>
+          <p:nvPr/>
+        </p:nvCxnSpPr>
+        <p:spPr>
+          <a:xfrm>
+            <a:off x="7164204" y="2286056"/>
+            <a:ext cx="2839199" cy="1506741"/>
+          </a:xfrm>
+          <a:prstGeom prst="straightConnector1">
+            <a:avLst/>
+          </a:prstGeom>
+          <a:ln w="38100">
+            <a:solidFill>
+              <a:schemeClr val="tx1">
+                <a:lumMod val="95000"/>
+                <a:lumOff val="5000"/>
+              </a:schemeClr>
+            </a:solidFill>
+            <a:headEnd type="none" w="lg" len="lg"/>
+            <a:tailEnd type="triangle" w="lg" len="lg"/>
+          </a:ln>
+        </p:spPr>
+        <p:style>
+          <a:lnRef idx="1">
+            <a:schemeClr val="accent1"/>
+          </a:lnRef>
+          <a:fillRef idx="0">
+            <a:schemeClr val="accent1"/>
+          </a:fillRef>
+          <a:effectRef idx="0">
+            <a:schemeClr val="accent1"/>
+          </a:effectRef>
+          <a:fontRef idx="minor">
+            <a:schemeClr val="tx1"/>
+          </a:fontRef>
+        </p:style>
+      </p:cxnSp>
+      <p:sp>
+        <p:nvSpPr>
+          <p:cNvPr id="19" name="TextBox 18"/>
+          <p:cNvSpPr txBox="1"/>
+          <p:nvPr/>
+        </p:nvSpPr>
+        <p:spPr>
+          <a:xfrm>
+            <a:off x="5922866" y="4043517"/>
+            <a:ext cx="1153722" cy="523220"/>
+          </a:xfrm>
+          <a:prstGeom prst="rect">
+            <a:avLst/>
+          </a:prstGeom>
+          <a:noFill/>
+        </p:spPr>
+        <p:txBody>
+          <a:bodyPr wrap="square" rtlCol="0">
+            <a:spAutoFit/>
+          </a:bodyPr>
+          <a:lstStyle/>
+          <a:p>
+            <a:r>
+              <a:rPr lang="en-US" sz="2800">
+                <a:latin typeface="Britannic Bold" panose="020B0903060703020204" pitchFamily="34" charset="0"/>
+              </a:rPr>
+              <a:t>a</a:t>
+            </a:r>
+            <a:r>
+              <a:rPr lang="en-US" sz="2800" smtClean="0">
+                <a:latin typeface="Britannic Bold" panose="020B0903060703020204" pitchFamily="34" charset="0"/>
+              </a:rPr>
+              <a:t>’’’</a:t>
+            </a:r>
+            <a:endParaRPr lang="en-US" sz="2800">
+              <a:latin typeface="Britannic Bold" panose="020B0903060703020204" pitchFamily="34" charset="0"/>
+            </a:endParaRPr>
+          </a:p>
+        </p:txBody>
+      </p:sp>
+      <p:grpSp>
+        <p:nvGrpSpPr>
+          <p:cNvPr id="22" name="Group 21"/>
+          <p:cNvGrpSpPr/>
+          <p:nvPr/>
+        </p:nvGrpSpPr>
+        <p:grpSpPr>
+          <a:xfrm>
+            <a:off x="8149242" y="559497"/>
+            <a:ext cx="2092569" cy="1380392"/>
+            <a:chOff x="2412023" y="1998785"/>
+            <a:chExt cx="2092569" cy="1380392"/>
+          </a:xfrm>
+        </p:grpSpPr>
+        <p:sp>
+          <p:nvSpPr>
+            <p:cNvPr id="23" name="Rectangle 22"/>
+            <p:cNvSpPr/>
+            <p:nvPr/>
+          </p:nvSpPr>
+          <p:spPr>
+            <a:xfrm>
+              <a:off x="2412023" y="1998785"/>
+              <a:ext cx="2092569" cy="1380392"/>
+            </a:xfrm>
+            <a:prstGeom prst="rect">
+              <a:avLst/>
+            </a:prstGeom>
+            <a:solidFill>
+              <a:schemeClr val="bg1"/>
+            </a:solidFill>
+            <a:ln w="57150">
+              <a:solidFill>
+                <a:schemeClr val="tx1">
+                  <a:lumMod val="65000"/>
+                  <a:lumOff val="35000"/>
+                </a:schemeClr>
+              </a:solidFill>
+            </a:ln>
+            <a:scene3d>
+              <a:camera prst="obliqueTopRight"/>
+              <a:lightRig rig="threePt" dir="t"/>
+            </a:scene3d>
+          </p:spPr>
+          <p:style>
+            <a:lnRef idx="2">
+              <a:schemeClr val="accent1">
+                <a:shade val="50000"/>
+              </a:schemeClr>
+            </a:lnRef>
+            <a:fillRef idx="1">
+              <a:schemeClr val="accent1"/>
+            </a:fillRef>
+            <a:effectRef idx="0">
+              <a:schemeClr val="accent1"/>
+            </a:effectRef>
+            <a:fontRef idx="minor">
+              <a:schemeClr val="lt1"/>
+            </a:fontRef>
+          </p:style>
+          <p:txBody>
+            <a:bodyPr rtlCol="0" anchor="ctr"/>
+            <a:lstStyle/>
+            <a:p>
+              <a:pPr algn="ctr"/>
+              <a:endParaRPr lang="en-US"/>
+            </a:p>
+          </p:txBody>
+        </p:sp>
+        <p:sp>
+          <p:nvSpPr>
+            <p:cNvPr id="24" name="TextBox 23"/>
+            <p:cNvSpPr txBox="1"/>
+            <p:nvPr/>
+          </p:nvSpPr>
+          <p:spPr>
+            <a:xfrm>
+              <a:off x="2457856" y="2133105"/>
+              <a:ext cx="2017552" cy="1107996"/>
+            </a:xfrm>
+            <a:prstGeom prst="rect">
+              <a:avLst/>
+            </a:prstGeom>
+            <a:noFill/>
+          </p:spPr>
+          <p:txBody>
+            <a:bodyPr wrap="square" rtlCol="0">
+              <a:spAutoFit/>
+            </a:bodyPr>
+            <a:lstStyle/>
+            <a:p>
+              <a:pPr algn="ctr"/>
+              <a:r>
+                <a:rPr lang="en-US" sz="6600" smtClean="0">
+                  <a:latin typeface="Britannic Bold" panose="020B0903060703020204" pitchFamily="34" charset="0"/>
+                </a:rPr>
+                <a:t>Mo</a:t>
+              </a:r>
+              <a:endParaRPr lang="en-US" sz="6600">
+                <a:latin typeface="Britannic Bold" panose="020B0903060703020204" pitchFamily="34" charset="0"/>
+              </a:endParaRPr>
+            </a:p>
+          </p:txBody>
+        </p:sp>
+      </p:grpSp>
+      <p:cxnSp>
+        <p:nvCxnSpPr>
+          <p:cNvPr id="25" name="Straight Arrow Connector 24"/>
+          <p:cNvCxnSpPr/>
+          <p:nvPr/>
+        </p:nvCxnSpPr>
+        <p:spPr>
+          <a:xfrm flipH="1">
+            <a:off x="8289186" y="2038350"/>
+            <a:ext cx="1007214" cy="714751"/>
+          </a:xfrm>
+          <a:prstGeom prst="straightConnector1">
+            <a:avLst/>
+          </a:prstGeom>
+          <a:ln w="38100">
+            <a:solidFill>
+              <a:schemeClr val="tx1">
+                <a:lumMod val="95000"/>
+                <a:lumOff val="5000"/>
+              </a:schemeClr>
+            </a:solidFill>
+            <a:headEnd type="none" w="lg" len="lg"/>
+            <a:tailEnd type="triangle" w="lg" len="lg"/>
+          </a:ln>
+        </p:spPr>
+        <p:style>
+          <a:lnRef idx="1">
+            <a:schemeClr val="accent1"/>
+          </a:lnRef>
+          <a:fillRef idx="0">
+            <a:schemeClr val="accent1"/>
+          </a:fillRef>
+          <a:effectRef idx="0">
+            <a:schemeClr val="accent1"/>
+          </a:effectRef>
+          <a:fontRef idx="minor">
+            <a:schemeClr val="tx1"/>
+          </a:fontRef>
+        </p:style>
+      </p:cxnSp>
+      <p:sp>
+        <p:nvSpPr>
+          <p:cNvPr id="31" name="Oval 30"/>
+          <p:cNvSpPr/>
+          <p:nvPr/>
+        </p:nvSpPr>
+        <p:spPr>
+          <a:xfrm>
+            <a:off x="8098078" y="2758249"/>
+            <a:ext cx="144000" cy="144000"/>
+          </a:xfrm>
+          <a:prstGeom prst="ellipse">
+            <a:avLst/>
+          </a:prstGeom>
+          <a:solidFill>
+            <a:schemeClr val="tx1">
+              <a:lumMod val="95000"/>
+              <a:lumOff val="5000"/>
+            </a:schemeClr>
+          </a:solidFill>
+          <a:ln>
+            <a:solidFill>
+              <a:schemeClr val="tx1">
+                <a:lumMod val="95000"/>
+                <a:lumOff val="5000"/>
+              </a:schemeClr>
+            </a:solidFill>
+          </a:ln>
+        </p:spPr>
+        <p:style>
+          <a:lnRef idx="2">
+            <a:schemeClr val="accent1">
+              <a:shade val="50000"/>
+            </a:schemeClr>
+          </a:lnRef>
+          <a:fillRef idx="1">
+            <a:schemeClr val="accent1"/>
+          </a:fillRef>
+          <a:effectRef idx="0">
+            <a:schemeClr val="accent1"/>
+          </a:effectRef>
+          <a:fontRef idx="minor">
+            <a:schemeClr val="lt1"/>
+          </a:fontRef>
+        </p:style>
+        <p:txBody>
+          <a:bodyPr rtlCol="0" anchor="ctr"/>
+          <a:lstStyle/>
+          <a:p>
+            <a:pPr algn="ctr"/>
+            <a:endParaRPr lang="en-US"/>
+          </a:p>
+        </p:txBody>
+      </p:sp>
+      <p:sp>
+        <p:nvSpPr>
+          <p:cNvPr id="27" name="TextBox 26"/>
+          <p:cNvSpPr txBox="1"/>
+          <p:nvPr/>
+        </p:nvSpPr>
+        <p:spPr>
+          <a:xfrm>
+            <a:off x="3043081" y="2719774"/>
+            <a:ext cx="363794" cy="523220"/>
+          </a:xfrm>
+          <a:prstGeom prst="rect">
+            <a:avLst/>
+          </a:prstGeom>
+          <a:noFill/>
+        </p:spPr>
+        <p:txBody>
+          <a:bodyPr wrap="square" rtlCol="0">
+            <a:spAutoFit/>
+          </a:bodyPr>
+          <a:lstStyle/>
+          <a:p>
+            <a:r>
+              <a:rPr lang="en-US" sz="2800">
+                <a:latin typeface="Britannic Bold" panose="020B0903060703020204" pitchFamily="34" charset="0"/>
+              </a:rPr>
+              <a:t>b</a:t>
+            </a:r>
+          </a:p>
+        </p:txBody>
+      </p:sp>
+      <p:sp>
+        <p:nvSpPr>
+          <p:cNvPr id="28" name="TextBox 27"/>
+          <p:cNvSpPr txBox="1"/>
+          <p:nvPr/>
+        </p:nvSpPr>
+        <p:spPr>
+          <a:xfrm>
+            <a:off x="8803081" y="2719774"/>
+            <a:ext cx="363794" cy="523220"/>
+          </a:xfrm>
+          <a:prstGeom prst="rect">
+            <a:avLst/>
+          </a:prstGeom>
+          <a:noFill/>
+        </p:spPr>
+        <p:txBody>
+          <a:bodyPr wrap="square" rtlCol="0">
+            <a:spAutoFit/>
+          </a:bodyPr>
+          <a:lstStyle/>
+          <a:p>
+            <a:r>
+              <a:rPr lang="en-US" sz="2800">
+                <a:latin typeface="Britannic Bold" panose="020B0903060703020204" pitchFamily="34" charset="0"/>
+              </a:rPr>
+              <a:t>c</a:t>
+            </a:r>
+          </a:p>
+        </p:txBody>
+      </p:sp>
+      <p:sp>
+        <p:nvSpPr>
+          <p:cNvPr id="32" name="TextBox 31"/>
+          <p:cNvSpPr txBox="1"/>
+          <p:nvPr/>
+        </p:nvSpPr>
+        <p:spPr>
+          <a:xfrm>
+            <a:off x="8929531" y="2196554"/>
+            <a:ext cx="363794" cy="523220"/>
+          </a:xfrm>
+          <a:prstGeom prst="rect">
+            <a:avLst/>
+          </a:prstGeom>
+          <a:noFill/>
+        </p:spPr>
+        <p:txBody>
+          <a:bodyPr wrap="square" rtlCol="0">
+            <a:spAutoFit/>
+          </a:bodyPr>
+          <a:lstStyle/>
+          <a:p>
+            <a:r>
+              <a:rPr lang="en-US" sz="2800">
+                <a:latin typeface="Britannic Bold" panose="020B0903060703020204" pitchFamily="34" charset="0"/>
+              </a:rPr>
+              <a:t>d</a:t>
+            </a:r>
+            <a:endParaRPr lang="en-US" sz="2800">
+              <a:latin typeface="Britannic Bold" panose="020B0903060703020204" pitchFamily="34" charset="0"/>
+            </a:endParaRPr>
+          </a:p>
+        </p:txBody>
+      </p:sp>
+    </p:spTree>
+    <p:extLst>
+      <p:ext uri="{BB962C8B-B14F-4D97-AF65-F5344CB8AC3E}">
+        <p14:creationId xmlns:p14="http://schemas.microsoft.com/office/powerpoint/2010/main" val="2938372875"/>
+      </p:ext>
+    </p:extLst>
+  </p:cSld>
+  <p:clrMapOvr>
+    <a:masterClrMapping/>
+  </p:clrMapOvr>
+</p:sld>
+</file>
+
+<file path=ppt/slides/slide23.xml><?xml version="1.0" encoding="utf-8"?>
 <p:sld xmlns:a="http://schemas.openxmlformats.org/drawingml/2006/main" xmlns:r="http://schemas.openxmlformats.org/officeDocument/2006/relationships" xmlns:p="http://schemas.openxmlformats.org/presentationml/2006/main">
   <p:cSld>
     <p:spTree>
@@ -8151,9 +13614,6 @@
               </a:rPr>
               <a:t>b</a:t>
             </a:r>
-            <a:endParaRPr lang="en-US" sz="2800">
-              <a:latin typeface="Britannic Bold" panose="020B0903060703020204" pitchFamily="34" charset="0"/>
-            </a:endParaRPr>
           </a:p>
         </p:txBody>
       </p:sp>
@@ -8170,7 +13630,7 @@
 </p:sld>
 </file>
 
-<file path=ppt/slides/slide17.xml><?xml version="1.0" encoding="utf-8"?>
+<file path=ppt/slides/slide24.xml><?xml version="1.0" encoding="utf-8"?>
 <p:sld xmlns:a="http://schemas.openxmlformats.org/drawingml/2006/main" xmlns:r="http://schemas.openxmlformats.org/officeDocument/2006/relationships" xmlns:p="http://schemas.openxmlformats.org/presentationml/2006/main">
   <p:cSld>
     <p:spTree>
@@ -8896,9 +14356,6 @@
               </a:rPr>
               <a:t>b</a:t>
             </a:r>
-            <a:endParaRPr lang="en-US" sz="2800">
-              <a:latin typeface="Britannic Bold" panose="020B0903060703020204" pitchFamily="34" charset="0"/>
-            </a:endParaRPr>
           </a:p>
         </p:txBody>
       </p:sp>
@@ -8915,7 +14372,7 @@
 </p:sld>
 </file>
 
-<file path=ppt/slides/slide18.xml><?xml version="1.0" encoding="utf-8"?>
+<file path=ppt/slides/slide25.xml><?xml version="1.0" encoding="utf-8"?>
 <p:sld xmlns:a="http://schemas.openxmlformats.org/drawingml/2006/main" xmlns:r="http://schemas.openxmlformats.org/officeDocument/2006/relationships" xmlns:p="http://schemas.openxmlformats.org/presentationml/2006/main">
   <p:cSld>
     <p:spTree>
@@ -9686,9 +15143,6 @@
               </a:rPr>
               <a:t>b</a:t>
             </a:r>
-            <a:endParaRPr lang="en-US" sz="2800">
-              <a:latin typeface="Britannic Bold" panose="020B0903060703020204" pitchFamily="34" charset="0"/>
-            </a:endParaRPr>
           </a:p>
         </p:txBody>
       </p:sp>
@@ -9705,7 +15159,7 @@
 </p:sld>
 </file>
 
-<file path=ppt/slides/slide19.xml><?xml version="1.0" encoding="utf-8"?>
+<file path=ppt/slides/slide26.xml><?xml version="1.0" encoding="utf-8"?>
 <p:sld xmlns:a="http://schemas.openxmlformats.org/drawingml/2006/main" xmlns:r="http://schemas.openxmlformats.org/officeDocument/2006/relationships" xmlns:p="http://schemas.openxmlformats.org/presentationml/2006/main">
   <p:cSld>
     <p:spTree>
@@ -10473,9 +15927,6 @@
               </a:rPr>
               <a:t>b</a:t>
             </a:r>
-            <a:endParaRPr lang="en-US" sz="2800">
-              <a:latin typeface="Britannic Bold" panose="020B0903060703020204" pitchFamily="34" charset="0"/>
-            </a:endParaRPr>
           </a:p>
         </p:txBody>
       </p:sp>
@@ -10492,351 +15943,7 @@
 </p:sld>
 </file>
 
-<file path=ppt/slides/slide2.xml><?xml version="1.0" encoding="utf-8"?>
-<p:sld xmlns:a="http://schemas.openxmlformats.org/drawingml/2006/main" xmlns:r="http://schemas.openxmlformats.org/officeDocument/2006/relationships" xmlns:p="http://schemas.openxmlformats.org/presentationml/2006/main">
-  <p:cSld>
-    <p:spTree>
-      <p:nvGrpSpPr>
-        <p:cNvPr id="1" name=""/>
-        <p:cNvGrpSpPr/>
-        <p:nvPr/>
-      </p:nvGrpSpPr>
-      <p:grpSpPr>
-        <a:xfrm>
-          <a:off x="0" y="0"/>
-          <a:ext cx="0" cy="0"/>
-          <a:chOff x="0" y="0"/>
-          <a:chExt cx="0" cy="0"/>
-        </a:xfrm>
-      </p:grpSpPr>
-      <p:sp>
-        <p:nvSpPr>
-          <p:cNvPr id="4" name="TextBox 3"/>
-          <p:cNvSpPr txBox="1"/>
-          <p:nvPr/>
-        </p:nvSpPr>
-        <p:spPr>
-          <a:xfrm>
-            <a:off x="0" y="6488668"/>
-            <a:ext cx="3419856" cy="369332"/>
-          </a:xfrm>
-          <a:prstGeom prst="rect">
-            <a:avLst/>
-          </a:prstGeom>
-          <a:noFill/>
-        </p:spPr>
-        <p:txBody>
-          <a:bodyPr wrap="square" rtlCol="0">
-            <a:spAutoFit/>
-          </a:bodyPr>
-          <a:lstStyle/>
-          <a:p>
-            <a:r>
-              <a:rPr lang="en-US" dirty="0" smtClean="0"/>
-              <a:t>© Jochem Tolsma 2020</a:t>
-            </a:r>
-            <a:endParaRPr lang="en-US" dirty="0"/>
-          </a:p>
-        </p:txBody>
-      </p:sp>
-      <p:grpSp>
-        <p:nvGrpSpPr>
-          <p:cNvPr id="7" name="Group 6"/>
-          <p:cNvGrpSpPr/>
-          <p:nvPr/>
-        </p:nvGrpSpPr>
-        <p:grpSpPr>
-          <a:xfrm>
-            <a:off x="1090211" y="2750329"/>
-            <a:ext cx="2092569" cy="1380392"/>
-            <a:chOff x="2412023" y="1998785"/>
-            <a:chExt cx="2092569" cy="1380392"/>
-          </a:xfrm>
-        </p:grpSpPr>
-        <p:sp>
-          <p:nvSpPr>
-            <p:cNvPr id="5" name="Rectangle 4"/>
-            <p:cNvSpPr/>
-            <p:nvPr/>
-          </p:nvSpPr>
-          <p:spPr>
-            <a:xfrm>
-              <a:off x="2412023" y="1998785"/>
-              <a:ext cx="2092569" cy="1380392"/>
-            </a:xfrm>
-            <a:prstGeom prst="rect">
-              <a:avLst/>
-            </a:prstGeom>
-            <a:solidFill>
-              <a:schemeClr val="bg1"/>
-            </a:solidFill>
-            <a:ln w="57150">
-              <a:solidFill>
-                <a:schemeClr val="tx1">
-                  <a:lumMod val="65000"/>
-                  <a:lumOff val="35000"/>
-                </a:schemeClr>
-              </a:solidFill>
-            </a:ln>
-            <a:scene3d>
-              <a:camera prst="obliqueTopRight"/>
-              <a:lightRig rig="threePt" dir="t"/>
-            </a:scene3d>
-          </p:spPr>
-          <p:style>
-            <a:lnRef idx="2">
-              <a:schemeClr val="accent1">
-                <a:shade val="50000"/>
-              </a:schemeClr>
-            </a:lnRef>
-            <a:fillRef idx="1">
-              <a:schemeClr val="accent1"/>
-            </a:fillRef>
-            <a:effectRef idx="0">
-              <a:schemeClr val="accent1"/>
-            </a:effectRef>
-            <a:fontRef idx="minor">
-              <a:schemeClr val="lt1"/>
-            </a:fontRef>
-          </p:style>
-          <p:txBody>
-            <a:bodyPr rtlCol="0" anchor="ctr"/>
-            <a:lstStyle/>
-            <a:p>
-              <a:pPr algn="ctr"/>
-              <a:endParaRPr lang="en-US"/>
-            </a:p>
-          </p:txBody>
-        </p:sp>
-        <p:sp>
-          <p:nvSpPr>
-            <p:cNvPr id="6" name="TextBox 5"/>
-            <p:cNvSpPr txBox="1"/>
-            <p:nvPr/>
-          </p:nvSpPr>
-          <p:spPr>
-            <a:xfrm>
-              <a:off x="2457856" y="2133105"/>
-              <a:ext cx="2017552" cy="1107996"/>
-            </a:xfrm>
-            <a:prstGeom prst="rect">
-              <a:avLst/>
-            </a:prstGeom>
-            <a:noFill/>
-          </p:spPr>
-          <p:txBody>
-            <a:bodyPr wrap="square" rtlCol="0">
-              <a:spAutoFit/>
-            </a:bodyPr>
-            <a:lstStyle/>
-            <a:p>
-              <a:pPr algn="ctr"/>
-              <a:r>
-                <a:rPr lang="en-US" sz="6600" smtClean="0">
-                  <a:latin typeface="Britannic Bold" panose="020B0903060703020204" pitchFamily="34" charset="0"/>
-                </a:rPr>
-                <a:t>X</a:t>
-              </a:r>
-              <a:endParaRPr lang="en-US" sz="6600">
-                <a:latin typeface="Britannic Bold" panose="020B0903060703020204" pitchFamily="34" charset="0"/>
-              </a:endParaRPr>
-            </a:p>
-          </p:txBody>
-        </p:sp>
-      </p:grpSp>
-      <p:grpSp>
-        <p:nvGrpSpPr>
-          <p:cNvPr id="8" name="Group 7"/>
-          <p:cNvGrpSpPr/>
-          <p:nvPr/>
-        </p:nvGrpSpPr>
-        <p:grpSpPr>
-          <a:xfrm>
-            <a:off x="9026748" y="2747088"/>
-            <a:ext cx="2092569" cy="1380392"/>
-            <a:chOff x="2412023" y="1998785"/>
-            <a:chExt cx="2092569" cy="1380392"/>
-          </a:xfrm>
-        </p:grpSpPr>
-        <p:sp>
-          <p:nvSpPr>
-            <p:cNvPr id="9" name="Rectangle 8"/>
-            <p:cNvSpPr/>
-            <p:nvPr/>
-          </p:nvSpPr>
-          <p:spPr>
-            <a:xfrm>
-              <a:off x="2412023" y="1998785"/>
-              <a:ext cx="2092569" cy="1380392"/>
-            </a:xfrm>
-            <a:prstGeom prst="rect">
-              <a:avLst/>
-            </a:prstGeom>
-            <a:solidFill>
-              <a:schemeClr val="bg1"/>
-            </a:solidFill>
-            <a:ln w="57150">
-              <a:solidFill>
-                <a:schemeClr val="tx1">
-                  <a:lumMod val="65000"/>
-                  <a:lumOff val="35000"/>
-                </a:schemeClr>
-              </a:solidFill>
-            </a:ln>
-            <a:scene3d>
-              <a:camera prst="obliqueTopRight"/>
-              <a:lightRig rig="threePt" dir="t"/>
-            </a:scene3d>
-          </p:spPr>
-          <p:style>
-            <a:lnRef idx="2">
-              <a:schemeClr val="accent1">
-                <a:shade val="50000"/>
-              </a:schemeClr>
-            </a:lnRef>
-            <a:fillRef idx="1">
-              <a:schemeClr val="accent1"/>
-            </a:fillRef>
-            <a:effectRef idx="0">
-              <a:schemeClr val="accent1"/>
-            </a:effectRef>
-            <a:fontRef idx="minor">
-              <a:schemeClr val="lt1"/>
-            </a:fontRef>
-          </p:style>
-          <p:txBody>
-            <a:bodyPr rtlCol="0" anchor="ctr"/>
-            <a:lstStyle/>
-            <a:p>
-              <a:pPr algn="ctr"/>
-              <a:endParaRPr lang="en-US"/>
-            </a:p>
-          </p:txBody>
-        </p:sp>
-        <p:sp>
-          <p:nvSpPr>
-            <p:cNvPr id="10" name="TextBox 9"/>
-            <p:cNvSpPr txBox="1"/>
-            <p:nvPr/>
-          </p:nvSpPr>
-          <p:spPr>
-            <a:xfrm>
-              <a:off x="2457856" y="2133105"/>
-              <a:ext cx="2017552" cy="1107996"/>
-            </a:xfrm>
-            <a:prstGeom prst="rect">
-              <a:avLst/>
-            </a:prstGeom>
-            <a:noFill/>
-          </p:spPr>
-          <p:txBody>
-            <a:bodyPr wrap="square" rtlCol="0">
-              <a:spAutoFit/>
-            </a:bodyPr>
-            <a:lstStyle/>
-            <a:p>
-              <a:pPr algn="ctr"/>
-              <a:r>
-                <a:rPr lang="en-US" sz="6600" smtClean="0">
-                  <a:latin typeface="Britannic Bold" panose="020B0903060703020204" pitchFamily="34" charset="0"/>
-                </a:rPr>
-                <a:t>Y</a:t>
-              </a:r>
-              <a:endParaRPr lang="en-US" sz="6600">
-                <a:latin typeface="Britannic Bold" panose="020B0903060703020204" pitchFamily="34" charset="0"/>
-              </a:endParaRPr>
-            </a:p>
-          </p:txBody>
-        </p:sp>
-      </p:grpSp>
-      <p:cxnSp>
-        <p:nvCxnSpPr>
-          <p:cNvPr id="12" name="Straight Arrow Connector 11"/>
-          <p:cNvCxnSpPr/>
-          <p:nvPr/>
-        </p:nvCxnSpPr>
-        <p:spPr>
-          <a:xfrm>
-            <a:off x="3224978" y="3421626"/>
-            <a:ext cx="5760000" cy="9832"/>
-          </a:xfrm>
-          <a:prstGeom prst="straightConnector1">
-            <a:avLst/>
-          </a:prstGeom>
-          <a:ln w="38100">
-            <a:solidFill>
-              <a:schemeClr val="tx1">
-                <a:lumMod val="95000"/>
-                <a:lumOff val="5000"/>
-              </a:schemeClr>
-            </a:solidFill>
-            <a:headEnd type="none" w="lg" len="lg"/>
-            <a:tailEnd type="triangle" w="lg" len="lg"/>
-          </a:ln>
-        </p:spPr>
-        <p:style>
-          <a:lnRef idx="1">
-            <a:schemeClr val="accent1"/>
-          </a:lnRef>
-          <a:fillRef idx="0">
-            <a:schemeClr val="accent1"/>
-          </a:fillRef>
-          <a:effectRef idx="0">
-            <a:schemeClr val="accent1"/>
-          </a:effectRef>
-          <a:fontRef idx="minor">
-            <a:schemeClr val="tx1"/>
-          </a:fontRef>
-        </p:style>
-      </p:cxnSp>
-      <p:sp>
-        <p:nvSpPr>
-          <p:cNvPr id="11" name="TextBox 10"/>
-          <p:cNvSpPr txBox="1"/>
-          <p:nvPr/>
-        </p:nvSpPr>
-        <p:spPr>
-          <a:xfrm>
-            <a:off x="5922867" y="2900518"/>
-            <a:ext cx="363794" cy="523220"/>
-          </a:xfrm>
-          <a:prstGeom prst="rect">
-            <a:avLst/>
-          </a:prstGeom>
-          <a:noFill/>
-        </p:spPr>
-        <p:txBody>
-          <a:bodyPr wrap="square" rtlCol="0">
-            <a:spAutoFit/>
-          </a:bodyPr>
-          <a:lstStyle/>
-          <a:p>
-            <a:r>
-              <a:rPr lang="en-US" sz="2800" smtClean="0">
-                <a:latin typeface="Britannic Bold" panose="020B0903060703020204" pitchFamily="34" charset="0"/>
-              </a:rPr>
-              <a:t>a</a:t>
-            </a:r>
-            <a:endParaRPr lang="en-US" sz="2800">
-              <a:latin typeface="Britannic Bold" panose="020B0903060703020204" pitchFamily="34" charset="0"/>
-            </a:endParaRPr>
-          </a:p>
-        </p:txBody>
-      </p:sp>
-    </p:spTree>
-    <p:extLst>
-      <p:ext uri="{BB962C8B-B14F-4D97-AF65-F5344CB8AC3E}">
-        <p14:creationId xmlns:p14="http://schemas.microsoft.com/office/powerpoint/2010/main" val="4050186520"/>
-      </p:ext>
-    </p:extLst>
-  </p:cSld>
-  <p:clrMapOvr>
-    <a:masterClrMapping/>
-  </p:clrMapOvr>
-</p:sld>
-</file>
-
-<file path=ppt/slides/slide20.xml><?xml version="1.0" encoding="utf-8"?>
+<file path=ppt/slides/slide27.xml><?xml version="1.0" encoding="utf-8"?>
 <p:sld xmlns:a="http://schemas.openxmlformats.org/drawingml/2006/main" xmlns:r="http://schemas.openxmlformats.org/officeDocument/2006/relationships" xmlns:p="http://schemas.openxmlformats.org/presentationml/2006/main">
   <p:cSld>
     <p:spTree>
@@ -11919,9 +17026,6 @@
               </a:rPr>
               <a:t>c</a:t>
             </a:r>
-            <a:endParaRPr lang="en-US" sz="2800">
-              <a:latin typeface="Britannic Bold" panose="020B0903060703020204" pitchFamily="34" charset="0"/>
-            </a:endParaRPr>
           </a:p>
         </p:txBody>
       </p:sp>
@@ -12021,9 +17125,6 @@
               </a:rPr>
               <a:t>b</a:t>
             </a:r>
-            <a:endParaRPr lang="en-US" sz="2800">
-              <a:latin typeface="Britannic Bold" panose="020B0903060703020204" pitchFamily="34" charset="0"/>
-            </a:endParaRPr>
           </a:p>
         </p:txBody>
       </p:sp>
@@ -12040,7 +17141,7 @@
 </p:sld>
 </file>
 
-<file path=ppt/slides/slide21.xml><?xml version="1.0" encoding="utf-8"?>
+<file path=ppt/slides/slide28.xml><?xml version="1.0" encoding="utf-8"?>
 <p:sld xmlns:a="http://schemas.openxmlformats.org/drawingml/2006/main" xmlns:r="http://schemas.openxmlformats.org/officeDocument/2006/relationships" xmlns:p="http://schemas.openxmlformats.org/presentationml/2006/main">
   <p:cSld>
     <p:spTree>
@@ -12870,7 +17971,7 @@
 </p:sld>
 </file>
 
-<file path=ppt/slides/slide22.xml><?xml version="1.0" encoding="utf-8"?>
+<file path=ppt/slides/slide29.xml><?xml version="1.0" encoding="utf-8"?>
 <p:sld xmlns:a="http://schemas.openxmlformats.org/drawingml/2006/main" xmlns:r="http://schemas.openxmlformats.org/officeDocument/2006/relationships" xmlns:p="http://schemas.openxmlformats.org/presentationml/2006/main">
   <p:cSld>
     <p:spTree>
@@ -13692,9 +18793,6 @@
               </a:rPr>
               <a:t>b</a:t>
             </a:r>
-            <a:endParaRPr lang="en-US" sz="2800">
-              <a:latin typeface="Britannic Bold" panose="020B0903060703020204" pitchFamily="34" charset="0"/>
-            </a:endParaRPr>
           </a:p>
         </p:txBody>
       </p:sp>
@@ -13726,9 +18824,6 @@
               </a:rPr>
               <a:t>c</a:t>
             </a:r>
-            <a:endParaRPr lang="en-US" sz="2800">
-              <a:latin typeface="Britannic Bold" panose="020B0903060703020204" pitchFamily="34" charset="0"/>
-            </a:endParaRPr>
           </a:p>
         </p:txBody>
       </p:sp>
@@ -13745,7 +18840,539 @@
 </p:sld>
 </file>
 
-<file path=ppt/slides/slide23.xml><?xml version="1.0" encoding="utf-8"?>
+<file path=ppt/slides/slide3.xml><?xml version="1.0" encoding="utf-8"?>
+<p:sld xmlns:a="http://schemas.openxmlformats.org/drawingml/2006/main" xmlns:r="http://schemas.openxmlformats.org/officeDocument/2006/relationships" xmlns:p="http://schemas.openxmlformats.org/presentationml/2006/main">
+  <p:cSld>
+    <p:spTree>
+      <p:nvGrpSpPr>
+        <p:cNvPr id="1" name=""/>
+        <p:cNvGrpSpPr/>
+        <p:nvPr/>
+      </p:nvGrpSpPr>
+      <p:grpSpPr>
+        <a:xfrm>
+          <a:off x="0" y="0"/>
+          <a:ext cx="0" cy="0"/>
+          <a:chOff x="0" y="0"/>
+          <a:chExt cx="0" cy="0"/>
+        </a:xfrm>
+      </p:grpSpPr>
+      <p:sp>
+        <p:nvSpPr>
+          <p:cNvPr id="4" name="TextBox 3"/>
+          <p:cNvSpPr txBox="1"/>
+          <p:nvPr/>
+        </p:nvSpPr>
+        <p:spPr>
+          <a:xfrm>
+            <a:off x="0" y="6488668"/>
+            <a:ext cx="3419856" cy="369332"/>
+          </a:xfrm>
+          <a:prstGeom prst="rect">
+            <a:avLst/>
+          </a:prstGeom>
+          <a:noFill/>
+        </p:spPr>
+        <p:txBody>
+          <a:bodyPr wrap="square" rtlCol="0">
+            <a:spAutoFit/>
+          </a:bodyPr>
+          <a:lstStyle/>
+          <a:p>
+            <a:r>
+              <a:rPr lang="en-US" dirty="0" smtClean="0"/>
+              <a:t>© Jochem Tolsma 2020</a:t>
+            </a:r>
+            <a:endParaRPr lang="en-US" dirty="0"/>
+          </a:p>
+        </p:txBody>
+      </p:sp>
+      <p:grpSp>
+        <p:nvGrpSpPr>
+          <p:cNvPr id="7" name="Group 6"/>
+          <p:cNvGrpSpPr/>
+          <p:nvPr/>
+        </p:nvGrpSpPr>
+        <p:grpSpPr>
+          <a:xfrm>
+            <a:off x="1090211" y="4146517"/>
+            <a:ext cx="2092569" cy="1380392"/>
+            <a:chOff x="2412023" y="1998785"/>
+            <a:chExt cx="2092569" cy="1380392"/>
+          </a:xfrm>
+        </p:grpSpPr>
+        <p:sp>
+          <p:nvSpPr>
+            <p:cNvPr id="5" name="Rectangle 4"/>
+            <p:cNvSpPr/>
+            <p:nvPr/>
+          </p:nvSpPr>
+          <p:spPr>
+            <a:xfrm>
+              <a:off x="2412023" y="1998785"/>
+              <a:ext cx="2092569" cy="1380392"/>
+            </a:xfrm>
+            <a:prstGeom prst="rect">
+              <a:avLst/>
+            </a:prstGeom>
+            <a:solidFill>
+              <a:schemeClr val="bg1"/>
+            </a:solidFill>
+            <a:ln w="57150">
+              <a:solidFill>
+                <a:schemeClr val="tx1">
+                  <a:lumMod val="65000"/>
+                  <a:lumOff val="35000"/>
+                </a:schemeClr>
+              </a:solidFill>
+            </a:ln>
+            <a:scene3d>
+              <a:camera prst="obliqueTopRight"/>
+              <a:lightRig rig="threePt" dir="t"/>
+            </a:scene3d>
+          </p:spPr>
+          <p:style>
+            <a:lnRef idx="2">
+              <a:schemeClr val="accent1">
+                <a:shade val="50000"/>
+              </a:schemeClr>
+            </a:lnRef>
+            <a:fillRef idx="1">
+              <a:schemeClr val="accent1"/>
+            </a:fillRef>
+            <a:effectRef idx="0">
+              <a:schemeClr val="accent1"/>
+            </a:effectRef>
+            <a:fontRef idx="minor">
+              <a:schemeClr val="lt1"/>
+            </a:fontRef>
+          </p:style>
+          <p:txBody>
+            <a:bodyPr rtlCol="0" anchor="ctr"/>
+            <a:lstStyle/>
+            <a:p>
+              <a:pPr algn="ctr"/>
+              <a:endParaRPr lang="en-US"/>
+            </a:p>
+          </p:txBody>
+        </p:sp>
+        <p:sp>
+          <p:nvSpPr>
+            <p:cNvPr id="6" name="TextBox 5"/>
+            <p:cNvSpPr txBox="1"/>
+            <p:nvPr/>
+          </p:nvSpPr>
+          <p:spPr>
+            <a:xfrm>
+              <a:off x="2457856" y="2133105"/>
+              <a:ext cx="2017552" cy="1107996"/>
+            </a:xfrm>
+            <a:prstGeom prst="rect">
+              <a:avLst/>
+            </a:prstGeom>
+            <a:noFill/>
+          </p:spPr>
+          <p:txBody>
+            <a:bodyPr wrap="square" rtlCol="0">
+              <a:spAutoFit/>
+            </a:bodyPr>
+            <a:lstStyle/>
+            <a:p>
+              <a:pPr algn="ctr"/>
+              <a:r>
+                <a:rPr lang="en-US" sz="6600" smtClean="0">
+                  <a:latin typeface="Britannic Bold" panose="020B0903060703020204" pitchFamily="34" charset="0"/>
+                </a:rPr>
+                <a:t>X</a:t>
+              </a:r>
+              <a:r>
+                <a:rPr lang="en-US" sz="6600" baseline="-25000" smtClean="0">
+                  <a:latin typeface="Britannic Bold" panose="020B0903060703020204" pitchFamily="34" charset="0"/>
+                </a:rPr>
+                <a:t>2</a:t>
+              </a:r>
+              <a:endParaRPr lang="en-US" sz="6600">
+                <a:latin typeface="Britannic Bold" panose="020B0903060703020204" pitchFamily="34" charset="0"/>
+              </a:endParaRPr>
+            </a:p>
+          </p:txBody>
+        </p:sp>
+      </p:grpSp>
+      <p:grpSp>
+        <p:nvGrpSpPr>
+          <p:cNvPr id="8" name="Group 7"/>
+          <p:cNvGrpSpPr/>
+          <p:nvPr/>
+        </p:nvGrpSpPr>
+        <p:grpSpPr>
+          <a:xfrm>
+            <a:off x="9026748" y="2747088"/>
+            <a:ext cx="2092569" cy="1380392"/>
+            <a:chOff x="2412023" y="1998785"/>
+            <a:chExt cx="2092569" cy="1380392"/>
+          </a:xfrm>
+        </p:grpSpPr>
+        <p:sp>
+          <p:nvSpPr>
+            <p:cNvPr id="9" name="Rectangle 8"/>
+            <p:cNvSpPr/>
+            <p:nvPr/>
+          </p:nvSpPr>
+          <p:spPr>
+            <a:xfrm>
+              <a:off x="2412023" y="1998785"/>
+              <a:ext cx="2092569" cy="1380392"/>
+            </a:xfrm>
+            <a:prstGeom prst="rect">
+              <a:avLst/>
+            </a:prstGeom>
+            <a:solidFill>
+              <a:schemeClr val="bg1"/>
+            </a:solidFill>
+            <a:ln w="57150">
+              <a:solidFill>
+                <a:schemeClr val="tx1">
+                  <a:lumMod val="65000"/>
+                  <a:lumOff val="35000"/>
+                </a:schemeClr>
+              </a:solidFill>
+            </a:ln>
+            <a:scene3d>
+              <a:camera prst="obliqueTopRight"/>
+              <a:lightRig rig="threePt" dir="t"/>
+            </a:scene3d>
+          </p:spPr>
+          <p:style>
+            <a:lnRef idx="2">
+              <a:schemeClr val="accent1">
+                <a:shade val="50000"/>
+              </a:schemeClr>
+            </a:lnRef>
+            <a:fillRef idx="1">
+              <a:schemeClr val="accent1"/>
+            </a:fillRef>
+            <a:effectRef idx="0">
+              <a:schemeClr val="accent1"/>
+            </a:effectRef>
+            <a:fontRef idx="minor">
+              <a:schemeClr val="lt1"/>
+            </a:fontRef>
+          </p:style>
+          <p:txBody>
+            <a:bodyPr rtlCol="0" anchor="ctr"/>
+            <a:lstStyle/>
+            <a:p>
+              <a:pPr algn="ctr"/>
+              <a:endParaRPr lang="en-US"/>
+            </a:p>
+          </p:txBody>
+        </p:sp>
+        <p:sp>
+          <p:nvSpPr>
+            <p:cNvPr id="10" name="TextBox 9"/>
+            <p:cNvSpPr txBox="1"/>
+            <p:nvPr/>
+          </p:nvSpPr>
+          <p:spPr>
+            <a:xfrm>
+              <a:off x="2457856" y="2133105"/>
+              <a:ext cx="2017552" cy="1107996"/>
+            </a:xfrm>
+            <a:prstGeom prst="rect">
+              <a:avLst/>
+            </a:prstGeom>
+            <a:noFill/>
+          </p:spPr>
+          <p:txBody>
+            <a:bodyPr wrap="square" rtlCol="0">
+              <a:spAutoFit/>
+            </a:bodyPr>
+            <a:lstStyle/>
+            <a:p>
+              <a:pPr algn="ctr"/>
+              <a:r>
+                <a:rPr lang="en-US" sz="6600" smtClean="0">
+                  <a:latin typeface="Britannic Bold" panose="020B0903060703020204" pitchFamily="34" charset="0"/>
+                </a:rPr>
+                <a:t>Y</a:t>
+              </a:r>
+              <a:endParaRPr lang="en-US" sz="6600">
+                <a:latin typeface="Britannic Bold" panose="020B0903060703020204" pitchFamily="34" charset="0"/>
+              </a:endParaRPr>
+            </a:p>
+          </p:txBody>
+        </p:sp>
+      </p:grpSp>
+      <p:cxnSp>
+        <p:nvCxnSpPr>
+          <p:cNvPr id="12" name="Straight Arrow Connector 11"/>
+          <p:cNvCxnSpPr/>
+          <p:nvPr/>
+        </p:nvCxnSpPr>
+        <p:spPr>
+          <a:xfrm flipV="1">
+            <a:off x="3254477" y="3736258"/>
+            <a:ext cx="5730501" cy="1069649"/>
+          </a:xfrm>
+          <a:prstGeom prst="straightConnector1">
+            <a:avLst/>
+          </a:prstGeom>
+          <a:ln w="38100">
+            <a:solidFill>
+              <a:schemeClr val="tx1">
+                <a:lumMod val="95000"/>
+                <a:lumOff val="5000"/>
+              </a:schemeClr>
+            </a:solidFill>
+            <a:headEnd type="none" w="lg" len="lg"/>
+            <a:tailEnd type="triangle" w="lg" len="lg"/>
+          </a:ln>
+        </p:spPr>
+        <p:style>
+          <a:lnRef idx="1">
+            <a:schemeClr val="accent1"/>
+          </a:lnRef>
+          <a:fillRef idx="0">
+            <a:schemeClr val="accent1"/>
+          </a:fillRef>
+          <a:effectRef idx="0">
+            <a:schemeClr val="accent1"/>
+          </a:effectRef>
+          <a:fontRef idx="minor">
+            <a:schemeClr val="tx1"/>
+          </a:fontRef>
+        </p:style>
+      </p:cxnSp>
+      <p:grpSp>
+        <p:nvGrpSpPr>
+          <p:cNvPr id="13" name="Group 12"/>
+          <p:cNvGrpSpPr/>
+          <p:nvPr/>
+        </p:nvGrpSpPr>
+        <p:grpSpPr>
+          <a:xfrm>
+            <a:off x="1075466" y="1309905"/>
+            <a:ext cx="2092569" cy="1380392"/>
+            <a:chOff x="2412023" y="1998785"/>
+            <a:chExt cx="2092569" cy="1380392"/>
+          </a:xfrm>
+        </p:grpSpPr>
+        <p:sp>
+          <p:nvSpPr>
+            <p:cNvPr id="14" name="Rectangle 13"/>
+            <p:cNvSpPr/>
+            <p:nvPr/>
+          </p:nvSpPr>
+          <p:spPr>
+            <a:xfrm>
+              <a:off x="2412023" y="1998785"/>
+              <a:ext cx="2092569" cy="1380392"/>
+            </a:xfrm>
+            <a:prstGeom prst="rect">
+              <a:avLst/>
+            </a:prstGeom>
+            <a:solidFill>
+              <a:schemeClr val="bg1"/>
+            </a:solidFill>
+            <a:ln w="57150">
+              <a:solidFill>
+                <a:schemeClr val="tx1">
+                  <a:lumMod val="65000"/>
+                  <a:lumOff val="35000"/>
+                </a:schemeClr>
+              </a:solidFill>
+            </a:ln>
+            <a:scene3d>
+              <a:camera prst="obliqueTopRight"/>
+              <a:lightRig rig="threePt" dir="t"/>
+            </a:scene3d>
+          </p:spPr>
+          <p:style>
+            <a:lnRef idx="2">
+              <a:schemeClr val="accent1">
+                <a:shade val="50000"/>
+              </a:schemeClr>
+            </a:lnRef>
+            <a:fillRef idx="1">
+              <a:schemeClr val="accent1"/>
+            </a:fillRef>
+            <a:effectRef idx="0">
+              <a:schemeClr val="accent1"/>
+            </a:effectRef>
+            <a:fontRef idx="minor">
+              <a:schemeClr val="lt1"/>
+            </a:fontRef>
+          </p:style>
+          <p:txBody>
+            <a:bodyPr rtlCol="0" anchor="ctr"/>
+            <a:lstStyle/>
+            <a:p>
+              <a:pPr algn="ctr"/>
+              <a:endParaRPr lang="en-US"/>
+            </a:p>
+          </p:txBody>
+        </p:sp>
+        <p:sp>
+          <p:nvSpPr>
+            <p:cNvPr id="15" name="TextBox 14"/>
+            <p:cNvSpPr txBox="1"/>
+            <p:nvPr/>
+          </p:nvSpPr>
+          <p:spPr>
+            <a:xfrm>
+              <a:off x="2457856" y="2133105"/>
+              <a:ext cx="2017552" cy="1107996"/>
+            </a:xfrm>
+            <a:prstGeom prst="rect">
+              <a:avLst/>
+            </a:prstGeom>
+            <a:noFill/>
+          </p:spPr>
+          <p:txBody>
+            <a:bodyPr wrap="square" rtlCol="0">
+              <a:spAutoFit/>
+            </a:bodyPr>
+            <a:lstStyle/>
+            <a:p>
+              <a:pPr algn="ctr"/>
+              <a:r>
+                <a:rPr lang="en-US" sz="6600" smtClean="0">
+                  <a:latin typeface="Britannic Bold" panose="020B0903060703020204" pitchFamily="34" charset="0"/>
+                </a:rPr>
+                <a:t>X</a:t>
+              </a:r>
+              <a:r>
+                <a:rPr lang="en-US" sz="6600" baseline="-25000" smtClean="0">
+                  <a:latin typeface="Britannic Bold" panose="020B0903060703020204" pitchFamily="34" charset="0"/>
+                </a:rPr>
+                <a:t>1</a:t>
+              </a:r>
+              <a:endParaRPr lang="en-US" sz="6600">
+                <a:latin typeface="Britannic Bold" panose="020B0903060703020204" pitchFamily="34" charset="0"/>
+              </a:endParaRPr>
+            </a:p>
+          </p:txBody>
+        </p:sp>
+      </p:grpSp>
+      <p:cxnSp>
+        <p:nvCxnSpPr>
+          <p:cNvPr id="16" name="Straight Arrow Connector 15"/>
+          <p:cNvCxnSpPr/>
+          <p:nvPr/>
+        </p:nvCxnSpPr>
+        <p:spPr>
+          <a:xfrm>
+            <a:off x="3239732" y="1969295"/>
+            <a:ext cx="5745246" cy="1098370"/>
+          </a:xfrm>
+          <a:prstGeom prst="straightConnector1">
+            <a:avLst/>
+          </a:prstGeom>
+          <a:ln w="38100">
+            <a:solidFill>
+              <a:schemeClr val="tx1">
+                <a:lumMod val="95000"/>
+                <a:lumOff val="5000"/>
+              </a:schemeClr>
+            </a:solidFill>
+            <a:headEnd type="none" w="lg" len="lg"/>
+            <a:tailEnd type="triangle" w="lg" len="lg"/>
+          </a:ln>
+        </p:spPr>
+        <p:style>
+          <a:lnRef idx="1">
+            <a:schemeClr val="accent1"/>
+          </a:lnRef>
+          <a:fillRef idx="0">
+            <a:schemeClr val="accent1"/>
+          </a:fillRef>
+          <a:effectRef idx="0">
+            <a:schemeClr val="accent1"/>
+          </a:effectRef>
+          <a:fontRef idx="minor">
+            <a:schemeClr val="tx1"/>
+          </a:fontRef>
+        </p:style>
+      </p:cxnSp>
+      <p:sp>
+        <p:nvSpPr>
+          <p:cNvPr id="17" name="TextBox 16"/>
+          <p:cNvSpPr txBox="1"/>
+          <p:nvPr/>
+        </p:nvSpPr>
+        <p:spPr>
+          <a:xfrm>
+            <a:off x="5922867" y="3788542"/>
+            <a:ext cx="363794" cy="523220"/>
+          </a:xfrm>
+          <a:prstGeom prst="rect">
+            <a:avLst/>
+          </a:prstGeom>
+          <a:noFill/>
+        </p:spPr>
+        <p:txBody>
+          <a:bodyPr wrap="square" rtlCol="0">
+            <a:spAutoFit/>
+          </a:bodyPr>
+          <a:lstStyle/>
+          <a:p>
+            <a:r>
+              <a:rPr lang="en-US" sz="2800">
+                <a:latin typeface="Britannic Bold" panose="020B0903060703020204" pitchFamily="34" charset="0"/>
+              </a:rPr>
+              <a:t>b</a:t>
+            </a:r>
+          </a:p>
+        </p:txBody>
+      </p:sp>
+      <p:sp>
+        <p:nvSpPr>
+          <p:cNvPr id="18" name="TextBox 17"/>
+          <p:cNvSpPr txBox="1"/>
+          <p:nvPr/>
+        </p:nvSpPr>
+        <p:spPr>
+          <a:xfrm>
+            <a:off x="5922867" y="2030081"/>
+            <a:ext cx="363794" cy="523220"/>
+          </a:xfrm>
+          <a:prstGeom prst="rect">
+            <a:avLst/>
+          </a:prstGeom>
+          <a:noFill/>
+        </p:spPr>
+        <p:txBody>
+          <a:bodyPr wrap="square" rtlCol="0">
+            <a:spAutoFit/>
+          </a:bodyPr>
+          <a:lstStyle/>
+          <a:p>
+            <a:r>
+              <a:rPr lang="en-US" sz="2800" smtClean="0">
+                <a:latin typeface="Britannic Bold" panose="020B0903060703020204" pitchFamily="34" charset="0"/>
+              </a:rPr>
+              <a:t>a</a:t>
+            </a:r>
+            <a:endParaRPr lang="en-US" sz="2800">
+              <a:latin typeface="Britannic Bold" panose="020B0903060703020204" pitchFamily="34" charset="0"/>
+            </a:endParaRPr>
+          </a:p>
+        </p:txBody>
+      </p:sp>
+    </p:spTree>
+    <p:extLst>
+      <p:ext uri="{BB962C8B-B14F-4D97-AF65-F5344CB8AC3E}">
+        <p14:creationId xmlns:p14="http://schemas.microsoft.com/office/powerpoint/2010/main" val="3063292841"/>
+      </p:ext>
+    </p:extLst>
+  </p:cSld>
+  <p:clrMapOvr>
+    <a:masterClrMapping/>
+  </p:clrMapOvr>
+</p:sld>
+</file>
+
+<file path=ppt/slides/slide30.xml><?xml version="1.0" encoding="utf-8"?>
 <p:sld xmlns:a="http://schemas.openxmlformats.org/drawingml/2006/main" xmlns:r="http://schemas.openxmlformats.org/officeDocument/2006/relationships" xmlns:p="http://schemas.openxmlformats.org/presentationml/2006/main">
   <p:cSld>
     <p:spTree>
@@ -14580,538 +20207,6 @@
     <p:extLst>
       <p:ext uri="{BB962C8B-B14F-4D97-AF65-F5344CB8AC3E}">
         <p14:creationId xmlns:p14="http://schemas.microsoft.com/office/powerpoint/2010/main" val="2569958756"/>
-      </p:ext>
-    </p:extLst>
-  </p:cSld>
-  <p:clrMapOvr>
-    <a:masterClrMapping/>
-  </p:clrMapOvr>
-</p:sld>
-</file>
-
-<file path=ppt/slides/slide3.xml><?xml version="1.0" encoding="utf-8"?>
-<p:sld xmlns:a="http://schemas.openxmlformats.org/drawingml/2006/main" xmlns:r="http://schemas.openxmlformats.org/officeDocument/2006/relationships" xmlns:p="http://schemas.openxmlformats.org/presentationml/2006/main">
-  <p:cSld>
-    <p:spTree>
-      <p:nvGrpSpPr>
-        <p:cNvPr id="1" name=""/>
-        <p:cNvGrpSpPr/>
-        <p:nvPr/>
-      </p:nvGrpSpPr>
-      <p:grpSpPr>
-        <a:xfrm>
-          <a:off x="0" y="0"/>
-          <a:ext cx="0" cy="0"/>
-          <a:chOff x="0" y="0"/>
-          <a:chExt cx="0" cy="0"/>
-        </a:xfrm>
-      </p:grpSpPr>
-      <p:sp>
-        <p:nvSpPr>
-          <p:cNvPr id="4" name="TextBox 3"/>
-          <p:cNvSpPr txBox="1"/>
-          <p:nvPr/>
-        </p:nvSpPr>
-        <p:spPr>
-          <a:xfrm>
-            <a:off x="0" y="6488668"/>
-            <a:ext cx="3419856" cy="369332"/>
-          </a:xfrm>
-          <a:prstGeom prst="rect">
-            <a:avLst/>
-          </a:prstGeom>
-          <a:noFill/>
-        </p:spPr>
-        <p:txBody>
-          <a:bodyPr wrap="square" rtlCol="0">
-            <a:spAutoFit/>
-          </a:bodyPr>
-          <a:lstStyle/>
-          <a:p>
-            <a:r>
-              <a:rPr lang="en-US" dirty="0" smtClean="0"/>
-              <a:t>© Jochem Tolsma 2020</a:t>
-            </a:r>
-            <a:endParaRPr lang="en-US" dirty="0"/>
-          </a:p>
-        </p:txBody>
-      </p:sp>
-      <p:grpSp>
-        <p:nvGrpSpPr>
-          <p:cNvPr id="7" name="Group 6"/>
-          <p:cNvGrpSpPr/>
-          <p:nvPr/>
-        </p:nvGrpSpPr>
-        <p:grpSpPr>
-          <a:xfrm>
-            <a:off x="1090211" y="4146517"/>
-            <a:ext cx="2092569" cy="1380392"/>
-            <a:chOff x="2412023" y="1998785"/>
-            <a:chExt cx="2092569" cy="1380392"/>
-          </a:xfrm>
-        </p:grpSpPr>
-        <p:sp>
-          <p:nvSpPr>
-            <p:cNvPr id="5" name="Rectangle 4"/>
-            <p:cNvSpPr/>
-            <p:nvPr/>
-          </p:nvSpPr>
-          <p:spPr>
-            <a:xfrm>
-              <a:off x="2412023" y="1998785"/>
-              <a:ext cx="2092569" cy="1380392"/>
-            </a:xfrm>
-            <a:prstGeom prst="rect">
-              <a:avLst/>
-            </a:prstGeom>
-            <a:solidFill>
-              <a:schemeClr val="bg1"/>
-            </a:solidFill>
-            <a:ln w="57150">
-              <a:solidFill>
-                <a:schemeClr val="tx1">
-                  <a:lumMod val="65000"/>
-                  <a:lumOff val="35000"/>
-                </a:schemeClr>
-              </a:solidFill>
-            </a:ln>
-            <a:scene3d>
-              <a:camera prst="obliqueTopRight"/>
-              <a:lightRig rig="threePt" dir="t"/>
-            </a:scene3d>
-          </p:spPr>
-          <p:style>
-            <a:lnRef idx="2">
-              <a:schemeClr val="accent1">
-                <a:shade val="50000"/>
-              </a:schemeClr>
-            </a:lnRef>
-            <a:fillRef idx="1">
-              <a:schemeClr val="accent1"/>
-            </a:fillRef>
-            <a:effectRef idx="0">
-              <a:schemeClr val="accent1"/>
-            </a:effectRef>
-            <a:fontRef idx="minor">
-              <a:schemeClr val="lt1"/>
-            </a:fontRef>
-          </p:style>
-          <p:txBody>
-            <a:bodyPr rtlCol="0" anchor="ctr"/>
-            <a:lstStyle/>
-            <a:p>
-              <a:pPr algn="ctr"/>
-              <a:endParaRPr lang="en-US"/>
-            </a:p>
-          </p:txBody>
-        </p:sp>
-        <p:sp>
-          <p:nvSpPr>
-            <p:cNvPr id="6" name="TextBox 5"/>
-            <p:cNvSpPr txBox="1"/>
-            <p:nvPr/>
-          </p:nvSpPr>
-          <p:spPr>
-            <a:xfrm>
-              <a:off x="2457856" y="2133105"/>
-              <a:ext cx="2017552" cy="1107996"/>
-            </a:xfrm>
-            <a:prstGeom prst="rect">
-              <a:avLst/>
-            </a:prstGeom>
-            <a:noFill/>
-          </p:spPr>
-          <p:txBody>
-            <a:bodyPr wrap="square" rtlCol="0">
-              <a:spAutoFit/>
-            </a:bodyPr>
-            <a:lstStyle/>
-            <a:p>
-              <a:pPr algn="ctr"/>
-              <a:r>
-                <a:rPr lang="en-US" sz="6600" smtClean="0">
-                  <a:latin typeface="Britannic Bold" panose="020B0903060703020204" pitchFamily="34" charset="0"/>
-                </a:rPr>
-                <a:t>X</a:t>
-              </a:r>
-              <a:r>
-                <a:rPr lang="en-US" sz="6600" baseline="-25000" smtClean="0">
-                  <a:latin typeface="Britannic Bold" panose="020B0903060703020204" pitchFamily="34" charset="0"/>
-                </a:rPr>
-                <a:t>2</a:t>
-              </a:r>
-              <a:endParaRPr lang="en-US" sz="6600">
-                <a:latin typeface="Britannic Bold" panose="020B0903060703020204" pitchFamily="34" charset="0"/>
-              </a:endParaRPr>
-            </a:p>
-          </p:txBody>
-        </p:sp>
-      </p:grpSp>
-      <p:grpSp>
-        <p:nvGrpSpPr>
-          <p:cNvPr id="8" name="Group 7"/>
-          <p:cNvGrpSpPr/>
-          <p:nvPr/>
-        </p:nvGrpSpPr>
-        <p:grpSpPr>
-          <a:xfrm>
-            <a:off x="9026748" y="2747088"/>
-            <a:ext cx="2092569" cy="1380392"/>
-            <a:chOff x="2412023" y="1998785"/>
-            <a:chExt cx="2092569" cy="1380392"/>
-          </a:xfrm>
-        </p:grpSpPr>
-        <p:sp>
-          <p:nvSpPr>
-            <p:cNvPr id="9" name="Rectangle 8"/>
-            <p:cNvSpPr/>
-            <p:nvPr/>
-          </p:nvSpPr>
-          <p:spPr>
-            <a:xfrm>
-              <a:off x="2412023" y="1998785"/>
-              <a:ext cx="2092569" cy="1380392"/>
-            </a:xfrm>
-            <a:prstGeom prst="rect">
-              <a:avLst/>
-            </a:prstGeom>
-            <a:solidFill>
-              <a:schemeClr val="bg1"/>
-            </a:solidFill>
-            <a:ln w="57150">
-              <a:solidFill>
-                <a:schemeClr val="tx1">
-                  <a:lumMod val="65000"/>
-                  <a:lumOff val="35000"/>
-                </a:schemeClr>
-              </a:solidFill>
-            </a:ln>
-            <a:scene3d>
-              <a:camera prst="obliqueTopRight"/>
-              <a:lightRig rig="threePt" dir="t"/>
-            </a:scene3d>
-          </p:spPr>
-          <p:style>
-            <a:lnRef idx="2">
-              <a:schemeClr val="accent1">
-                <a:shade val="50000"/>
-              </a:schemeClr>
-            </a:lnRef>
-            <a:fillRef idx="1">
-              <a:schemeClr val="accent1"/>
-            </a:fillRef>
-            <a:effectRef idx="0">
-              <a:schemeClr val="accent1"/>
-            </a:effectRef>
-            <a:fontRef idx="minor">
-              <a:schemeClr val="lt1"/>
-            </a:fontRef>
-          </p:style>
-          <p:txBody>
-            <a:bodyPr rtlCol="0" anchor="ctr"/>
-            <a:lstStyle/>
-            <a:p>
-              <a:pPr algn="ctr"/>
-              <a:endParaRPr lang="en-US"/>
-            </a:p>
-          </p:txBody>
-        </p:sp>
-        <p:sp>
-          <p:nvSpPr>
-            <p:cNvPr id="10" name="TextBox 9"/>
-            <p:cNvSpPr txBox="1"/>
-            <p:nvPr/>
-          </p:nvSpPr>
-          <p:spPr>
-            <a:xfrm>
-              <a:off x="2457856" y="2133105"/>
-              <a:ext cx="2017552" cy="1107996"/>
-            </a:xfrm>
-            <a:prstGeom prst="rect">
-              <a:avLst/>
-            </a:prstGeom>
-            <a:noFill/>
-          </p:spPr>
-          <p:txBody>
-            <a:bodyPr wrap="square" rtlCol="0">
-              <a:spAutoFit/>
-            </a:bodyPr>
-            <a:lstStyle/>
-            <a:p>
-              <a:pPr algn="ctr"/>
-              <a:r>
-                <a:rPr lang="en-US" sz="6600" smtClean="0">
-                  <a:latin typeface="Britannic Bold" panose="020B0903060703020204" pitchFamily="34" charset="0"/>
-                </a:rPr>
-                <a:t>Y</a:t>
-              </a:r>
-              <a:endParaRPr lang="en-US" sz="6600">
-                <a:latin typeface="Britannic Bold" panose="020B0903060703020204" pitchFamily="34" charset="0"/>
-              </a:endParaRPr>
-            </a:p>
-          </p:txBody>
-        </p:sp>
-      </p:grpSp>
-      <p:cxnSp>
-        <p:nvCxnSpPr>
-          <p:cNvPr id="12" name="Straight Arrow Connector 11"/>
-          <p:cNvCxnSpPr/>
-          <p:nvPr/>
-        </p:nvCxnSpPr>
-        <p:spPr>
-          <a:xfrm flipV="1">
-            <a:off x="3254477" y="3736258"/>
-            <a:ext cx="5730501" cy="1069649"/>
-          </a:xfrm>
-          <a:prstGeom prst="straightConnector1">
-            <a:avLst/>
-          </a:prstGeom>
-          <a:ln w="38100">
-            <a:solidFill>
-              <a:schemeClr val="tx1">
-                <a:lumMod val="95000"/>
-                <a:lumOff val="5000"/>
-              </a:schemeClr>
-            </a:solidFill>
-            <a:headEnd type="none" w="lg" len="lg"/>
-            <a:tailEnd type="triangle" w="lg" len="lg"/>
-          </a:ln>
-        </p:spPr>
-        <p:style>
-          <a:lnRef idx="1">
-            <a:schemeClr val="accent1"/>
-          </a:lnRef>
-          <a:fillRef idx="0">
-            <a:schemeClr val="accent1"/>
-          </a:fillRef>
-          <a:effectRef idx="0">
-            <a:schemeClr val="accent1"/>
-          </a:effectRef>
-          <a:fontRef idx="minor">
-            <a:schemeClr val="tx1"/>
-          </a:fontRef>
-        </p:style>
-      </p:cxnSp>
-      <p:grpSp>
-        <p:nvGrpSpPr>
-          <p:cNvPr id="13" name="Group 12"/>
-          <p:cNvGrpSpPr/>
-          <p:nvPr/>
-        </p:nvGrpSpPr>
-        <p:grpSpPr>
-          <a:xfrm>
-            <a:off x="1075466" y="1309905"/>
-            <a:ext cx="2092569" cy="1380392"/>
-            <a:chOff x="2412023" y="1998785"/>
-            <a:chExt cx="2092569" cy="1380392"/>
-          </a:xfrm>
-        </p:grpSpPr>
-        <p:sp>
-          <p:nvSpPr>
-            <p:cNvPr id="14" name="Rectangle 13"/>
-            <p:cNvSpPr/>
-            <p:nvPr/>
-          </p:nvSpPr>
-          <p:spPr>
-            <a:xfrm>
-              <a:off x="2412023" y="1998785"/>
-              <a:ext cx="2092569" cy="1380392"/>
-            </a:xfrm>
-            <a:prstGeom prst="rect">
-              <a:avLst/>
-            </a:prstGeom>
-            <a:solidFill>
-              <a:schemeClr val="bg1"/>
-            </a:solidFill>
-            <a:ln w="57150">
-              <a:solidFill>
-                <a:schemeClr val="tx1">
-                  <a:lumMod val="65000"/>
-                  <a:lumOff val="35000"/>
-                </a:schemeClr>
-              </a:solidFill>
-            </a:ln>
-            <a:scene3d>
-              <a:camera prst="obliqueTopRight"/>
-              <a:lightRig rig="threePt" dir="t"/>
-            </a:scene3d>
-          </p:spPr>
-          <p:style>
-            <a:lnRef idx="2">
-              <a:schemeClr val="accent1">
-                <a:shade val="50000"/>
-              </a:schemeClr>
-            </a:lnRef>
-            <a:fillRef idx="1">
-              <a:schemeClr val="accent1"/>
-            </a:fillRef>
-            <a:effectRef idx="0">
-              <a:schemeClr val="accent1"/>
-            </a:effectRef>
-            <a:fontRef idx="minor">
-              <a:schemeClr val="lt1"/>
-            </a:fontRef>
-          </p:style>
-          <p:txBody>
-            <a:bodyPr rtlCol="0" anchor="ctr"/>
-            <a:lstStyle/>
-            <a:p>
-              <a:pPr algn="ctr"/>
-              <a:endParaRPr lang="en-US"/>
-            </a:p>
-          </p:txBody>
-        </p:sp>
-        <p:sp>
-          <p:nvSpPr>
-            <p:cNvPr id="15" name="TextBox 14"/>
-            <p:cNvSpPr txBox="1"/>
-            <p:nvPr/>
-          </p:nvSpPr>
-          <p:spPr>
-            <a:xfrm>
-              <a:off x="2457856" y="2133105"/>
-              <a:ext cx="2017552" cy="1107996"/>
-            </a:xfrm>
-            <a:prstGeom prst="rect">
-              <a:avLst/>
-            </a:prstGeom>
-            <a:noFill/>
-          </p:spPr>
-          <p:txBody>
-            <a:bodyPr wrap="square" rtlCol="0">
-              <a:spAutoFit/>
-            </a:bodyPr>
-            <a:lstStyle/>
-            <a:p>
-              <a:pPr algn="ctr"/>
-              <a:r>
-                <a:rPr lang="en-US" sz="6600" smtClean="0">
-                  <a:latin typeface="Britannic Bold" panose="020B0903060703020204" pitchFamily="34" charset="0"/>
-                </a:rPr>
-                <a:t>X</a:t>
-              </a:r>
-              <a:r>
-                <a:rPr lang="en-US" sz="6600" baseline="-25000" smtClean="0">
-                  <a:latin typeface="Britannic Bold" panose="020B0903060703020204" pitchFamily="34" charset="0"/>
-                </a:rPr>
-                <a:t>1</a:t>
-              </a:r>
-              <a:endParaRPr lang="en-US" sz="6600">
-                <a:latin typeface="Britannic Bold" panose="020B0903060703020204" pitchFamily="34" charset="0"/>
-              </a:endParaRPr>
-            </a:p>
-          </p:txBody>
-        </p:sp>
-      </p:grpSp>
-      <p:cxnSp>
-        <p:nvCxnSpPr>
-          <p:cNvPr id="16" name="Straight Arrow Connector 15"/>
-          <p:cNvCxnSpPr/>
-          <p:nvPr/>
-        </p:nvCxnSpPr>
-        <p:spPr>
-          <a:xfrm>
-            <a:off x="3239732" y="1969295"/>
-            <a:ext cx="5745246" cy="1098370"/>
-          </a:xfrm>
-          <a:prstGeom prst="straightConnector1">
-            <a:avLst/>
-          </a:prstGeom>
-          <a:ln w="38100">
-            <a:solidFill>
-              <a:schemeClr val="tx1">
-                <a:lumMod val="95000"/>
-                <a:lumOff val="5000"/>
-              </a:schemeClr>
-            </a:solidFill>
-            <a:headEnd type="none" w="lg" len="lg"/>
-            <a:tailEnd type="triangle" w="lg" len="lg"/>
-          </a:ln>
-        </p:spPr>
-        <p:style>
-          <a:lnRef idx="1">
-            <a:schemeClr val="accent1"/>
-          </a:lnRef>
-          <a:fillRef idx="0">
-            <a:schemeClr val="accent1"/>
-          </a:fillRef>
-          <a:effectRef idx="0">
-            <a:schemeClr val="accent1"/>
-          </a:effectRef>
-          <a:fontRef idx="minor">
-            <a:schemeClr val="tx1"/>
-          </a:fontRef>
-        </p:style>
-      </p:cxnSp>
-      <p:sp>
-        <p:nvSpPr>
-          <p:cNvPr id="17" name="TextBox 16"/>
-          <p:cNvSpPr txBox="1"/>
-          <p:nvPr/>
-        </p:nvSpPr>
-        <p:spPr>
-          <a:xfrm>
-            <a:off x="5922867" y="3788542"/>
-            <a:ext cx="363794" cy="523220"/>
-          </a:xfrm>
-          <a:prstGeom prst="rect">
-            <a:avLst/>
-          </a:prstGeom>
-          <a:noFill/>
-        </p:spPr>
-        <p:txBody>
-          <a:bodyPr wrap="square" rtlCol="0">
-            <a:spAutoFit/>
-          </a:bodyPr>
-          <a:lstStyle/>
-          <a:p>
-            <a:r>
-              <a:rPr lang="en-US" sz="2800">
-                <a:latin typeface="Britannic Bold" panose="020B0903060703020204" pitchFamily="34" charset="0"/>
-              </a:rPr>
-              <a:t>b</a:t>
-            </a:r>
-          </a:p>
-        </p:txBody>
-      </p:sp>
-      <p:sp>
-        <p:nvSpPr>
-          <p:cNvPr id="18" name="TextBox 17"/>
-          <p:cNvSpPr txBox="1"/>
-          <p:nvPr/>
-        </p:nvSpPr>
-        <p:spPr>
-          <a:xfrm>
-            <a:off x="5922867" y="2030081"/>
-            <a:ext cx="363794" cy="523220"/>
-          </a:xfrm>
-          <a:prstGeom prst="rect">
-            <a:avLst/>
-          </a:prstGeom>
-          <a:noFill/>
-        </p:spPr>
-        <p:txBody>
-          <a:bodyPr wrap="square" rtlCol="0">
-            <a:spAutoFit/>
-          </a:bodyPr>
-          <a:lstStyle/>
-          <a:p>
-            <a:r>
-              <a:rPr lang="en-US" sz="2800" smtClean="0">
-                <a:latin typeface="Britannic Bold" panose="020B0903060703020204" pitchFamily="34" charset="0"/>
-              </a:rPr>
-              <a:t>a</a:t>
-            </a:r>
-            <a:endParaRPr lang="en-US" sz="2800">
-              <a:latin typeface="Britannic Bold" panose="020B0903060703020204" pitchFamily="34" charset="0"/>
-            </a:endParaRPr>
-          </a:p>
-        </p:txBody>
-      </p:sp>
-    </p:spTree>
-    <p:extLst>
-      <p:ext uri="{BB962C8B-B14F-4D97-AF65-F5344CB8AC3E}">
-        <p14:creationId xmlns:p14="http://schemas.microsoft.com/office/powerpoint/2010/main" val="3063292841"/>
       </p:ext>
     </p:extLst>
   </p:cSld>
